--- a/Memoria/PFC HiperSerializer.pptx
+++ b/Memoria/PFC HiperSerializer.pptx
@@ -192,10 +192,9 @@
 <file path=ppt/charts/chart1.xml><?xml version="1.0" encoding="utf-8"?>
 <c:chartSpace xmlns:c="http://schemas.openxmlformats.org/drawingml/2006/chart" xmlns:a="http://schemas.openxmlformats.org/drawingml/2006/main" xmlns:r="http://schemas.openxmlformats.org/officeDocument/2006/relationships">
   <c:date1904 val="1"/>
-  <c:lang val="es-ES_tradnl"/>
+  <c:lang val="es-ES"/>
   <c:chart>
     <c:title>
-      <c:layout/>
       <c:txPr>
         <a:bodyPr/>
         <a:lstStyle/>
@@ -203,7 +202,7 @@
           <a:pPr>
             <a:defRPr lang="es-ES_tradnl"/>
           </a:pPr>
-          <a:endParaRPr lang="es-ES_tradnl"/>
+          <a:endParaRPr lang="es-ES"/>
         </a:p>
       </c:txPr>
     </c:title>
@@ -280,10 +279,10 @@
                   <c:v>103</c:v>
                 </c:pt>
                 <c:pt idx="4">
-                  <c:v>2849.3333333333608</c:v>
+                  <c:v>2849.333333333363</c:v>
                 </c:pt>
                 <c:pt idx="5">
-                  <c:v>1665.3333333333246</c:v>
+                  <c:v>1665.3333333333242</c:v>
                 </c:pt>
                 <c:pt idx="6">
                   <c:v>123</c:v>
@@ -298,11 +297,11 @@
             </c:numRef>
           </c:val>
         </c:ser>
-        <c:axId val="69636480"/>
-        <c:axId val="69638016"/>
+        <c:axId val="98962432"/>
+        <c:axId val="99050240"/>
       </c:barChart>
       <c:catAx>
-        <c:axId val="69636480"/>
+        <c:axId val="98962432"/>
         <c:scaling>
           <c:orientation val="minMax"/>
         </c:scaling>
@@ -315,17 +314,17 @@
             <a:pPr>
               <a:defRPr lang="es-ES_tradnl"/>
             </a:pPr>
-            <a:endParaRPr lang="es-ES_tradnl"/>
+            <a:endParaRPr lang="es-ES"/>
           </a:p>
         </c:txPr>
-        <c:crossAx val="69638016"/>
+        <c:crossAx val="99050240"/>
         <c:crosses val="autoZero"/>
         <c:auto val="1"/>
         <c:lblAlgn val="ctr"/>
         <c:lblOffset val="100"/>
       </c:catAx>
       <c:valAx>
-        <c:axId val="69638016"/>
+        <c:axId val="99050240"/>
         <c:scaling>
           <c:orientation val="minMax"/>
         </c:scaling>
@@ -340,10 +339,10 @@
             <a:pPr>
               <a:defRPr lang="es-ES_tradnl"/>
             </a:pPr>
-            <a:endParaRPr lang="es-ES_tradnl"/>
+            <a:endParaRPr lang="es-ES"/>
           </a:p>
         </c:txPr>
-        <c:crossAx val="69636480"/>
+        <c:crossAx val="98962432"/>
         <c:crosses val="autoZero"/>
         <c:crossBetween val="between"/>
       </c:valAx>
@@ -357,10 +356,9 @@
 <file path=ppt/charts/chart10.xml><?xml version="1.0" encoding="utf-8"?>
 <c:chartSpace xmlns:c="http://schemas.openxmlformats.org/drawingml/2006/chart" xmlns:a="http://schemas.openxmlformats.org/drawingml/2006/main" xmlns:r="http://schemas.openxmlformats.org/officeDocument/2006/relationships">
   <c:date1904 val="1"/>
-  <c:lang val="es-ES_tradnl"/>
+  <c:lang val="es-ES"/>
   <c:chart>
     <c:title>
-      <c:layout/>
       <c:txPr>
         <a:bodyPr/>
         <a:lstStyle/>
@@ -368,7 +366,7 @@
           <a:pPr>
             <a:defRPr lang="es-ES_tradnl"/>
           </a:pPr>
-          <a:endParaRPr lang="es-ES_tradnl"/>
+          <a:endParaRPr lang="es-ES"/>
         </a:p>
       </c:txPr>
     </c:title>
@@ -460,11 +458,11 @@
             </c:numRef>
           </c:val>
         </c:ser>
-        <c:axId val="71860224"/>
-        <c:axId val="71861760"/>
+        <c:axId val="100354688"/>
+        <c:axId val="100356480"/>
       </c:barChart>
       <c:catAx>
-        <c:axId val="71860224"/>
+        <c:axId val="100354688"/>
         <c:scaling>
           <c:orientation val="minMax"/>
         </c:scaling>
@@ -477,17 +475,17 @@
             <a:pPr>
               <a:defRPr lang="es-ES_tradnl"/>
             </a:pPr>
-            <a:endParaRPr lang="es-ES_tradnl"/>
+            <a:endParaRPr lang="es-ES"/>
           </a:p>
         </c:txPr>
-        <c:crossAx val="71861760"/>
+        <c:crossAx val="100356480"/>
         <c:crosses val="autoZero"/>
         <c:auto val="1"/>
         <c:lblAlgn val="ctr"/>
         <c:lblOffset val="100"/>
       </c:catAx>
       <c:valAx>
-        <c:axId val="71861760"/>
+        <c:axId val="100356480"/>
         <c:scaling>
           <c:orientation val="minMax"/>
         </c:scaling>
@@ -502,10 +500,10 @@
             <a:pPr>
               <a:defRPr lang="es-ES_tradnl"/>
             </a:pPr>
-            <a:endParaRPr lang="es-ES_tradnl"/>
+            <a:endParaRPr lang="es-ES"/>
           </a:p>
         </c:txPr>
-        <c:crossAx val="71860224"/>
+        <c:crossAx val="100354688"/>
         <c:crosses val="autoZero"/>
         <c:crossBetween val="between"/>
       </c:valAx>
@@ -519,10 +517,9 @@
 <file path=ppt/charts/chart11.xml><?xml version="1.0" encoding="utf-8"?>
 <c:chartSpace xmlns:c="http://schemas.openxmlformats.org/drawingml/2006/chart" xmlns:a="http://schemas.openxmlformats.org/drawingml/2006/main" xmlns:r="http://schemas.openxmlformats.org/officeDocument/2006/relationships">
   <c:date1904 val="1"/>
-  <c:lang val="es-ES_tradnl"/>
+  <c:lang val="es-ES"/>
   <c:chart>
     <c:title>
-      <c:layout/>
       <c:txPr>
         <a:bodyPr/>
         <a:lstStyle/>
@@ -530,7 +527,7 @@
           <a:pPr>
             <a:defRPr lang="es-ES_tradnl"/>
           </a:pPr>
-          <a:endParaRPr lang="es-ES_tradnl"/>
+          <a:endParaRPr lang="es-ES"/>
         </a:p>
       </c:txPr>
     </c:title>
@@ -607,10 +604,10 @@
                   <c:v>172</c:v>
                 </c:pt>
                 <c:pt idx="4">
-                  <c:v>1561.3333333333269</c:v>
+                  <c:v>1561.333333333326</c:v>
                 </c:pt>
                 <c:pt idx="5">
-                  <c:v>1466.8333333333269</c:v>
+                  <c:v>1466.833333333326</c:v>
                 </c:pt>
                 <c:pt idx="6">
                   <c:v>16</c:v>
@@ -625,11 +622,11 @@
             </c:numRef>
           </c:val>
         </c:ser>
-        <c:axId val="71963776"/>
-        <c:axId val="71965312"/>
+        <c:axId val="100397056"/>
+        <c:axId val="100398592"/>
       </c:barChart>
       <c:catAx>
-        <c:axId val="71963776"/>
+        <c:axId val="100397056"/>
         <c:scaling>
           <c:orientation val="minMax"/>
         </c:scaling>
@@ -642,17 +639,17 @@
             <a:pPr>
               <a:defRPr lang="es-ES_tradnl"/>
             </a:pPr>
-            <a:endParaRPr lang="es-ES_tradnl"/>
+            <a:endParaRPr lang="es-ES"/>
           </a:p>
         </c:txPr>
-        <c:crossAx val="71965312"/>
+        <c:crossAx val="100398592"/>
         <c:crosses val="autoZero"/>
         <c:auto val="1"/>
         <c:lblAlgn val="ctr"/>
         <c:lblOffset val="100"/>
       </c:catAx>
       <c:valAx>
-        <c:axId val="71965312"/>
+        <c:axId val="100398592"/>
         <c:scaling>
           <c:orientation val="minMax"/>
         </c:scaling>
@@ -667,10 +664,10 @@
             <a:pPr>
               <a:defRPr lang="es-ES_tradnl"/>
             </a:pPr>
-            <a:endParaRPr lang="es-ES_tradnl"/>
+            <a:endParaRPr lang="es-ES"/>
           </a:p>
         </c:txPr>
-        <c:crossAx val="71963776"/>
+        <c:crossAx val="100397056"/>
         <c:crosses val="autoZero"/>
         <c:crossBetween val="between"/>
       </c:valAx>
@@ -684,10 +681,9 @@
 <file path=ppt/charts/chart12.xml><?xml version="1.0" encoding="utf-8"?>
 <c:chartSpace xmlns:c="http://schemas.openxmlformats.org/drawingml/2006/chart" xmlns:a="http://schemas.openxmlformats.org/drawingml/2006/main" xmlns:r="http://schemas.openxmlformats.org/officeDocument/2006/relationships">
   <c:date1904 val="1"/>
-  <c:lang val="es-ES_tradnl"/>
+  <c:lang val="es-ES"/>
   <c:chart>
     <c:title>
-      <c:layout/>
       <c:txPr>
         <a:bodyPr/>
         <a:lstStyle/>
@@ -695,7 +691,7 @@
           <a:pPr>
             <a:defRPr lang="es-ES_tradnl"/>
           </a:pPr>
-          <a:endParaRPr lang="es-ES_tradnl"/>
+          <a:endParaRPr lang="es-ES"/>
         </a:p>
       </c:txPr>
     </c:title>
@@ -790,11 +786,11 @@
             </c:numRef>
           </c:val>
         </c:ser>
-        <c:axId val="72009984"/>
-        <c:axId val="72015872"/>
+        <c:axId val="100226176"/>
+        <c:axId val="100227712"/>
       </c:barChart>
       <c:catAx>
-        <c:axId val="72009984"/>
+        <c:axId val="100226176"/>
         <c:scaling>
           <c:orientation val="minMax"/>
         </c:scaling>
@@ -807,17 +803,17 @@
             <a:pPr>
               <a:defRPr lang="es-ES_tradnl"/>
             </a:pPr>
-            <a:endParaRPr lang="es-ES_tradnl"/>
+            <a:endParaRPr lang="es-ES"/>
           </a:p>
         </c:txPr>
-        <c:crossAx val="72015872"/>
+        <c:crossAx val="100227712"/>
         <c:crosses val="autoZero"/>
         <c:auto val="1"/>
         <c:lblAlgn val="ctr"/>
         <c:lblOffset val="100"/>
       </c:catAx>
       <c:valAx>
-        <c:axId val="72015872"/>
+        <c:axId val="100227712"/>
         <c:scaling>
           <c:orientation val="minMax"/>
         </c:scaling>
@@ -832,10 +828,10 @@
             <a:pPr>
               <a:defRPr lang="es-ES_tradnl"/>
             </a:pPr>
-            <a:endParaRPr lang="es-ES_tradnl"/>
+            <a:endParaRPr lang="es-ES"/>
           </a:p>
         </c:txPr>
-        <c:crossAx val="72009984"/>
+        <c:crossAx val="100226176"/>
         <c:crosses val="autoZero"/>
         <c:crossBetween val="between"/>
       </c:valAx>
@@ -849,10 +845,9 @@
 <file path=ppt/charts/chart13.xml><?xml version="1.0" encoding="utf-8"?>
 <c:chartSpace xmlns:c="http://schemas.openxmlformats.org/drawingml/2006/chart" xmlns:a="http://schemas.openxmlformats.org/drawingml/2006/main" xmlns:r="http://schemas.openxmlformats.org/officeDocument/2006/relationships">
   <c:date1904 val="1"/>
-  <c:lang val="es-ES_tradnl"/>
+  <c:lang val="es-ES"/>
   <c:chart>
     <c:title>
-      <c:layout/>
       <c:txPr>
         <a:bodyPr/>
         <a:lstStyle/>
@@ -860,7 +855,7 @@
           <a:pPr>
             <a:defRPr lang="es-ES_tradnl"/>
           </a:pPr>
-          <a:endParaRPr lang="es-ES_tradnl"/>
+          <a:endParaRPr lang="es-ES"/>
         </a:p>
       </c:txPr>
     </c:title>
@@ -952,11 +947,11 @@
             </c:numRef>
           </c:val>
         </c:ser>
-        <c:axId val="72052096"/>
-        <c:axId val="72066176"/>
+        <c:axId val="100411648"/>
+        <c:axId val="100413440"/>
       </c:barChart>
       <c:catAx>
-        <c:axId val="72052096"/>
+        <c:axId val="100411648"/>
         <c:scaling>
           <c:orientation val="minMax"/>
         </c:scaling>
@@ -969,17 +964,17 @@
             <a:pPr>
               <a:defRPr lang="es-ES_tradnl"/>
             </a:pPr>
-            <a:endParaRPr lang="es-ES_tradnl"/>
+            <a:endParaRPr lang="es-ES"/>
           </a:p>
         </c:txPr>
-        <c:crossAx val="72066176"/>
+        <c:crossAx val="100413440"/>
         <c:crosses val="autoZero"/>
         <c:auto val="1"/>
         <c:lblAlgn val="ctr"/>
         <c:lblOffset val="100"/>
       </c:catAx>
       <c:valAx>
-        <c:axId val="72066176"/>
+        <c:axId val="100413440"/>
         <c:scaling>
           <c:orientation val="minMax"/>
         </c:scaling>
@@ -994,10 +989,10 @@
             <a:pPr>
               <a:defRPr lang="es-ES_tradnl"/>
             </a:pPr>
-            <a:endParaRPr lang="es-ES_tradnl"/>
+            <a:endParaRPr lang="es-ES"/>
           </a:p>
         </c:txPr>
-        <c:crossAx val="72052096"/>
+        <c:crossAx val="100411648"/>
         <c:crosses val="autoZero"/>
         <c:crossBetween val="between"/>
       </c:valAx>
@@ -1011,10 +1006,9 @@
 <file path=ppt/charts/chart14.xml><?xml version="1.0" encoding="utf-8"?>
 <c:chartSpace xmlns:c="http://schemas.openxmlformats.org/drawingml/2006/chart" xmlns:a="http://schemas.openxmlformats.org/drawingml/2006/main" xmlns:r="http://schemas.openxmlformats.org/officeDocument/2006/relationships">
   <c:date1904 val="1"/>
-  <c:lang val="es-ES_tradnl"/>
+  <c:lang val="es-ES"/>
   <c:chart>
     <c:title>
-      <c:layout/>
       <c:txPr>
         <a:bodyPr/>
         <a:lstStyle/>
@@ -1022,7 +1016,7 @@
           <a:pPr>
             <a:defRPr lang="es-ES_tradnl"/>
           </a:pPr>
-          <a:endParaRPr lang="es-ES_tradnl"/>
+          <a:endParaRPr lang="es-ES"/>
         </a:p>
       </c:txPr>
     </c:title>
@@ -1114,11 +1108,11 @@
             </c:numRef>
           </c:val>
         </c:ser>
-        <c:axId val="72094464"/>
-        <c:axId val="72096000"/>
+        <c:axId val="100425088"/>
+        <c:axId val="100455552"/>
       </c:barChart>
       <c:catAx>
-        <c:axId val="72094464"/>
+        <c:axId val="100425088"/>
         <c:scaling>
           <c:orientation val="minMax"/>
         </c:scaling>
@@ -1131,17 +1125,17 @@
             <a:pPr>
               <a:defRPr lang="es-ES_tradnl"/>
             </a:pPr>
-            <a:endParaRPr lang="es-ES_tradnl"/>
+            <a:endParaRPr lang="es-ES"/>
           </a:p>
         </c:txPr>
-        <c:crossAx val="72096000"/>
+        <c:crossAx val="100455552"/>
         <c:crosses val="autoZero"/>
         <c:auto val="1"/>
         <c:lblAlgn val="ctr"/>
         <c:lblOffset val="100"/>
       </c:catAx>
       <c:valAx>
-        <c:axId val="72096000"/>
+        <c:axId val="100455552"/>
         <c:scaling>
           <c:orientation val="minMax"/>
         </c:scaling>
@@ -1156,10 +1150,10 @@
             <a:pPr>
               <a:defRPr lang="es-ES_tradnl"/>
             </a:pPr>
-            <a:endParaRPr lang="es-ES_tradnl"/>
+            <a:endParaRPr lang="es-ES"/>
           </a:p>
         </c:txPr>
-        <c:crossAx val="72094464"/>
+        <c:crossAx val="100425088"/>
         <c:crosses val="autoZero"/>
         <c:crossBetween val="between"/>
       </c:valAx>
@@ -1173,10 +1167,9 @@
 <file path=ppt/charts/chart2.xml><?xml version="1.0" encoding="utf-8"?>
 <c:chartSpace xmlns:c="http://schemas.openxmlformats.org/drawingml/2006/chart" xmlns:a="http://schemas.openxmlformats.org/drawingml/2006/main" xmlns:r="http://schemas.openxmlformats.org/officeDocument/2006/relationships">
   <c:date1904 val="1"/>
-  <c:lang val="es-ES_tradnl"/>
+  <c:lang val="es-ES"/>
   <c:chart>
     <c:title>
-      <c:layout/>
       <c:txPr>
         <a:bodyPr/>
         <a:lstStyle/>
@@ -1184,7 +1177,7 @@
           <a:pPr>
             <a:defRPr lang="es-ES_tradnl"/>
           </a:pPr>
-          <a:endParaRPr lang="es-ES_tradnl"/>
+          <a:endParaRPr lang="es-ES"/>
         </a:p>
       </c:txPr>
     </c:title>
@@ -1279,11 +1272,11 @@
             </c:numRef>
           </c:val>
         </c:ser>
-        <c:axId val="71636480"/>
-        <c:axId val="71638016"/>
+        <c:axId val="99012992"/>
+        <c:axId val="99014528"/>
       </c:barChart>
       <c:catAx>
-        <c:axId val="71636480"/>
+        <c:axId val="99012992"/>
         <c:scaling>
           <c:orientation val="minMax"/>
         </c:scaling>
@@ -1296,17 +1289,17 @@
             <a:pPr>
               <a:defRPr lang="es-ES_tradnl"/>
             </a:pPr>
-            <a:endParaRPr lang="es-ES_tradnl"/>
+            <a:endParaRPr lang="es-ES"/>
           </a:p>
         </c:txPr>
-        <c:crossAx val="71638016"/>
+        <c:crossAx val="99014528"/>
         <c:crosses val="autoZero"/>
         <c:auto val="1"/>
         <c:lblAlgn val="ctr"/>
         <c:lblOffset val="100"/>
       </c:catAx>
       <c:valAx>
-        <c:axId val="71638016"/>
+        <c:axId val="99014528"/>
         <c:scaling>
           <c:orientation val="minMax"/>
         </c:scaling>
@@ -1321,10 +1314,10 @@
             <a:pPr>
               <a:defRPr lang="es-ES_tradnl"/>
             </a:pPr>
-            <a:endParaRPr lang="es-ES_tradnl"/>
+            <a:endParaRPr lang="es-ES"/>
           </a:p>
         </c:txPr>
-        <c:crossAx val="71636480"/>
+        <c:crossAx val="99012992"/>
         <c:crosses val="autoZero"/>
         <c:crossBetween val="between"/>
       </c:valAx>
@@ -1338,7 +1331,7 @@
 <file path=ppt/charts/chart3.xml><?xml version="1.0" encoding="utf-8"?>
 <c:chartSpace xmlns:c="http://schemas.openxmlformats.org/drawingml/2006/chart" xmlns:a="http://schemas.openxmlformats.org/drawingml/2006/main" xmlns:r="http://schemas.openxmlformats.org/officeDocument/2006/relationships">
   <c:date1904 val="1"/>
-  <c:lang val="es-ES_tradnl"/>
+  <c:lang val="es-ES"/>
   <c:chart>
     <c:title>
       <c:tx>
@@ -1361,7 +1354,6 @@
           </a:p>
         </c:rich>
       </c:tx>
-      <c:layout/>
     </c:title>
     <c:plotArea>
       <c:layout/>
@@ -1451,11 +1443,11 @@
             </c:numRef>
           </c:val>
         </c:ser>
-        <c:axId val="71674496"/>
-        <c:axId val="71688576"/>
+        <c:axId val="99964416"/>
+        <c:axId val="99965952"/>
       </c:barChart>
       <c:catAx>
-        <c:axId val="71674496"/>
+        <c:axId val="99964416"/>
         <c:scaling>
           <c:orientation val="minMax"/>
         </c:scaling>
@@ -1468,17 +1460,17 @@
             <a:pPr>
               <a:defRPr lang="es-ES_tradnl"/>
             </a:pPr>
-            <a:endParaRPr lang="es-ES_tradnl"/>
+            <a:endParaRPr lang="es-ES"/>
           </a:p>
         </c:txPr>
-        <c:crossAx val="71688576"/>
+        <c:crossAx val="99965952"/>
         <c:crosses val="autoZero"/>
         <c:auto val="1"/>
         <c:lblAlgn val="ctr"/>
         <c:lblOffset val="100"/>
       </c:catAx>
       <c:valAx>
-        <c:axId val="71688576"/>
+        <c:axId val="99965952"/>
         <c:scaling>
           <c:orientation val="minMax"/>
         </c:scaling>
@@ -1493,10 +1485,10 @@
             <a:pPr>
               <a:defRPr lang="es-ES_tradnl"/>
             </a:pPr>
-            <a:endParaRPr lang="es-ES_tradnl"/>
+            <a:endParaRPr lang="es-ES"/>
           </a:p>
         </c:txPr>
-        <c:crossAx val="71674496"/>
+        <c:crossAx val="99964416"/>
         <c:crosses val="autoZero"/>
         <c:crossBetween val="between"/>
       </c:valAx>
@@ -1510,10 +1502,9 @@
 <file path=ppt/charts/chart4.xml><?xml version="1.0" encoding="utf-8"?>
 <c:chartSpace xmlns:c="http://schemas.openxmlformats.org/drawingml/2006/chart" xmlns:a="http://schemas.openxmlformats.org/drawingml/2006/main" xmlns:r="http://schemas.openxmlformats.org/officeDocument/2006/relationships">
   <c:date1904 val="1"/>
-  <c:lang val="es-ES_tradnl"/>
+  <c:lang val="es-ES"/>
   <c:chart>
     <c:title>
-      <c:layout/>
       <c:txPr>
         <a:bodyPr/>
         <a:lstStyle/>
@@ -1521,7 +1512,7 @@
           <a:pPr>
             <a:defRPr lang="es-ES_tradnl"/>
           </a:pPr>
-          <a:endParaRPr lang="es-ES_tradnl"/>
+          <a:endParaRPr lang="es-ES"/>
         </a:p>
       </c:txPr>
     </c:title>
@@ -1613,11 +1604,11 @@
             </c:numRef>
           </c:val>
         </c:ser>
-        <c:axId val="71061504"/>
-        <c:axId val="71063040"/>
+        <c:axId val="99990144"/>
+        <c:axId val="99352960"/>
       </c:barChart>
       <c:catAx>
-        <c:axId val="71061504"/>
+        <c:axId val="99990144"/>
         <c:scaling>
           <c:orientation val="minMax"/>
         </c:scaling>
@@ -1630,17 +1621,17 @@
             <a:pPr>
               <a:defRPr lang="es-ES_tradnl"/>
             </a:pPr>
-            <a:endParaRPr lang="es-ES_tradnl"/>
+            <a:endParaRPr lang="es-ES"/>
           </a:p>
         </c:txPr>
-        <c:crossAx val="71063040"/>
+        <c:crossAx val="99352960"/>
         <c:crosses val="autoZero"/>
         <c:auto val="1"/>
         <c:lblAlgn val="ctr"/>
         <c:lblOffset val="100"/>
       </c:catAx>
       <c:valAx>
-        <c:axId val="71063040"/>
+        <c:axId val="99352960"/>
         <c:scaling>
           <c:orientation val="minMax"/>
         </c:scaling>
@@ -1655,10 +1646,10 @@
             <a:pPr>
               <a:defRPr lang="es-ES_tradnl"/>
             </a:pPr>
-            <a:endParaRPr lang="es-ES_tradnl"/>
+            <a:endParaRPr lang="es-ES"/>
           </a:p>
         </c:txPr>
-        <c:crossAx val="71061504"/>
+        <c:crossAx val="99990144"/>
         <c:crosses val="autoZero"/>
         <c:crossBetween val="between"/>
       </c:valAx>
@@ -1672,10 +1663,9 @@
 <file path=ppt/charts/chart5.xml><?xml version="1.0" encoding="utf-8"?>
 <c:chartSpace xmlns:c="http://schemas.openxmlformats.org/drawingml/2006/chart" xmlns:a="http://schemas.openxmlformats.org/drawingml/2006/main" xmlns:r="http://schemas.openxmlformats.org/officeDocument/2006/relationships">
   <c:date1904 val="1"/>
-  <c:lang val="es-ES_tradnl"/>
+  <c:lang val="es-ES"/>
   <c:chart>
     <c:title>
-      <c:layout/>
       <c:txPr>
         <a:bodyPr/>
         <a:lstStyle/>
@@ -1683,7 +1673,7 @@
           <a:pPr>
             <a:defRPr lang="es-ES_tradnl"/>
           </a:pPr>
-          <a:endParaRPr lang="es-ES_tradnl"/>
+          <a:endParaRPr lang="es-ES"/>
         </a:p>
       </c:txPr>
     </c:title>
@@ -1751,7 +1741,7 @@
                   <c:v>1436</c:v>
                 </c:pt>
                 <c:pt idx="4">
-                  <c:v>3775.6666666666492</c:v>
+                  <c:v>3775.6666666666479</c:v>
                 </c:pt>
                 <c:pt idx="5">
                   <c:v>3642</c:v>
@@ -1766,11 +1756,11 @@
             </c:numRef>
           </c:val>
         </c:ser>
-        <c:axId val="71095424"/>
-        <c:axId val="71096960"/>
+        <c:axId val="99389440"/>
+        <c:axId val="99390976"/>
       </c:barChart>
       <c:catAx>
-        <c:axId val="71095424"/>
+        <c:axId val="99389440"/>
         <c:scaling>
           <c:orientation val="minMax"/>
         </c:scaling>
@@ -1783,17 +1773,17 @@
             <a:pPr>
               <a:defRPr lang="es-ES_tradnl"/>
             </a:pPr>
-            <a:endParaRPr lang="es-ES_tradnl"/>
+            <a:endParaRPr lang="es-ES"/>
           </a:p>
         </c:txPr>
-        <c:crossAx val="71096960"/>
+        <c:crossAx val="99390976"/>
         <c:crosses val="autoZero"/>
         <c:auto val="1"/>
         <c:lblAlgn val="ctr"/>
         <c:lblOffset val="100"/>
       </c:catAx>
       <c:valAx>
-        <c:axId val="71096960"/>
+        <c:axId val="99390976"/>
         <c:scaling>
           <c:orientation val="minMax"/>
         </c:scaling>
@@ -1808,10 +1798,10 @@
             <a:pPr>
               <a:defRPr lang="es-ES_tradnl"/>
             </a:pPr>
-            <a:endParaRPr lang="es-ES_tradnl"/>
+            <a:endParaRPr lang="es-ES"/>
           </a:p>
         </c:txPr>
-        <c:crossAx val="71095424"/>
+        <c:crossAx val="99389440"/>
         <c:crosses val="autoZero"/>
         <c:crossBetween val="between"/>
       </c:valAx>
@@ -1825,7 +1815,7 @@
 <file path=ppt/charts/chart6.xml><?xml version="1.0" encoding="utf-8"?>
 <c:chartSpace xmlns:c="http://schemas.openxmlformats.org/drawingml/2006/chart" xmlns:a="http://schemas.openxmlformats.org/drawingml/2006/main" xmlns:r="http://schemas.openxmlformats.org/officeDocument/2006/relationships">
   <c:date1904 val="1"/>
-  <c:lang val="es-ES_tradnl"/>
+  <c:lang val="es-ES"/>
   <c:chart>
     <c:title>
       <c:tx>
@@ -1844,7 +1834,6 @@
           </a:p>
         </c:rich>
       </c:tx>
-      <c:layout/>
     </c:title>
     <c:plotArea>
       <c:layout/>
@@ -1924,7 +1913,7 @@
                   <c:v>1436</c:v>
                 </c:pt>
                 <c:pt idx="4">
-                  <c:v>3775.6666666666492</c:v>
+                  <c:v>3775.6666666666479</c:v>
                 </c:pt>
                 <c:pt idx="5">
                   <c:v>3642</c:v>
@@ -1939,11 +1928,11 @@
             </c:numRef>
           </c:val>
         </c:ser>
-        <c:axId val="71728128"/>
-        <c:axId val="71729920"/>
+        <c:axId val="100079488"/>
+        <c:axId val="100081024"/>
       </c:barChart>
       <c:catAx>
-        <c:axId val="71728128"/>
+        <c:axId val="100079488"/>
         <c:scaling>
           <c:orientation val="minMax"/>
         </c:scaling>
@@ -1956,17 +1945,17 @@
             <a:pPr>
               <a:defRPr lang="es-ES_tradnl"/>
             </a:pPr>
-            <a:endParaRPr lang="es-ES_tradnl"/>
+            <a:endParaRPr lang="es-ES"/>
           </a:p>
         </c:txPr>
-        <c:crossAx val="71729920"/>
+        <c:crossAx val="100081024"/>
         <c:crosses val="autoZero"/>
         <c:auto val="1"/>
         <c:lblAlgn val="ctr"/>
         <c:lblOffset val="100"/>
       </c:catAx>
       <c:valAx>
-        <c:axId val="71729920"/>
+        <c:axId val="100081024"/>
         <c:scaling>
           <c:orientation val="minMax"/>
         </c:scaling>
@@ -1981,10 +1970,10 @@
             <a:pPr>
               <a:defRPr lang="es-ES_tradnl"/>
             </a:pPr>
-            <a:endParaRPr lang="es-ES_tradnl"/>
+            <a:endParaRPr lang="es-ES"/>
           </a:p>
         </c:txPr>
-        <c:crossAx val="71728128"/>
+        <c:crossAx val="100079488"/>
         <c:crosses val="autoZero"/>
         <c:crossBetween val="between"/>
       </c:valAx>
@@ -1998,10 +1987,9 @@
 <file path=ppt/charts/chart7.xml><?xml version="1.0" encoding="utf-8"?>
 <c:chartSpace xmlns:c="http://schemas.openxmlformats.org/drawingml/2006/chart" xmlns:a="http://schemas.openxmlformats.org/drawingml/2006/main" xmlns:r="http://schemas.openxmlformats.org/officeDocument/2006/relationships">
   <c:date1904 val="1"/>
-  <c:lang val="es-ES_tradnl"/>
+  <c:lang val="es-ES"/>
   <c:chart>
     <c:title>
-      <c:layout/>
       <c:txPr>
         <a:bodyPr/>
         <a:lstStyle/>
@@ -2009,7 +1997,7 @@
           <a:pPr>
             <a:defRPr lang="es-ES_tradnl"/>
           </a:pPr>
-          <a:endParaRPr lang="es-ES_tradnl"/>
+          <a:endParaRPr lang="es-ES"/>
         </a:p>
       </c:txPr>
     </c:title>
@@ -2086,10 +2074,10 @@
                   <c:v>65</c:v>
                 </c:pt>
                 <c:pt idx="4">
-                  <c:v>1075.3333333333251</c:v>
+                  <c:v>1075.3333333333244</c:v>
                 </c:pt>
                 <c:pt idx="5">
-                  <c:v>1077.3333333333251</c:v>
+                  <c:v>1077.3333333333244</c:v>
                 </c:pt>
                 <c:pt idx="7">
                   <c:v>16</c:v>
@@ -2101,11 +2089,11 @@
             </c:numRef>
           </c:val>
         </c:ser>
-        <c:axId val="71758208"/>
-        <c:axId val="71759744"/>
+        <c:axId val="100101120"/>
+        <c:axId val="100119296"/>
       </c:barChart>
       <c:catAx>
-        <c:axId val="71758208"/>
+        <c:axId val="100101120"/>
         <c:scaling>
           <c:orientation val="minMax"/>
         </c:scaling>
@@ -2118,17 +2106,17 @@
             <a:pPr>
               <a:defRPr lang="es-ES_tradnl"/>
             </a:pPr>
-            <a:endParaRPr lang="es-ES_tradnl"/>
+            <a:endParaRPr lang="es-ES"/>
           </a:p>
         </c:txPr>
-        <c:crossAx val="71759744"/>
+        <c:crossAx val="100119296"/>
         <c:crosses val="autoZero"/>
         <c:auto val="1"/>
         <c:lblAlgn val="ctr"/>
         <c:lblOffset val="100"/>
       </c:catAx>
       <c:valAx>
-        <c:axId val="71759744"/>
+        <c:axId val="100119296"/>
         <c:scaling>
           <c:orientation val="minMax"/>
         </c:scaling>
@@ -2143,10 +2131,10 @@
             <a:pPr>
               <a:defRPr lang="es-ES_tradnl"/>
             </a:pPr>
-            <a:endParaRPr lang="es-ES_tradnl"/>
+            <a:endParaRPr lang="es-ES"/>
           </a:p>
         </c:txPr>
-        <c:crossAx val="71758208"/>
+        <c:crossAx val="100101120"/>
         <c:crosses val="autoZero"/>
         <c:crossBetween val="between"/>
       </c:valAx>
@@ -2160,10 +2148,9 @@
 <file path=ppt/charts/chart8.xml><?xml version="1.0" encoding="utf-8"?>
 <c:chartSpace xmlns:c="http://schemas.openxmlformats.org/drawingml/2006/chart" xmlns:a="http://schemas.openxmlformats.org/drawingml/2006/main" xmlns:r="http://schemas.openxmlformats.org/officeDocument/2006/relationships">
   <c:date1904 val="1"/>
-  <c:lang val="es-ES_tradnl"/>
+  <c:lang val="es-ES"/>
   <c:chart>
     <c:title>
-      <c:layout/>
       <c:txPr>
         <a:bodyPr/>
         <a:lstStyle/>
@@ -2171,7 +2158,7 @@
           <a:pPr>
             <a:defRPr lang="es-ES_tradnl"/>
           </a:pPr>
-          <a:endParaRPr lang="es-ES_tradnl"/>
+          <a:endParaRPr lang="es-ES"/>
         </a:p>
       </c:txPr>
     </c:title>
@@ -2263,11 +2250,11 @@
             </c:numRef>
           </c:val>
         </c:ser>
-        <c:axId val="71788032"/>
-        <c:axId val="71789568"/>
+        <c:axId val="100282752"/>
+        <c:axId val="100284288"/>
       </c:barChart>
       <c:catAx>
-        <c:axId val="71788032"/>
+        <c:axId val="100282752"/>
         <c:scaling>
           <c:orientation val="minMax"/>
         </c:scaling>
@@ -2280,17 +2267,17 @@
             <a:pPr>
               <a:defRPr lang="es-ES_tradnl"/>
             </a:pPr>
-            <a:endParaRPr lang="es-ES_tradnl"/>
+            <a:endParaRPr lang="es-ES"/>
           </a:p>
         </c:txPr>
-        <c:crossAx val="71789568"/>
+        <c:crossAx val="100284288"/>
         <c:crosses val="autoZero"/>
         <c:auto val="1"/>
         <c:lblAlgn val="ctr"/>
         <c:lblOffset val="100"/>
       </c:catAx>
       <c:valAx>
-        <c:axId val="71789568"/>
+        <c:axId val="100284288"/>
         <c:scaling>
           <c:orientation val="minMax"/>
         </c:scaling>
@@ -2305,10 +2292,10 @@
             <a:pPr>
               <a:defRPr lang="es-ES_tradnl"/>
             </a:pPr>
-            <a:endParaRPr lang="es-ES_tradnl"/>
+            <a:endParaRPr lang="es-ES"/>
           </a:p>
         </c:txPr>
-        <c:crossAx val="71788032"/>
+        <c:crossAx val="100282752"/>
         <c:crosses val="autoZero"/>
         <c:crossBetween val="between"/>
       </c:valAx>
@@ -2322,10 +2309,9 @@
 <file path=ppt/charts/chart9.xml><?xml version="1.0" encoding="utf-8"?>
 <c:chartSpace xmlns:c="http://schemas.openxmlformats.org/drawingml/2006/chart" xmlns:a="http://schemas.openxmlformats.org/drawingml/2006/main" xmlns:r="http://schemas.openxmlformats.org/officeDocument/2006/relationships">
   <c:date1904 val="1"/>
-  <c:lang val="es-ES_tradnl"/>
+  <c:lang val="es-ES"/>
   <c:chart>
     <c:title>
-      <c:layout/>
       <c:txPr>
         <a:bodyPr/>
         <a:lstStyle/>
@@ -2333,7 +2319,7 @@
           <a:pPr>
             <a:defRPr lang="es-ES_tradnl"/>
           </a:pPr>
-          <a:endParaRPr lang="es-ES_tradnl"/>
+          <a:endParaRPr lang="es-ES"/>
         </a:p>
       </c:txPr>
     </c:title>
@@ -2425,11 +2411,11 @@
             </c:numRef>
           </c:val>
         </c:ser>
-        <c:axId val="71809664"/>
-        <c:axId val="71836032"/>
+        <c:axId val="100308480"/>
+        <c:axId val="100310016"/>
       </c:barChart>
       <c:catAx>
-        <c:axId val="71809664"/>
+        <c:axId val="100308480"/>
         <c:scaling>
           <c:orientation val="minMax"/>
         </c:scaling>
@@ -2442,17 +2428,17 @@
             <a:pPr>
               <a:defRPr lang="es-ES_tradnl"/>
             </a:pPr>
-            <a:endParaRPr lang="es-ES_tradnl"/>
+            <a:endParaRPr lang="es-ES"/>
           </a:p>
         </c:txPr>
-        <c:crossAx val="71836032"/>
+        <c:crossAx val="100310016"/>
         <c:crosses val="autoZero"/>
         <c:auto val="1"/>
         <c:lblAlgn val="ctr"/>
         <c:lblOffset val="100"/>
       </c:catAx>
       <c:valAx>
-        <c:axId val="71836032"/>
+        <c:axId val="100310016"/>
         <c:scaling>
           <c:orientation val="minMax"/>
         </c:scaling>
@@ -2467,10 +2453,10 @@
             <a:pPr>
               <a:defRPr lang="es-ES_tradnl"/>
             </a:pPr>
-            <a:endParaRPr lang="es-ES_tradnl"/>
+            <a:endParaRPr lang="es-ES"/>
           </a:p>
         </c:txPr>
-        <c:crossAx val="71809664"/>
+        <c:crossAx val="100308480"/>
         <c:crosses val="autoZero"/>
         <c:crossBetween val="between"/>
       </c:valAx>
@@ -3502,6 +3488,13 @@
         </dgm:presLayoutVars>
       </dgm:prSet>
       <dgm:spPr/>
+      <dgm:t>
+        <a:bodyPr/>
+        <a:lstStyle/>
+        <a:p>
+          <a:endParaRPr lang="es-ES"/>
+        </a:p>
+      </dgm:t>
     </dgm:pt>
     <dgm:pt modelId="{4D8D0257-E1A8-494D-A35A-A465E967792F}" type="pres">
       <dgm:prSet presAssocID="{ED525C6C-9E4C-4378-A15C-AEEC2B090889}" presName="tSp" presStyleCnt="0"/>
@@ -3578,8 +3571,15 @@
       <dgm:spPr/>
     </dgm:pt>
     <dgm:pt modelId="{9D52D712-FD40-45F4-8910-AED37BD3BB40}" type="pres">
-      <dgm:prSet presAssocID="{84D86397-A64D-4805-8FB3-B4AF39AB7461}" presName="Name9" presStyleLbl="sibTrans2D1" presStyleIdx="0" presStyleCnt="2"/>
+      <dgm:prSet presAssocID="{84D86397-A64D-4805-8FB3-B4AF39AB7461}" presName="Name9" presStyleLbl="sibTrans2D1" presStyleIdx="0" presStyleCnt="2" custLinFactNeighborX="18779" custLinFactNeighborY="-9675"/>
       <dgm:spPr/>
+      <dgm:t>
+        <a:bodyPr/>
+        <a:lstStyle/>
+        <a:p>
+          <a:endParaRPr lang="es-ES"/>
+        </a:p>
+      </dgm:t>
     </dgm:pt>
     <dgm:pt modelId="{21F7413D-1E0D-47D4-8CC8-8D987100D51C}" type="pres">
       <dgm:prSet presAssocID="{7B7EB1BC-3F52-49B5-9D7B-93C6D8ABF380}" presName="composite2" presStyleCnt="0"/>
@@ -3644,8 +3644,15 @@
       <dgm:spPr/>
     </dgm:pt>
     <dgm:pt modelId="{198BEB74-3151-471D-B524-21424B1A8F61}" type="pres">
-      <dgm:prSet presAssocID="{D79EA215-915E-4332-A03C-5E3FC44616D0}" presName="Name18" presStyleLbl="sibTrans2D1" presStyleIdx="1" presStyleCnt="2"/>
+      <dgm:prSet presAssocID="{D79EA215-915E-4332-A03C-5E3FC44616D0}" presName="Name18" presStyleLbl="sibTrans2D1" presStyleIdx="1" presStyleCnt="2" custLinFactNeighborX="5008" custLinFactNeighborY="9737"/>
       <dgm:spPr/>
+      <dgm:t>
+        <a:bodyPr/>
+        <a:lstStyle/>
+        <a:p>
+          <a:endParaRPr lang="es-ES"/>
+        </a:p>
+      </dgm:t>
     </dgm:pt>
     <dgm:pt modelId="{FFEC0CB8-3BCF-48CA-B0E9-A1F70E5AE2D3}" type="pres">
       <dgm:prSet presAssocID="{E6B9ADB8-1B5B-498D-84EE-AC874EC27AD2}" presName="composite1" presStyleCnt="0"/>
@@ -3711,27 +3718,27 @@
     </dgm:pt>
   </dgm:ptLst>
   <dgm:cxnLst>
+    <dgm:cxn modelId="{F00F8A7F-3478-435F-BE00-BA35E133CC64}" srcId="{7B7EB1BC-3F52-49B5-9D7B-93C6D8ABF380}" destId="{677D92DC-F4C7-48BE-8179-6C723C8F31C3}" srcOrd="0" destOrd="0" parTransId="{C54A4386-645C-4FDF-B966-9B2708BD11BD}" sibTransId="{442FBAF0-21EA-4E57-980A-EAED8D771F29}"/>
+    <dgm:cxn modelId="{26C05EE6-748B-49EE-93B0-D480226EAE00}" type="presOf" srcId="{5589B8AC-EAEA-498D-AFC0-0C91F3E4289A}" destId="{7CE5F49B-9516-48B0-8008-216CABD3C70D}" srcOrd="1" destOrd="0" presId="urn:microsoft.com/office/officeart/2005/8/layout/hProcess4"/>
+    <dgm:cxn modelId="{5CD8C799-07A6-4D09-9294-891FABDECCCF}" type="presOf" srcId="{AE978DA4-7D67-4E60-9C94-D4814F1E20D4}" destId="{DE78A322-13F6-4B53-BD88-6FAA8E691B9C}" srcOrd="0" destOrd="0" presId="urn:microsoft.com/office/officeart/2005/8/layout/hProcess4"/>
+    <dgm:cxn modelId="{7A32F89B-7A7B-4381-B106-3CD733083ED9}" srcId="{7B7EB1BC-3F52-49B5-9D7B-93C6D8ABF380}" destId="{48B09E73-43FF-4EC9-A639-7340904A26EB}" srcOrd="1" destOrd="0" parTransId="{807D3703-1F2D-40FC-88BC-A82F2A58B1B9}" sibTransId="{972F8F17-F7BF-4652-8EA6-ACCA9FFFD65F}"/>
+    <dgm:cxn modelId="{428AF799-771B-4C3B-8000-C8CD90F1E03C}" type="presOf" srcId="{E6B9ADB8-1B5B-498D-84EE-AC874EC27AD2}" destId="{5C1F0FE5-4CCB-4AD0-A05D-1E0F2F6309ED}" srcOrd="0" destOrd="0" presId="urn:microsoft.com/office/officeart/2005/8/layout/hProcess4"/>
+    <dgm:cxn modelId="{3970E3B3-886B-48BC-B362-79A5E532888D}" type="presOf" srcId="{D79EA215-915E-4332-A03C-5E3FC44616D0}" destId="{198BEB74-3151-471D-B524-21424B1A8F61}" srcOrd="0" destOrd="0" presId="urn:microsoft.com/office/officeart/2005/8/layout/hProcess4"/>
+    <dgm:cxn modelId="{F40877E2-74FB-4ADC-82FB-63502C3A0B08}" srcId="{E6B9ADB8-1B5B-498D-84EE-AC874EC27AD2}" destId="{5589B8AC-EAEA-498D-AFC0-0C91F3E4289A}" srcOrd="0" destOrd="0" parTransId="{01F38159-754F-4F11-9BB1-3269C4ADB1B8}" sibTransId="{3762C75A-DAE9-48BA-BAB0-5AE42806E035}"/>
+    <dgm:cxn modelId="{FA803804-D2C4-4F3F-8937-6C233C50B7C7}" srcId="{ED525C6C-9E4C-4378-A15C-AEEC2B090889}" destId="{7B7EB1BC-3F52-49B5-9D7B-93C6D8ABF380}" srcOrd="1" destOrd="0" parTransId="{D670085C-9A43-4C57-AF3F-9350461DB9E4}" sibTransId="{D79EA215-915E-4332-A03C-5E3FC44616D0}"/>
+    <dgm:cxn modelId="{DDA3D3CD-9D8B-4A88-A362-BB21D19A649A}" type="presOf" srcId="{677D92DC-F4C7-48BE-8179-6C723C8F31C3}" destId="{0125900E-27ED-4C02-A2C4-060505934934}" srcOrd="0" destOrd="0" presId="urn:microsoft.com/office/officeart/2005/8/layout/hProcess4"/>
+    <dgm:cxn modelId="{E05FCE1C-4633-40AB-93FE-B9FF0F1C6D68}" type="presOf" srcId="{48B09E73-43FF-4EC9-A639-7340904A26EB}" destId="{FAA70574-7B31-49F3-988E-E21D99548A72}" srcOrd="1" destOrd="1" presId="urn:microsoft.com/office/officeart/2005/8/layout/hProcess4"/>
+    <dgm:cxn modelId="{E6E4DF1D-C8EA-4017-9906-047173CD0364}" type="presOf" srcId="{ED525C6C-9E4C-4378-A15C-AEEC2B090889}" destId="{85DBCFDA-79B9-4A88-88DA-EBF10DDA2BD3}" srcOrd="0" destOrd="0" presId="urn:microsoft.com/office/officeart/2005/8/layout/hProcess4"/>
+    <dgm:cxn modelId="{FBB715D4-9EF2-4F59-8733-E165F69696AE}" type="presOf" srcId="{677D92DC-F4C7-48BE-8179-6C723C8F31C3}" destId="{FAA70574-7B31-49F3-988E-E21D99548A72}" srcOrd="1" destOrd="0" presId="urn:microsoft.com/office/officeart/2005/8/layout/hProcess4"/>
     <dgm:cxn modelId="{EB8F06CB-C377-4D97-9FEC-4EF23F01B684}" type="presOf" srcId="{48B09E73-43FF-4EC9-A639-7340904A26EB}" destId="{0125900E-27ED-4C02-A2C4-060505934934}" srcOrd="0" destOrd="1" presId="urn:microsoft.com/office/officeart/2005/8/layout/hProcess4"/>
-    <dgm:cxn modelId="{428AF799-771B-4C3B-8000-C8CD90F1E03C}" type="presOf" srcId="{E6B9ADB8-1B5B-498D-84EE-AC874EC27AD2}" destId="{5C1F0FE5-4CCB-4AD0-A05D-1E0F2F6309ED}" srcOrd="0" destOrd="0" presId="urn:microsoft.com/office/officeart/2005/8/layout/hProcess4"/>
-    <dgm:cxn modelId="{26C05EE6-748B-49EE-93B0-D480226EAE00}" type="presOf" srcId="{5589B8AC-EAEA-498D-AFC0-0C91F3E4289A}" destId="{7CE5F49B-9516-48B0-8008-216CABD3C70D}" srcOrd="1" destOrd="0" presId="urn:microsoft.com/office/officeart/2005/8/layout/hProcess4"/>
-    <dgm:cxn modelId="{F40877E2-74FB-4ADC-82FB-63502C3A0B08}" srcId="{E6B9ADB8-1B5B-498D-84EE-AC874EC27AD2}" destId="{5589B8AC-EAEA-498D-AFC0-0C91F3E4289A}" srcOrd="0" destOrd="0" parTransId="{01F38159-754F-4F11-9BB1-3269C4ADB1B8}" sibTransId="{3762C75A-DAE9-48BA-BAB0-5AE42806E035}"/>
-    <dgm:cxn modelId="{7A32F89B-7A7B-4381-B106-3CD733083ED9}" srcId="{7B7EB1BC-3F52-49B5-9D7B-93C6D8ABF380}" destId="{48B09E73-43FF-4EC9-A639-7340904A26EB}" srcOrd="1" destOrd="0" parTransId="{807D3703-1F2D-40FC-88BC-A82F2A58B1B9}" sibTransId="{972F8F17-F7BF-4652-8EA6-ACCA9FFFD65F}"/>
+    <dgm:cxn modelId="{B0DBEF12-AB7F-4A6A-BD9E-26406386FACC}" type="presOf" srcId="{84D86397-A64D-4805-8FB3-B4AF39AB7461}" destId="{9D52D712-FD40-45F4-8910-AED37BD3BB40}" srcOrd="0" destOrd="0" presId="urn:microsoft.com/office/officeart/2005/8/layout/hProcess4"/>
+    <dgm:cxn modelId="{9689185E-D238-40B2-A4A2-C2E316624BDA}" srcId="{ED525C6C-9E4C-4378-A15C-AEEC2B090889}" destId="{E6B9ADB8-1B5B-498D-84EE-AC874EC27AD2}" srcOrd="2" destOrd="0" parTransId="{4B1D6846-FCE4-4049-974A-B7382F7BBFCD}" sibTransId="{E798838C-B237-49B2-ACC0-6EDF539B3AE7}"/>
+    <dgm:cxn modelId="{850C1D95-B8F2-4817-9D8D-56ACE3DA65B5}" type="presOf" srcId="{7B7EB1BC-3F52-49B5-9D7B-93C6D8ABF380}" destId="{7C5AFDE6-841B-438E-8146-78FA0F833691}" srcOrd="0" destOrd="0" presId="urn:microsoft.com/office/officeart/2005/8/layout/hProcess4"/>
+    <dgm:cxn modelId="{16718469-C489-453A-926E-35E25D984DAA}" type="presOf" srcId="{448F20D6-4AB6-4862-89B2-C83C80ED0DEE}" destId="{2D94D1A2-3963-4E7A-B9BB-667EDD16CDE6}" srcOrd="1" destOrd="0" presId="urn:microsoft.com/office/officeart/2005/8/layout/hProcess4"/>
+    <dgm:cxn modelId="{898A7B08-03C7-4B7D-84ED-F1D5B3D276FF}" type="presOf" srcId="{5589B8AC-EAEA-498D-AFC0-0C91F3E4289A}" destId="{F83AAEFD-C7A1-4849-BF7F-9FA40AFCA170}" srcOrd="0" destOrd="0" presId="urn:microsoft.com/office/officeart/2005/8/layout/hProcess4"/>
+    <dgm:cxn modelId="{3B743C72-9EDF-4435-9874-8A94C1E4A14B}" srcId="{AE978DA4-7D67-4E60-9C94-D4814F1E20D4}" destId="{448F20D6-4AB6-4862-89B2-C83C80ED0DEE}" srcOrd="0" destOrd="0" parTransId="{A672008E-0895-4C4A-BC3C-CC301FB72E51}" sibTransId="{D82735EE-A67A-499F-9358-29941BF2B56C}"/>
+    <dgm:cxn modelId="{63C03291-316D-45AB-ACDE-601D17D53F47}" srcId="{ED525C6C-9E4C-4378-A15C-AEEC2B090889}" destId="{AE978DA4-7D67-4E60-9C94-D4814F1E20D4}" srcOrd="0" destOrd="0" parTransId="{F6B1DFB8-4B46-4523-A901-5D783B88E825}" sibTransId="{84D86397-A64D-4805-8FB3-B4AF39AB7461}"/>
     <dgm:cxn modelId="{C18B524D-C183-4F9E-8971-3C87E2B44B45}" type="presOf" srcId="{448F20D6-4AB6-4862-89B2-C83C80ED0DEE}" destId="{EB6F3381-68D5-485C-85D3-C513743C5D94}" srcOrd="0" destOrd="0" presId="urn:microsoft.com/office/officeart/2005/8/layout/hProcess4"/>
-    <dgm:cxn modelId="{DDA3D3CD-9D8B-4A88-A362-BB21D19A649A}" type="presOf" srcId="{677D92DC-F4C7-48BE-8179-6C723C8F31C3}" destId="{0125900E-27ED-4C02-A2C4-060505934934}" srcOrd="0" destOrd="0" presId="urn:microsoft.com/office/officeart/2005/8/layout/hProcess4"/>
-    <dgm:cxn modelId="{FA803804-D2C4-4F3F-8937-6C233C50B7C7}" srcId="{ED525C6C-9E4C-4378-A15C-AEEC2B090889}" destId="{7B7EB1BC-3F52-49B5-9D7B-93C6D8ABF380}" srcOrd="1" destOrd="0" parTransId="{D670085C-9A43-4C57-AF3F-9350461DB9E4}" sibTransId="{D79EA215-915E-4332-A03C-5E3FC44616D0}"/>
-    <dgm:cxn modelId="{E6E4DF1D-C8EA-4017-9906-047173CD0364}" type="presOf" srcId="{ED525C6C-9E4C-4378-A15C-AEEC2B090889}" destId="{85DBCFDA-79B9-4A88-88DA-EBF10DDA2BD3}" srcOrd="0" destOrd="0" presId="urn:microsoft.com/office/officeart/2005/8/layout/hProcess4"/>
-    <dgm:cxn modelId="{B0DBEF12-AB7F-4A6A-BD9E-26406386FACC}" type="presOf" srcId="{84D86397-A64D-4805-8FB3-B4AF39AB7461}" destId="{9D52D712-FD40-45F4-8910-AED37BD3BB40}" srcOrd="0" destOrd="0" presId="urn:microsoft.com/office/officeart/2005/8/layout/hProcess4"/>
-    <dgm:cxn modelId="{16718469-C489-453A-926E-35E25D984DAA}" type="presOf" srcId="{448F20D6-4AB6-4862-89B2-C83C80ED0DEE}" destId="{2D94D1A2-3963-4E7A-B9BB-667EDD16CDE6}" srcOrd="1" destOrd="0" presId="urn:microsoft.com/office/officeart/2005/8/layout/hProcess4"/>
-    <dgm:cxn modelId="{E05FCE1C-4633-40AB-93FE-B9FF0F1C6D68}" type="presOf" srcId="{48B09E73-43FF-4EC9-A639-7340904A26EB}" destId="{FAA70574-7B31-49F3-988E-E21D99548A72}" srcOrd="1" destOrd="1" presId="urn:microsoft.com/office/officeart/2005/8/layout/hProcess4"/>
-    <dgm:cxn modelId="{FBB715D4-9EF2-4F59-8733-E165F69696AE}" type="presOf" srcId="{677D92DC-F4C7-48BE-8179-6C723C8F31C3}" destId="{FAA70574-7B31-49F3-988E-E21D99548A72}" srcOrd="1" destOrd="0" presId="urn:microsoft.com/office/officeart/2005/8/layout/hProcess4"/>
-    <dgm:cxn modelId="{3B743C72-9EDF-4435-9874-8A94C1E4A14B}" srcId="{AE978DA4-7D67-4E60-9C94-D4814F1E20D4}" destId="{448F20D6-4AB6-4862-89B2-C83C80ED0DEE}" srcOrd="0" destOrd="0" parTransId="{A672008E-0895-4C4A-BC3C-CC301FB72E51}" sibTransId="{D82735EE-A67A-499F-9358-29941BF2B56C}"/>
-    <dgm:cxn modelId="{F00F8A7F-3478-435F-BE00-BA35E133CC64}" srcId="{7B7EB1BC-3F52-49B5-9D7B-93C6D8ABF380}" destId="{677D92DC-F4C7-48BE-8179-6C723C8F31C3}" srcOrd="0" destOrd="0" parTransId="{C54A4386-645C-4FDF-B966-9B2708BD11BD}" sibTransId="{442FBAF0-21EA-4E57-980A-EAED8D771F29}"/>
-    <dgm:cxn modelId="{898A7B08-03C7-4B7D-84ED-F1D5B3D276FF}" type="presOf" srcId="{5589B8AC-EAEA-498D-AFC0-0C91F3E4289A}" destId="{F83AAEFD-C7A1-4849-BF7F-9FA40AFCA170}" srcOrd="0" destOrd="0" presId="urn:microsoft.com/office/officeart/2005/8/layout/hProcess4"/>
-    <dgm:cxn modelId="{5CD8C799-07A6-4D09-9294-891FABDECCCF}" type="presOf" srcId="{AE978DA4-7D67-4E60-9C94-D4814F1E20D4}" destId="{DE78A322-13F6-4B53-BD88-6FAA8E691B9C}" srcOrd="0" destOrd="0" presId="urn:microsoft.com/office/officeart/2005/8/layout/hProcess4"/>
-    <dgm:cxn modelId="{850C1D95-B8F2-4817-9D8D-56ACE3DA65B5}" type="presOf" srcId="{7B7EB1BC-3F52-49B5-9D7B-93C6D8ABF380}" destId="{7C5AFDE6-841B-438E-8146-78FA0F833691}" srcOrd="0" destOrd="0" presId="urn:microsoft.com/office/officeart/2005/8/layout/hProcess4"/>
-    <dgm:cxn modelId="{9689185E-D238-40B2-A4A2-C2E316624BDA}" srcId="{ED525C6C-9E4C-4378-A15C-AEEC2B090889}" destId="{E6B9ADB8-1B5B-498D-84EE-AC874EC27AD2}" srcOrd="2" destOrd="0" parTransId="{4B1D6846-FCE4-4049-974A-B7382F7BBFCD}" sibTransId="{E798838C-B237-49B2-ACC0-6EDF539B3AE7}"/>
-    <dgm:cxn modelId="{63C03291-316D-45AB-ACDE-601D17D53F47}" srcId="{ED525C6C-9E4C-4378-A15C-AEEC2B090889}" destId="{AE978DA4-7D67-4E60-9C94-D4814F1E20D4}" srcOrd="0" destOrd="0" parTransId="{F6B1DFB8-4B46-4523-A901-5D783B88E825}" sibTransId="{84D86397-A64D-4805-8FB3-B4AF39AB7461}"/>
-    <dgm:cxn modelId="{3970E3B3-886B-48BC-B362-79A5E532888D}" type="presOf" srcId="{D79EA215-915E-4332-A03C-5E3FC44616D0}" destId="{198BEB74-3151-471D-B524-21424B1A8F61}" srcOrd="0" destOrd="0" presId="urn:microsoft.com/office/officeart/2005/8/layout/hProcess4"/>
     <dgm:cxn modelId="{446672BC-AE44-4C3E-AD84-A1C2F8D97DD7}" type="presParOf" srcId="{85DBCFDA-79B9-4A88-88DA-EBF10DDA2BD3}" destId="{4D8D0257-E1A8-494D-A35A-A465E967792F}" srcOrd="0" destOrd="0" presId="urn:microsoft.com/office/officeart/2005/8/layout/hProcess4"/>
     <dgm:cxn modelId="{4DC0F905-1378-46A7-9B82-071D73D4F675}" type="presParOf" srcId="{85DBCFDA-79B9-4A88-88DA-EBF10DDA2BD3}" destId="{4B4409F2-16F0-4188-A42E-930576C63DF8}" srcOrd="1" destOrd="0" presId="urn:microsoft.com/office/officeart/2005/8/layout/hProcess4"/>
     <dgm:cxn modelId="{98D29CE1-140D-416C-9B16-CD5330906C56}" type="presParOf" srcId="{85DBCFDA-79B9-4A88-88DA-EBF10DDA2BD3}" destId="{46C8B34A-F675-492F-8AF2-1CB6ECAE4BF1}" srcOrd="2" destOrd="0" presId="urn:microsoft.com/office/officeart/2005/8/layout/hProcess4"/>
@@ -5426,7 +5433,7 @@
             <a:fld id="{1E439D55-9345-4BF6-8039-63E085B5474F}" type="datetimeFigureOut">
               <a:rPr lang="es-ES_tradnl" smtClean="0"/>
               <a:pPr/>
-              <a:t>26/06/2015</a:t>
+              <a:t>29/06/2015</a:t>
             </a:fld>
             <a:endParaRPr lang="es-ES_tradnl"/>
           </a:p>
@@ -5597,7 +5604,7 @@
             <a:fld id="{5A729FB7-1984-4A5F-8125-5935579FD5CF}" type="datetimeFigureOut">
               <a:rPr lang="es-ES_tradnl" smtClean="0"/>
               <a:pPr/>
-              <a:t>26/06/2015</a:t>
+              <a:t>29/06/2015</a:t>
             </a:fld>
             <a:endParaRPr lang="es-ES_tradnl"/>
           </a:p>
@@ -9506,7 +9513,7 @@
             <a:fld id="{69F61C78-B195-4E26-BC5D-7F9C6E718A88}" type="datetime1">
               <a:rPr lang="es-ES_tradnl" smtClean="0"/>
               <a:pPr/>
-              <a:t>26/06/2015</a:t>
+              <a:t>29/06/2015</a:t>
             </a:fld>
             <a:endParaRPr lang="es-ES_tradnl"/>
           </a:p>
@@ -9677,7 +9684,7 @@
             <a:fld id="{3B0863B3-0F4B-4CE3-93F7-218A9CA47E0C}" type="datetime1">
               <a:rPr lang="es-ES_tradnl" smtClean="0"/>
               <a:pPr/>
-              <a:t>26/06/2015</a:t>
+              <a:t>29/06/2015</a:t>
             </a:fld>
             <a:endParaRPr lang="es-ES_tradnl"/>
           </a:p>
@@ -9858,7 +9865,7 @@
             <a:fld id="{640A2818-0636-4BEC-87CA-46A670C21F21}" type="datetime1">
               <a:rPr lang="es-ES_tradnl" smtClean="0"/>
               <a:pPr/>
-              <a:t>26/06/2015</a:t>
+              <a:t>29/06/2015</a:t>
             </a:fld>
             <a:endParaRPr lang="es-ES_tradnl"/>
           </a:p>
@@ -9977,7 +9984,7 @@
             <a:fld id="{A48356F2-9BCC-4D1B-BCC9-ACC23D7A9050}" type="datetime1">
               <a:rPr lang="es-ES_tradnl" smtClean="0"/>
               <a:pPr/>
-              <a:t>26/06/2015</a:t>
+              <a:t>29/06/2015</a:t>
             </a:fld>
             <a:endParaRPr lang="es-ES_tradnl"/>
           </a:p>
@@ -10220,7 +10227,7 @@
             <a:fld id="{2E65DBB3-C874-408F-B15D-35F1FDFF8B97}" type="datetimeFigureOut">
               <a:rPr lang="es-ES_tradnl" smtClean="0"/>
               <a:pPr/>
-              <a:t>26/06/2015</a:t>
+              <a:t>29/06/2015</a:t>
             </a:fld>
             <a:endParaRPr lang="es-ES_tradnl"/>
           </a:p>
@@ -10387,7 +10394,7 @@
             <a:fld id="{2E65DBB3-C874-408F-B15D-35F1FDFF8B97}" type="datetimeFigureOut">
               <a:rPr lang="es-ES_tradnl" smtClean="0"/>
               <a:pPr/>
-              <a:t>26/06/2015</a:t>
+              <a:t>29/06/2015</a:t>
             </a:fld>
             <a:endParaRPr lang="es-ES_tradnl"/>
           </a:p>
@@ -10630,7 +10637,7 @@
             <a:fld id="{2E65DBB3-C874-408F-B15D-35F1FDFF8B97}" type="datetimeFigureOut">
               <a:rPr lang="es-ES_tradnl" smtClean="0"/>
               <a:pPr/>
-              <a:t>26/06/2015</a:t>
+              <a:t>29/06/2015</a:t>
             </a:fld>
             <a:endParaRPr lang="es-ES_tradnl"/>
           </a:p>
@@ -10915,7 +10922,7 @@
             <a:fld id="{2E65DBB3-C874-408F-B15D-35F1FDFF8B97}" type="datetimeFigureOut">
               <a:rPr lang="es-ES_tradnl" smtClean="0"/>
               <a:pPr/>
-              <a:t>26/06/2015</a:t>
+              <a:t>29/06/2015</a:t>
             </a:fld>
             <a:endParaRPr lang="es-ES_tradnl"/>
           </a:p>
@@ -11334,7 +11341,7 @@
             <a:fld id="{2E65DBB3-C874-408F-B15D-35F1FDFF8B97}" type="datetimeFigureOut">
               <a:rPr lang="es-ES_tradnl" smtClean="0"/>
               <a:pPr/>
-              <a:t>26/06/2015</a:t>
+              <a:t>29/06/2015</a:t>
             </a:fld>
             <a:endParaRPr lang="es-ES_tradnl"/>
           </a:p>
@@ -11449,7 +11456,7 @@
             <a:fld id="{2E65DBB3-C874-408F-B15D-35F1FDFF8B97}" type="datetimeFigureOut">
               <a:rPr lang="es-ES_tradnl" smtClean="0"/>
               <a:pPr/>
-              <a:t>26/06/2015</a:t>
+              <a:t>29/06/2015</a:t>
             </a:fld>
             <a:endParaRPr lang="es-ES_tradnl"/>
           </a:p>
@@ -11541,7 +11548,7 @@
             <a:fld id="{2E65DBB3-C874-408F-B15D-35F1FDFF8B97}" type="datetimeFigureOut">
               <a:rPr lang="es-ES_tradnl" smtClean="0"/>
               <a:pPr/>
-              <a:t>26/06/2015</a:t>
+              <a:t>29/06/2015</a:t>
             </a:fld>
             <a:endParaRPr lang="es-ES_tradnl"/>
           </a:p>
@@ -11708,7 +11715,7 @@
             <a:fld id="{064E7D54-C8B0-4575-9C2A-1B0A3B833C5D}" type="datetime1">
               <a:rPr lang="es-ES_tradnl" smtClean="0"/>
               <a:pPr/>
-              <a:t>26/06/2015</a:t>
+              <a:t>29/06/2015</a:t>
             </a:fld>
             <a:endParaRPr lang="es-ES_tradnl"/>
           </a:p>
@@ -11986,7 +11993,7 @@
             <a:fld id="{2E65DBB3-C874-408F-B15D-35F1FDFF8B97}" type="datetimeFigureOut">
               <a:rPr lang="es-ES_tradnl" smtClean="0"/>
               <a:pPr/>
-              <a:t>26/06/2015</a:t>
+              <a:t>29/06/2015</a:t>
             </a:fld>
             <a:endParaRPr lang="es-ES_tradnl"/>
           </a:p>
@@ -12236,7 +12243,7 @@
             <a:fld id="{2E65DBB3-C874-408F-B15D-35F1FDFF8B97}" type="datetimeFigureOut">
               <a:rPr lang="es-ES_tradnl" smtClean="0"/>
               <a:pPr/>
-              <a:t>26/06/2015</a:t>
+              <a:t>29/06/2015</a:t>
             </a:fld>
             <a:endParaRPr lang="es-ES_tradnl"/>
           </a:p>
@@ -12403,7 +12410,7 @@
             <a:fld id="{2E65DBB3-C874-408F-B15D-35F1FDFF8B97}" type="datetimeFigureOut">
               <a:rPr lang="es-ES_tradnl" smtClean="0"/>
               <a:pPr/>
-              <a:t>26/06/2015</a:t>
+              <a:t>29/06/2015</a:t>
             </a:fld>
             <a:endParaRPr lang="es-ES_tradnl"/>
           </a:p>
@@ -12580,7 +12587,7 @@
             <a:fld id="{2E65DBB3-C874-408F-B15D-35F1FDFF8B97}" type="datetimeFigureOut">
               <a:rPr lang="es-ES_tradnl" smtClean="0"/>
               <a:pPr/>
-              <a:t>26/06/2015</a:t>
+              <a:t>29/06/2015</a:t>
             </a:fld>
             <a:endParaRPr lang="es-ES_tradnl"/>
           </a:p>
@@ -12823,7 +12830,7 @@
             <a:fld id="{7DEC1679-A971-4953-8794-8B16B467CAF7}" type="datetime1">
               <a:rPr lang="es-ES_tradnl" smtClean="0"/>
               <a:pPr/>
-              <a:t>26/06/2015</a:t>
+              <a:t>29/06/2015</a:t>
             </a:fld>
             <a:endParaRPr lang="es-ES_tradnl"/>
           </a:p>
@@ -13112,7 +13119,7 @@
             <a:fld id="{D6F32C38-B18B-45F9-9FDF-5705FCE25AD2}" type="datetime1">
               <a:rPr lang="es-ES_tradnl" smtClean="0"/>
               <a:pPr/>
-              <a:t>26/06/2015</a:t>
+              <a:t>29/06/2015</a:t>
             </a:fld>
             <a:endParaRPr lang="es-ES_tradnl"/>
           </a:p>
@@ -13535,7 +13542,7 @@
             <a:fld id="{A495375C-E9C3-4E75-A244-B0F8C7E2A29F}" type="datetime1">
               <a:rPr lang="es-ES_tradnl" smtClean="0"/>
               <a:pPr/>
-              <a:t>26/06/2015</a:t>
+              <a:t>29/06/2015</a:t>
             </a:fld>
             <a:endParaRPr lang="es-ES_tradnl"/>
           </a:p>
@@ -13654,7 +13661,7 @@
             <a:fld id="{F234E563-679A-4712-A029-3050B3A4601E}" type="datetime1">
               <a:rPr lang="es-ES_tradnl" smtClean="0"/>
               <a:pPr/>
-              <a:t>26/06/2015</a:t>
+              <a:t>29/06/2015</a:t>
             </a:fld>
             <a:endParaRPr lang="es-ES_tradnl"/>
           </a:p>
@@ -13750,7 +13757,7 @@
             <a:fld id="{137A05DE-FA5A-4F62-BA81-13FE781CC92C}" type="datetime1">
               <a:rPr lang="es-ES_tradnl" smtClean="0"/>
               <a:pPr/>
-              <a:t>26/06/2015</a:t>
+              <a:t>29/06/2015</a:t>
             </a:fld>
             <a:endParaRPr lang="es-ES_tradnl"/>
           </a:p>
@@ -14028,7 +14035,7 @@
             <a:fld id="{80029623-5DD2-43DC-AD9F-FC598B8F5BFA}" type="datetime1">
               <a:rPr lang="es-ES_tradnl" smtClean="0"/>
               <a:pPr/>
-              <a:t>26/06/2015</a:t>
+              <a:t>29/06/2015</a:t>
             </a:fld>
             <a:endParaRPr lang="es-ES_tradnl"/>
           </a:p>
@@ -14282,7 +14289,7 @@
             <a:fld id="{8A483E06-D024-4EAD-AAB9-1654B08AC798}" type="datetime1">
               <a:rPr lang="es-ES_tradnl" smtClean="0"/>
               <a:pPr/>
-              <a:t>26/06/2015</a:t>
+              <a:t>29/06/2015</a:t>
             </a:fld>
             <a:endParaRPr lang="es-ES_tradnl"/>
           </a:p>
@@ -14496,7 +14503,7 @@
             <a:fld id="{A48356F2-9BCC-4D1B-BCC9-ACC23D7A9050}" type="datetime1">
               <a:rPr lang="es-ES_tradnl" smtClean="0"/>
               <a:pPr/>
-              <a:t>26/06/2015</a:t>
+              <a:t>29/06/2015</a:t>
             </a:fld>
             <a:endParaRPr lang="es-ES_tradnl"/>
           </a:p>
@@ -15057,7 +15064,7 @@
             <a:fld id="{2E65DBB3-C874-408F-B15D-35F1FDFF8B97}" type="datetimeFigureOut">
               <a:rPr lang="es-ES_tradnl" smtClean="0"/>
               <a:pPr/>
-              <a:t>26/06/2015</a:t>
+              <a:t>29/06/2015</a:t>
             </a:fld>
             <a:endParaRPr lang="es-ES_tradnl"/>
           </a:p>
@@ -15474,15 +15481,7 @@
           <a:p>
             <a:r>
               <a:rPr lang="es-ES_tradnl" dirty="0" smtClean="0"/>
-              <a:t>dinámicos </a:t>
-            </a:r>
-            <a:r>
-              <a:rPr lang="es-ES_tradnl" dirty="0" smtClean="0"/>
-              <a:t>de </a:t>
-            </a:r>
-            <a:r>
-              <a:rPr lang="es-ES_tradnl" dirty="0" smtClean="0"/>
-              <a:t>alto rendimiento</a:t>
+              <a:t>dinámicos de alto rendimiento</a:t>
             </a:r>
             <a:endParaRPr lang="es-ES_tradnl" dirty="0"/>
           </a:p>
@@ -15572,19 +15571,7 @@
           <a:p>
             <a:r>
               <a:rPr lang="es-ES_tradnl" dirty="0" smtClean="0"/>
-              <a:t>Hay serializadores que no admite ciertos elementos </a:t>
-            </a:r>
-            <a:r>
-              <a:rPr lang="es-ES_tradnl" dirty="0" smtClean="0"/>
-              <a:t>dentro d</a:t>
-            </a:r>
-            <a:r>
-              <a:rPr lang="es-ES_tradnl" dirty="0" smtClean="0"/>
-              <a:t>e </a:t>
-            </a:r>
-            <a:r>
-              <a:rPr lang="es-ES_tradnl" dirty="0" smtClean="0"/>
-              <a:t>la clase a serializar.</a:t>
+              <a:t>Hay serializadores que no admite ciertos elementos dentro de la clase a serializar.</a:t>
             </a:r>
           </a:p>
           <a:p>
@@ -17938,13 +17925,8 @@
             <a:pPr algn="just"/>
             <a:r>
               <a:rPr lang="es-ES_tradnl" dirty="0" smtClean="0"/>
-              <a:t>Para mejorar la velocidad lo ideal sería conseguir un serializador particular para cada clase</a:t>
-            </a:r>
-            <a:r>
-              <a:rPr lang="es-ES_tradnl" dirty="0" smtClean="0"/>
-              <a:t>.</a:t>
-            </a:r>
-            <a:endParaRPr lang="es-ES_tradnl" dirty="0" smtClean="0"/>
+              <a:t>Para mejorar la velocidad lo ideal sería conseguir un serializador particular para cada clase.</a:t>
+            </a:r>
           </a:p>
           <a:p>
             <a:pPr algn="just"/>
@@ -17956,7 +17938,6 @@
               <a:rPr lang="es-ES_tradnl" dirty="0" smtClean="0"/>
               <a:t>Un serializador cuya función exclusivamente sea la de serializar un determinado tipo, lo hará más rápidamente que cualquier otro.</a:t>
             </a:r>
-            <a:endParaRPr lang="es-ES_tradnl" dirty="0" smtClean="0"/>
           </a:p>
         </p:txBody>
       </p:sp>
@@ -18095,13 +18076,8 @@
             <a:pPr algn="just"/>
             <a:r>
               <a:rPr lang="es-ES_tradnl" dirty="0" smtClean="0"/>
-              <a:t>Para permitir que la representación de los objetos serializados fuera la que interese al programador, este serializador debería admitir que se codificaran los elementos en cualquier formato</a:t>
-            </a:r>
-            <a:r>
-              <a:rPr lang="es-ES_tradnl" dirty="0" smtClean="0"/>
-              <a:t>.</a:t>
-            </a:r>
-            <a:endParaRPr lang="es-ES_tradnl" dirty="0" smtClean="0"/>
+              <a:t>Para permitir que la representación de los objetos serializados fuera la que interese al programador, este serializador debería admitir que se codificaran los elementos en cualquier formato.</a:t>
+            </a:r>
           </a:p>
           <a:p>
             <a:pPr algn="just"/>
@@ -18113,7 +18089,6 @@
               <a:rPr lang="es-ES_tradnl" dirty="0" smtClean="0"/>
               <a:t>Además, ese formato se podría indicar a la hora de invocar la creación del serializador (constructor)</a:t>
             </a:r>
-            <a:endParaRPr lang="es-ES_tradnl" dirty="0" smtClean="0"/>
           </a:p>
         </p:txBody>
       </p:sp>
@@ -18257,11 +18232,7 @@
             <a:pPr algn="just"/>
             <a:r>
               <a:rPr lang="es-ES_tradnl" dirty="0" smtClean="0"/>
-              <a:t>E</a:t>
-            </a:r>
-            <a:r>
-              <a:rPr lang="es-ES_tradnl" dirty="0" smtClean="0"/>
-              <a:t>l serializador particular debería admitir cualquier elemento dentro de la clase que serializa. Hay que contemplar todos los tipos.</a:t>
+              <a:t>El serializador particular debería admitir cualquier elemento dentro de la clase que serializa. Hay que contemplar todos los tipos.</a:t>
             </a:r>
           </a:p>
           <a:p>
@@ -18274,7 +18245,6 @@
               <a:rPr lang="es-ES_tradnl" dirty="0" smtClean="0"/>
               <a:t>De este modo conseguiríamos un modelo general para crear serializadores particulares para cualquier clase.</a:t>
             </a:r>
-            <a:endParaRPr lang="es-ES_tradnl" dirty="0" smtClean="0"/>
           </a:p>
         </p:txBody>
       </p:sp>
@@ -18578,11 +18548,7 @@
             </a:pPr>
             <a:r>
               <a:rPr lang="es-ES_tradnl" sz="3200" dirty="0" smtClean="0"/>
-              <a:t>Fase </a:t>
-            </a:r>
-            <a:r>
-              <a:rPr lang="es-ES_tradnl" sz="3200" dirty="0" smtClean="0"/>
-              <a:t>2. Identificar la mejor estructura de la clase </a:t>
+              <a:t>Fase 2. Identificar la mejor estructura de la clase </a:t>
             </a:r>
             <a:r>
               <a:rPr lang="es-ES_tradnl" sz="3200" dirty="0" err="1" smtClean="0"/>
@@ -18617,11 +18583,7 @@
             </a:r>
             <a:r>
               <a:rPr lang="es-ES_tradnl" sz="3200" dirty="0" smtClean="0"/>
-              <a:t>del </a:t>
-            </a:r>
-            <a:r>
-              <a:rPr lang="es-ES_tradnl" sz="3200" dirty="0" smtClean="0"/>
-              <a:t>código de la clase </a:t>
+              <a:t>del código de la clase </a:t>
             </a:r>
             <a:r>
               <a:rPr lang="es-ES_tradnl" sz="3200" dirty="0" err="1" smtClean="0"/>
@@ -18642,15 +18604,7 @@
             </a:pPr>
             <a:r>
               <a:rPr lang="es-ES_tradnl" sz="3200" dirty="0" smtClean="0"/>
-              <a:t>Fase 4</a:t>
-            </a:r>
-            <a:r>
-              <a:rPr lang="es-ES_tradnl" sz="3200" dirty="0" smtClean="0"/>
-              <a:t> y Fase 5. Refactorización y optimización del </a:t>
-            </a:r>
-            <a:r>
-              <a:rPr lang="es-ES_tradnl" sz="3200" dirty="0" smtClean="0"/>
-              <a:t>código (admitir varios formatos de salida en encode)</a:t>
+              <a:t>Fase 4 y Fase 5. Refactorización y optimización del código (admitir varios formatos de salida en encode)</a:t>
             </a:r>
           </a:p>
           <a:p>
@@ -18797,7 +18751,6 @@
               <a:rPr lang="es-ES_tradnl" dirty="0" smtClean="0"/>
               <a:t>el serializador, necesitamos realizar estas tareas:</a:t>
             </a:r>
-            <a:endParaRPr lang="es-ES_tradnl" dirty="0" smtClean="0"/>
           </a:p>
           <a:p>
             <a:pPr algn="just">
@@ -18815,7 +18768,6 @@
               <a:rPr lang="es-ES_tradnl" dirty="0" smtClean="0"/>
               <a:t> Escribir de manera dinámica el código del serializador en tiempo de ejecución.</a:t>
             </a:r>
-            <a:endParaRPr lang="es-ES_tradnl" dirty="0" smtClean="0"/>
           </a:p>
           <a:p>
             <a:pPr algn="just">
@@ -18867,7 +18819,6 @@
               <a:rPr lang="es-ES_tradnl" dirty="0" smtClean="0"/>
               <a:t>Devolverla como salida del generador.</a:t>
             </a:r>
-            <a:endParaRPr lang="es-ES_tradnl" dirty="0" smtClean="0"/>
           </a:p>
         </p:txBody>
       </p:sp>
@@ -19557,14 +19508,7 @@
                 <a:latin typeface="Courier New" pitchFamily="49" charset="0"/>
                 <a:cs typeface="Courier New" pitchFamily="49" charset="0"/>
               </a:rPr>
-              <a:t> </a:t>
-            </a:r>
-            <a:r>
-              <a:rPr lang="es-ES_tradnl" sz="3200" dirty="0" smtClean="0">
-                <a:latin typeface="Courier New" pitchFamily="49" charset="0"/>
-                <a:cs typeface="Courier New" pitchFamily="49" charset="0"/>
-              </a:rPr>
-              <a:t>= </a:t>
+              <a:t> = </a:t>
             </a:r>
             <a:r>
               <a:rPr lang="es-ES_tradnl" sz="3200" dirty="0" smtClean="0">
@@ -19586,7 +19530,17 @@
                 <a:latin typeface="Courier New" pitchFamily="49" charset="0"/>
                 <a:cs typeface="Courier New" pitchFamily="49" charset="0"/>
               </a:rPr>
-              <a:t>n</a:t>
+              <a:t>namespaces</a:t>
+            </a:r>
+            <a:r>
+              <a:rPr lang="es-ES_tradnl" sz="2800" dirty="0" smtClean="0">
+                <a:solidFill>
+                  <a:srgbClr val="C00000"/>
+                </a:solidFill>
+                <a:latin typeface="Courier New" pitchFamily="49" charset="0"/>
+                <a:cs typeface="Courier New" pitchFamily="49" charset="0"/>
+              </a:rPr>
+              <a:t> </a:t>
             </a:r>
             <a:r>
               <a:rPr lang="es-ES_tradnl" sz="2800" dirty="0" err="1" smtClean="0">
@@ -19596,7 +19550,7 @@
                 <a:latin typeface="Courier New" pitchFamily="49" charset="0"/>
                 <a:cs typeface="Courier New" pitchFamily="49" charset="0"/>
               </a:rPr>
-              <a:t>amespaces</a:t>
+              <a:t>ns</a:t>
             </a:r>
             <a:r>
               <a:rPr lang="es-ES_tradnl" sz="2800" dirty="0" smtClean="0">
@@ -19606,7 +19560,19 @@
                 <a:latin typeface="Courier New" pitchFamily="49" charset="0"/>
                 <a:cs typeface="Courier New" pitchFamily="49" charset="0"/>
               </a:rPr>
-              <a:t> </a:t>
+              <a:t>{</a:t>
+            </a:r>
+          </a:p>
+          <a:p>
+            <a:r>
+              <a:rPr lang="es-ES_tradnl" sz="2800" dirty="0" smtClean="0">
+                <a:solidFill>
+                  <a:srgbClr val="C00000"/>
+                </a:solidFill>
+                <a:latin typeface="Courier New" pitchFamily="49" charset="0"/>
+                <a:cs typeface="Courier New" pitchFamily="49" charset="0"/>
+              </a:rPr>
+              <a:t>  </a:t>
             </a:r>
             <a:r>
               <a:rPr lang="es-ES_tradnl" sz="2800" dirty="0" err="1" smtClean="0">
@@ -19616,7 +19582,7 @@
                 <a:latin typeface="Courier New" pitchFamily="49" charset="0"/>
                 <a:cs typeface="Courier New" pitchFamily="49" charset="0"/>
               </a:rPr>
-              <a:t>ns</a:t>
+              <a:t>public</a:t>
             </a:r>
             <a:r>
               <a:rPr lang="es-ES_tradnl" sz="2800" dirty="0" smtClean="0">
@@ -19626,10 +19592,18 @@
                 <a:latin typeface="Courier New" pitchFamily="49" charset="0"/>
                 <a:cs typeface="Courier New" pitchFamily="49" charset="0"/>
               </a:rPr>
-              <a:t>{</a:t>
-            </a:r>
-          </a:p>
-          <a:p>
+              <a:t> </a:t>
+            </a:r>
+            <a:r>
+              <a:rPr lang="es-ES_tradnl" sz="2800" dirty="0" err="1" smtClean="0">
+                <a:solidFill>
+                  <a:srgbClr val="C00000"/>
+                </a:solidFill>
+                <a:latin typeface="Courier New" pitchFamily="49" charset="0"/>
+                <a:cs typeface="Courier New" pitchFamily="49" charset="0"/>
+              </a:rPr>
+              <a:t>class</a:t>
+            </a:r>
             <a:r>
               <a:rPr lang="es-ES_tradnl" sz="2800" dirty="0" smtClean="0">
                 <a:solidFill>
@@ -19641,6 +19615,16 @@
               <a:t> </a:t>
             </a:r>
             <a:r>
+              <a:rPr lang="es-ES_tradnl" sz="2800" dirty="0" err="1" smtClean="0">
+                <a:solidFill>
+                  <a:srgbClr val="C00000"/>
+                </a:solidFill>
+                <a:latin typeface="Courier New" pitchFamily="49" charset="0"/>
+                <a:cs typeface="Courier New" pitchFamily="49" charset="0"/>
+              </a:rPr>
+              <a:t>HolaMundo</a:t>
+            </a:r>
+            <a:r>
               <a:rPr lang="es-ES_tradnl" sz="2800" dirty="0" smtClean="0">
                 <a:solidFill>
                   <a:srgbClr val="C00000"/>
@@ -19648,7 +19632,19 @@
                 <a:latin typeface="Courier New" pitchFamily="49" charset="0"/>
                 <a:cs typeface="Courier New" pitchFamily="49" charset="0"/>
               </a:rPr>
-              <a:t> </a:t>
+              <a:t>(){</a:t>
+            </a:r>
+          </a:p>
+          <a:p>
+            <a:r>
+              <a:rPr lang="es-ES_tradnl" sz="2800" dirty="0" smtClean="0">
+                <a:solidFill>
+                  <a:srgbClr val="C00000"/>
+                </a:solidFill>
+                <a:latin typeface="Courier New" pitchFamily="49" charset="0"/>
+                <a:cs typeface="Courier New" pitchFamily="49" charset="0"/>
+              </a:rPr>
+              <a:t>    </a:t>
             </a:r>
             <a:r>
               <a:rPr lang="es-ES_tradnl" sz="2800" dirty="0" err="1" smtClean="0">
@@ -19678,7 +19674,7 @@
                 <a:latin typeface="Courier New" pitchFamily="49" charset="0"/>
                 <a:cs typeface="Courier New" pitchFamily="49" charset="0"/>
               </a:rPr>
-              <a:t>class</a:t>
+              <a:t>static</a:t>
             </a:r>
             <a:r>
               <a:rPr lang="es-ES_tradnl" sz="2800" dirty="0" smtClean="0">
@@ -19698,7 +19694,7 @@
                 <a:latin typeface="Courier New" pitchFamily="49" charset="0"/>
                 <a:cs typeface="Courier New" pitchFamily="49" charset="0"/>
               </a:rPr>
-              <a:t>HolaMundo</a:t>
+              <a:t>void</a:t>
             </a:r>
             <a:r>
               <a:rPr lang="es-ES_tradnl" sz="2800" dirty="0" smtClean="0">
@@ -19708,7 +19704,7 @@
                 <a:latin typeface="Courier New" pitchFamily="49" charset="0"/>
                 <a:cs typeface="Courier New" pitchFamily="49" charset="0"/>
               </a:rPr>
-              <a:t>(){</a:t>
+              <a:t> Hola ()</a:t>
             </a:r>
           </a:p>
           <a:p>
@@ -19720,8 +19716,10 @@
                 <a:latin typeface="Courier New" pitchFamily="49" charset="0"/>
                 <a:cs typeface="Courier New" pitchFamily="49" charset="0"/>
               </a:rPr>
-              <a:t> </a:t>
-            </a:r>
+              <a:t>    {</a:t>
+            </a:r>
+          </a:p>
+          <a:p>
             <a:r>
               <a:rPr lang="es-ES_tradnl" sz="2800" dirty="0" smtClean="0">
                 <a:solidFill>
@@ -19730,7 +19728,7 @@
                 <a:latin typeface="Courier New" pitchFamily="49" charset="0"/>
                 <a:cs typeface="Courier New" pitchFamily="49" charset="0"/>
               </a:rPr>
-              <a:t>   </a:t>
+              <a:t>      </a:t>
             </a:r>
             <a:r>
               <a:rPr lang="es-ES_tradnl" sz="2800" dirty="0" err="1" smtClean="0">
@@ -19740,7 +19738,7 @@
                 <a:latin typeface="Courier New" pitchFamily="49" charset="0"/>
                 <a:cs typeface="Courier New" pitchFamily="49" charset="0"/>
               </a:rPr>
-              <a:t>public</a:t>
+              <a:t>Console.WriteLine</a:t>
             </a:r>
             <a:r>
               <a:rPr lang="es-ES_tradnl" sz="2800" dirty="0" smtClean="0">
@@ -19750,18 +19748,10 @@
                 <a:latin typeface="Courier New" pitchFamily="49" charset="0"/>
                 <a:cs typeface="Courier New" pitchFamily="49" charset="0"/>
               </a:rPr>
-              <a:t> </a:t>
-            </a:r>
-            <a:r>
-              <a:rPr lang="es-ES_tradnl" sz="2800" dirty="0" err="1" smtClean="0">
-                <a:solidFill>
-                  <a:srgbClr val="C00000"/>
-                </a:solidFill>
-                <a:latin typeface="Courier New" pitchFamily="49" charset="0"/>
-                <a:cs typeface="Courier New" pitchFamily="49" charset="0"/>
-              </a:rPr>
-              <a:t>static</a:t>
-            </a:r>
+              <a:t> (""Hola Mundo!"");</a:t>
+            </a:r>
+          </a:p>
+          <a:p>
             <a:r>
               <a:rPr lang="es-ES_tradnl" sz="2800" dirty="0" smtClean="0">
                 <a:solidFill>
@@ -19770,18 +19760,10 @@
                 <a:latin typeface="Courier New" pitchFamily="49" charset="0"/>
                 <a:cs typeface="Courier New" pitchFamily="49" charset="0"/>
               </a:rPr>
-              <a:t> </a:t>
-            </a:r>
-            <a:r>
-              <a:rPr lang="es-ES_tradnl" sz="2800" dirty="0" err="1" smtClean="0">
-                <a:solidFill>
-                  <a:srgbClr val="C00000"/>
-                </a:solidFill>
-                <a:latin typeface="Courier New" pitchFamily="49" charset="0"/>
-                <a:cs typeface="Courier New" pitchFamily="49" charset="0"/>
-              </a:rPr>
-              <a:t>void</a:t>
-            </a:r>
+              <a:t>    }</a:t>
+            </a:r>
+          </a:p>
+          <a:p>
             <a:r>
               <a:rPr lang="es-ES_tradnl" sz="2800" dirty="0" smtClean="0">
                 <a:solidFill>
@@ -19790,149 +19772,7 @@
                 <a:latin typeface="Courier New" pitchFamily="49" charset="0"/>
                 <a:cs typeface="Courier New" pitchFamily="49" charset="0"/>
               </a:rPr>
-              <a:t> </a:t>
-            </a:r>
-            <a:r>
-              <a:rPr lang="es-ES_tradnl" sz="2800" dirty="0" smtClean="0">
-                <a:solidFill>
-                  <a:srgbClr val="C00000"/>
-                </a:solidFill>
-                <a:latin typeface="Courier New" pitchFamily="49" charset="0"/>
-                <a:cs typeface="Courier New" pitchFamily="49" charset="0"/>
-              </a:rPr>
-              <a:t>Hola </a:t>
-            </a:r>
-            <a:r>
-              <a:rPr lang="es-ES_tradnl" sz="2800" dirty="0" smtClean="0">
-                <a:solidFill>
-                  <a:srgbClr val="C00000"/>
-                </a:solidFill>
-                <a:latin typeface="Courier New" pitchFamily="49" charset="0"/>
-                <a:cs typeface="Courier New" pitchFamily="49" charset="0"/>
-              </a:rPr>
-              <a:t>()</a:t>
-            </a:r>
-          </a:p>
-          <a:p>
-            <a:r>
-              <a:rPr lang="es-ES_tradnl" sz="2800" dirty="0" smtClean="0">
-                <a:solidFill>
-                  <a:srgbClr val="C00000"/>
-                </a:solidFill>
-                <a:latin typeface="Courier New" pitchFamily="49" charset="0"/>
-                <a:cs typeface="Courier New" pitchFamily="49" charset="0"/>
-              </a:rPr>
-              <a:t>    {</a:t>
-            </a:r>
-            <a:endParaRPr lang="es-ES_tradnl" sz="2800" dirty="0" smtClean="0">
-              <a:solidFill>
-                <a:srgbClr val="C00000"/>
-              </a:solidFill>
-              <a:latin typeface="Courier New" pitchFamily="49" charset="0"/>
-              <a:cs typeface="Courier New" pitchFamily="49" charset="0"/>
-            </a:endParaRPr>
-          </a:p>
-          <a:p>
-            <a:r>
-              <a:rPr lang="es-ES_tradnl" sz="2800" dirty="0" smtClean="0">
-                <a:solidFill>
-                  <a:srgbClr val="C00000"/>
-                </a:solidFill>
-                <a:latin typeface="Courier New" pitchFamily="49" charset="0"/>
-                <a:cs typeface="Courier New" pitchFamily="49" charset="0"/>
-              </a:rPr>
-              <a:t>      </a:t>
-            </a:r>
-            <a:r>
-              <a:rPr lang="es-ES_tradnl" sz="2800" dirty="0" err="1" smtClean="0">
-                <a:solidFill>
-                  <a:srgbClr val="C00000"/>
-                </a:solidFill>
-                <a:latin typeface="Courier New" pitchFamily="49" charset="0"/>
-                <a:cs typeface="Courier New" pitchFamily="49" charset="0"/>
-              </a:rPr>
-              <a:t>Console.WriteLine</a:t>
-            </a:r>
-            <a:r>
-              <a:rPr lang="es-ES_tradnl" sz="2800" dirty="0" smtClean="0">
-                <a:solidFill>
-                  <a:srgbClr val="C00000"/>
-                </a:solidFill>
-                <a:latin typeface="Courier New" pitchFamily="49" charset="0"/>
-                <a:cs typeface="Courier New" pitchFamily="49" charset="0"/>
-              </a:rPr>
-              <a:t> ("</a:t>
-            </a:r>
-            <a:r>
-              <a:rPr lang="es-ES_tradnl" sz="2800" dirty="0" smtClean="0">
-                <a:solidFill>
-                  <a:srgbClr val="C00000"/>
-                </a:solidFill>
-                <a:latin typeface="Courier New" pitchFamily="49" charset="0"/>
-                <a:cs typeface="Courier New" pitchFamily="49" charset="0"/>
-              </a:rPr>
-              <a:t>"</a:t>
-            </a:r>
-            <a:r>
-              <a:rPr lang="es-ES_tradnl" sz="2800" dirty="0" smtClean="0">
-                <a:solidFill>
-                  <a:srgbClr val="C00000"/>
-                </a:solidFill>
-                <a:latin typeface="Courier New" pitchFamily="49" charset="0"/>
-                <a:cs typeface="Courier New" pitchFamily="49" charset="0"/>
-              </a:rPr>
-              <a:t>Hola Mundo!"");</a:t>
-            </a:r>
-            <a:endParaRPr lang="es-ES_tradnl" sz="2800" dirty="0" smtClean="0">
-              <a:solidFill>
-                <a:srgbClr val="C00000"/>
-              </a:solidFill>
-              <a:latin typeface="Courier New" pitchFamily="49" charset="0"/>
-              <a:cs typeface="Courier New" pitchFamily="49" charset="0"/>
-            </a:endParaRPr>
-          </a:p>
-          <a:p>
-            <a:r>
-              <a:rPr lang="es-ES_tradnl" sz="2800" dirty="0" smtClean="0">
-                <a:solidFill>
-                  <a:srgbClr val="C00000"/>
-                </a:solidFill>
-                <a:latin typeface="Courier New" pitchFamily="49" charset="0"/>
-                <a:cs typeface="Courier New" pitchFamily="49" charset="0"/>
-              </a:rPr>
-              <a:t> </a:t>
-            </a:r>
-            <a:r>
-              <a:rPr lang="es-ES_tradnl" sz="2800" dirty="0" smtClean="0">
-                <a:solidFill>
-                  <a:srgbClr val="C00000"/>
-                </a:solidFill>
-                <a:latin typeface="Courier New" pitchFamily="49" charset="0"/>
-                <a:cs typeface="Courier New" pitchFamily="49" charset="0"/>
-              </a:rPr>
-              <a:t>   }</a:t>
-            </a:r>
-          </a:p>
-          <a:p>
-            <a:r>
-              <a:rPr lang="es-ES_tradnl" sz="2800" dirty="0" smtClean="0">
-                <a:solidFill>
-                  <a:srgbClr val="C00000"/>
-                </a:solidFill>
-                <a:latin typeface="Courier New" pitchFamily="49" charset="0"/>
-                <a:cs typeface="Courier New" pitchFamily="49" charset="0"/>
-              </a:rPr>
-              <a:t> </a:t>
-            </a:r>
-            <a:r>
-              <a:rPr lang="es-ES_tradnl" sz="2800" dirty="0" smtClean="0">
-                <a:solidFill>
-                  <a:srgbClr val="C00000"/>
-                </a:solidFill>
-                <a:latin typeface="Courier New" pitchFamily="49" charset="0"/>
-                <a:cs typeface="Courier New" pitchFamily="49" charset="0"/>
-              </a:rPr>
-              <a:t> }</a:t>
+              <a:t>  }</a:t>
             </a:r>
           </a:p>
           <a:p>
@@ -20112,17 +19952,12 @@
             </a:pPr>
             <a:r>
               <a:rPr lang="es-ES_tradnl" sz="3000" dirty="0" smtClean="0"/>
-              <a:t>	b</a:t>
-            </a:r>
-            <a:r>
-              <a:rPr lang="es-ES_tradnl" sz="3000" dirty="0" smtClean="0"/>
-              <a:t>) </a:t>
+              <a:t>	b) </a:t>
             </a:r>
             <a:r>
               <a:rPr lang="es-ES_tradnl" sz="3000" b="1" dirty="0" smtClean="0"/>
               <a:t>Compilar en tiempo de ejecución ese código </a:t>
             </a:r>
-            <a:endParaRPr lang="es-ES_tradnl" sz="3000" b="1" dirty="0" smtClean="0"/>
           </a:p>
           <a:p>
             <a:pPr algn="just">
@@ -20483,14 +20318,7 @@
                 <a:latin typeface="Courier New" pitchFamily="49" charset="0"/>
                 <a:cs typeface="Courier New" pitchFamily="49" charset="0"/>
               </a:rPr>
-              <a:t>S</a:t>
-            </a:r>
-            <a:r>
-              <a:rPr lang="es-ES_tradnl" sz="3000" dirty="0" err="1" smtClean="0">
-                <a:latin typeface="Courier New" pitchFamily="49" charset="0"/>
-                <a:cs typeface="Courier New" pitchFamily="49" charset="0"/>
-              </a:rPr>
-              <a:t>tring</a:t>
+              <a:t>String</a:t>
             </a:r>
             <a:r>
               <a:rPr lang="es-ES_tradnl" dirty="0" smtClean="0"/>
@@ -20503,11 +20331,7 @@
             </a:pPr>
             <a:r>
               <a:rPr lang="es-ES_tradnl" dirty="0" smtClean="0"/>
-              <a:t>	</a:t>
-            </a:r>
-            <a:r>
-              <a:rPr lang="es-ES_tradnl" dirty="0" smtClean="0"/>
-              <a:t>	</a:t>
+              <a:t>		</a:t>
             </a:r>
             <a:r>
               <a:rPr lang="en-US" sz="2200" dirty="0" err="1" smtClean="0">
@@ -20891,11 +20715,7 @@
             <a:pPr algn="just"/>
             <a:r>
               <a:rPr lang="es-ES_tradnl" dirty="0" smtClean="0"/>
-              <a:t>S</a:t>
-            </a:r>
-            <a:r>
-              <a:rPr lang="es-ES_tradnl" dirty="0" smtClean="0"/>
-              <a:t>e puede trabajar con el ensamblado que contiene</a:t>
+              <a:t>Se puede trabajar con el ensamblado que contiene</a:t>
             </a:r>
             <a:endParaRPr lang="es-ES_tradnl" sz="1900" dirty="0" smtClean="0">
               <a:latin typeface="Courier New" pitchFamily="49" charset="0"/>
@@ -20941,32 +20761,12 @@
               </a:rPr>
               <a:t>;</a:t>
             </a:r>
-            <a:endParaRPr lang="es-ES_tradnl" sz="2100" dirty="0" smtClean="0">
-              <a:latin typeface="Courier New" pitchFamily="49" charset="0"/>
-              <a:cs typeface="Courier New" pitchFamily="49" charset="0"/>
-            </a:endParaRPr>
           </a:p>
           <a:p>
             <a:pPr algn="just"/>
             <a:r>
               <a:rPr lang="es-ES_tradnl" dirty="0" smtClean="0"/>
-              <a:t>Se </a:t>
-            </a:r>
-            <a:r>
-              <a:rPr lang="es-ES_tradnl" dirty="0" smtClean="0"/>
-              <a:t>puede </a:t>
-            </a:r>
-            <a:r>
-              <a:rPr lang="es-ES_tradnl" dirty="0" smtClean="0"/>
-              <a:t>generar la instanciación </a:t>
-            </a:r>
-            <a:r>
-              <a:rPr lang="es-ES_tradnl" dirty="0" smtClean="0"/>
-              <a:t>de una de las clases del </a:t>
-            </a:r>
-            <a:r>
-              <a:rPr lang="es-ES_tradnl" dirty="0" smtClean="0"/>
-              <a:t>ensamblado</a:t>
+              <a:t>Se puede generar la instanciación de una de las clases del ensamblado</a:t>
             </a:r>
             <a:endParaRPr lang="es-ES_tradnl" sz="2800" dirty="0" smtClean="0">
               <a:latin typeface="Courier New" pitchFamily="49" charset="0"/>
@@ -21264,17 +21064,8 @@
             <a:pPr algn="just"/>
             <a:r>
               <a:rPr lang="es-ES_tradnl" dirty="0" smtClean="0"/>
-              <a:t>Es una librería cuya funcionalidad es la de generar en </a:t>
-            </a:r>
-            <a:r>
-              <a:rPr lang="es-ES_tradnl" dirty="0" smtClean="0"/>
-              <a:t>tiempo de </a:t>
-            </a:r>
-            <a:r>
-              <a:rPr lang="es-ES_tradnl" dirty="0" smtClean="0"/>
-              <a:t>ejecución programas serializadores de alto rendimiento.</a:t>
-            </a:r>
-            <a:endParaRPr lang="es-ES_tradnl" dirty="0" smtClean="0"/>
+              <a:t>Es una librería cuya funcionalidad es la de generar en tiempo de ejecución programas serializadores de alto rendimiento.</a:t>
+            </a:r>
           </a:p>
         </p:txBody>
       </p:sp>
@@ -21425,11 +21216,7 @@
             </a:r>
             <a:r>
               <a:rPr lang="es-ES_tradnl" b="1" dirty="0" smtClean="0"/>
-              <a:t>D</a:t>
-            </a:r>
-            <a:r>
-              <a:rPr lang="es-ES_tradnl" b="1" dirty="0" smtClean="0"/>
-              <a:t>evolverla como salida del generador</a:t>
+              <a:t>Devolverla como salida del generador</a:t>
             </a:r>
           </a:p>
           <a:p>
@@ -21634,7 +21421,6 @@
               <a:rPr lang="es-ES_tradnl" dirty="0" smtClean="0"/>
               <a:t>.</a:t>
             </a:r>
-            <a:endParaRPr lang="es-ES_tradnl" dirty="0" smtClean="0"/>
           </a:p>
           <a:p>
             <a:pPr algn="just"/>
@@ -21741,11 +21527,7 @@
             </a:pPr>
             <a:r>
               <a:rPr lang="es-ES_tradnl" sz="3200" b="1" dirty="0" smtClean="0"/>
-              <a:t>Tipo </a:t>
-            </a:r>
-            <a:r>
-              <a:rPr lang="es-ES_tradnl" sz="3200" b="1" dirty="0" smtClean="0"/>
-              <a:t>de elemento que devuelve el generador</a:t>
+              <a:t>Tipo de elemento que devuelve el generador</a:t>
             </a:r>
           </a:p>
           <a:p>
@@ -21881,17 +21663,7 @@
                 <a:latin typeface="Courier New" pitchFamily="49" charset="0"/>
                 <a:cs typeface="Courier New" pitchFamily="49" charset="0"/>
               </a:rPr>
-              <a:t>' accepting a first argument of type 'object' could be found (are you missing a using directive or an assembly reference</a:t>
-            </a:r>
-            <a:r>
-              <a:rPr lang="en-US" dirty="0" smtClean="0">
-                <a:solidFill>
-                  <a:srgbClr val="FF0000"/>
-                </a:solidFill>
-                <a:latin typeface="Courier New" pitchFamily="49" charset="0"/>
-                <a:cs typeface="Courier New" pitchFamily="49" charset="0"/>
-              </a:rPr>
-              <a:t>?)</a:t>
+              <a:t>' accepting a first argument of type 'object' could be found (are you missing a using directive or an assembly reference?)</a:t>
             </a:r>
             <a:endParaRPr lang="es-ES_tradnl" dirty="0" smtClean="0">
               <a:solidFill>
@@ -22002,11 +21774,7 @@
             <a:pPr algn="just"/>
             <a:r>
               <a:rPr lang="es-ES_tradnl" dirty="0" smtClean="0"/>
-              <a:t>usar </a:t>
-            </a:r>
-            <a:r>
-              <a:rPr lang="es-ES_tradnl" dirty="0" smtClean="0"/>
-              <a:t>una variable de tipo </a:t>
+              <a:t>usar una variable de tipo </a:t>
             </a:r>
             <a:r>
               <a:rPr lang="es-ES_tradnl" sz="3000" dirty="0" err="1" smtClean="0">
@@ -22107,11 +21875,7 @@
             </a:pPr>
             <a:r>
               <a:rPr lang="es-ES_tradnl" sz="3200" b="1" dirty="0" smtClean="0"/>
-              <a:t>Tipo </a:t>
-            </a:r>
-            <a:r>
-              <a:rPr lang="es-ES_tradnl" sz="3200" b="1" dirty="0" smtClean="0"/>
-              <a:t>de elemento que devuelve el generador</a:t>
+              <a:t>Tipo de elemento que devuelve el generador</a:t>
             </a:r>
           </a:p>
           <a:p>
@@ -22387,21 +22151,7 @@
                 <a:latin typeface="Courier New" pitchFamily="49" charset="0"/>
                 <a:cs typeface="Courier New" pitchFamily="49" charset="0"/>
               </a:rPr>
-              <a:t>		</a:t>
-            </a:r>
-            <a:r>
-              <a:rPr lang="es-ES_tradnl" sz="2400" dirty="0" smtClean="0">
-                <a:latin typeface="Courier New" pitchFamily="49" charset="0"/>
-                <a:cs typeface="Courier New" pitchFamily="49" charset="0"/>
-              </a:rPr>
-              <a:t>“Hola</a:t>
-            </a:r>
-            <a:r>
-              <a:rPr lang="es-ES_tradnl" sz="2400" dirty="0" smtClean="0">
-                <a:latin typeface="Courier New" pitchFamily="49" charset="0"/>
-                <a:cs typeface="Courier New" pitchFamily="49" charset="0"/>
-              </a:rPr>
-              <a:t>", </a:t>
+              <a:t>		“Hola", </a:t>
             </a:r>
             <a:r>
               <a:rPr lang="es-ES_tradnl" sz="2400" dirty="0" err="1" smtClean="0">
@@ -22507,11 +22257,7 @@
             </a:pPr>
             <a:r>
               <a:rPr lang="es-ES_tradnl" sz="3200" b="1" dirty="0" smtClean="0"/>
-              <a:t>Tipo </a:t>
-            </a:r>
-            <a:r>
-              <a:rPr lang="es-ES_tradnl" sz="3200" b="1" dirty="0" smtClean="0"/>
-              <a:t>de elemento que devuelve el generador</a:t>
+              <a:t>Tipo de elemento que devuelve el generador</a:t>
             </a:r>
           </a:p>
           <a:p>
@@ -22751,17 +22497,8 @@
             </a:pPr>
             <a:r>
               <a:rPr lang="es-ES_tradnl" sz="3200" b="1" dirty="0" smtClean="0"/>
-              <a:t>Tipo </a:t>
-            </a:r>
-            <a:r>
-              <a:rPr lang="es-ES_tradnl" sz="3200" b="1" dirty="0" smtClean="0"/>
-              <a:t>de elemento que devuelve el </a:t>
-            </a:r>
-            <a:r>
-              <a:rPr lang="es-ES_tradnl" sz="3200" b="1" dirty="0" smtClean="0"/>
-              <a:t>generador</a:t>
-            </a:r>
-            <a:endParaRPr lang="es-ES_tradnl" sz="3200" b="1" dirty="0" smtClean="0"/>
+              <a:t>Tipo de elemento que devuelve el generador</a:t>
+            </a:r>
           </a:p>
         </p:txBody>
       </p:sp>
@@ -23042,27 +22779,7 @@
                 <a:latin typeface="Courier New" pitchFamily="49" charset="0"/>
                 <a:cs typeface="Courier New" pitchFamily="49" charset="0"/>
               </a:rPr>
-              <a:t>' </a:t>
-            </a:r>
-            <a:r>
-              <a:rPr lang="en-US" dirty="0" smtClean="0">
-                <a:solidFill>
-                  <a:srgbClr val="FF0000"/>
-                </a:solidFill>
-                <a:latin typeface="Courier New" pitchFamily="49" charset="0"/>
-                <a:cs typeface="Courier New" pitchFamily="49" charset="0"/>
-              </a:rPr>
-              <a:t>does not contain a definition for </a:t>
-            </a:r>
-            <a:r>
-              <a:rPr lang="en-US" dirty="0" smtClean="0">
-                <a:solidFill>
-                  <a:srgbClr val="FF0000"/>
-                </a:solidFill>
-                <a:latin typeface="Courier New" pitchFamily="49" charset="0"/>
-                <a:cs typeface="Courier New" pitchFamily="49" charset="0"/>
-              </a:rPr>
-              <a:t>‘Hola2'</a:t>
+              <a:t>' does not contain a definition for ‘Hola2'</a:t>
             </a:r>
             <a:endParaRPr lang="es-ES_tradnl" dirty="0">
               <a:solidFill>
@@ -23101,17 +22818,8 @@
             </a:pPr>
             <a:r>
               <a:rPr lang="es-ES_tradnl" sz="3200" b="1" dirty="0" smtClean="0"/>
-              <a:t>Tipo </a:t>
-            </a:r>
-            <a:r>
-              <a:rPr lang="es-ES_tradnl" sz="3200" b="1" dirty="0" smtClean="0"/>
-              <a:t>de elemento que devuelve el </a:t>
-            </a:r>
-            <a:r>
-              <a:rPr lang="es-ES_tradnl" sz="3200" b="1" dirty="0" smtClean="0"/>
-              <a:t>generador</a:t>
-            </a:r>
-            <a:endParaRPr lang="es-ES_tradnl" sz="3200" b="1" dirty="0" smtClean="0"/>
+              <a:t>Tipo de elemento que devuelve el generador</a:t>
+            </a:r>
           </a:p>
         </p:txBody>
       </p:sp>
@@ -23225,23 +22933,7 @@
             <a:pPr algn="just"/>
             <a:r>
               <a:rPr lang="es-ES_tradnl" dirty="0" smtClean="0"/>
-              <a:t>Al </a:t>
-            </a:r>
-            <a:r>
-              <a:rPr lang="es-ES_tradnl" dirty="0" smtClean="0"/>
-              <a:t>generar el código, hay que tener en cuenta las referencias que </a:t>
-            </a:r>
-            <a:r>
-              <a:rPr lang="es-ES_tradnl" dirty="0" smtClean="0"/>
-              <a:t>necesite </a:t>
-            </a:r>
-            <a:r>
-              <a:rPr lang="es-ES_tradnl" dirty="0" smtClean="0"/>
-              <a:t>para compilar </a:t>
-            </a:r>
-            <a:r>
-              <a:rPr lang="es-ES_tradnl" dirty="0" smtClean="0"/>
-              <a:t>correctamente.</a:t>
+              <a:t>Al generar el código, hay que tener en cuenta las referencias que necesite para compilar correctamente.</a:t>
             </a:r>
           </a:p>
           <a:p>
@@ -23260,15 +22952,7 @@
             </a:r>
             <a:r>
               <a:rPr lang="es-ES_tradnl" dirty="0" err="1" smtClean="0"/>
-              <a:t>seriali</a:t>
-            </a:r>
-            <a:r>
-              <a:rPr lang="es-ES_tradnl" dirty="0" err="1" smtClean="0"/>
-              <a:t>z</a:t>
-            </a:r>
-            <a:r>
-              <a:rPr lang="es-ES_tradnl" dirty="0" err="1" smtClean="0"/>
-              <a:t>adora</a:t>
+              <a:t>serializadora</a:t>
             </a:r>
             <a:r>
               <a:rPr lang="es-ES_tradnl" dirty="0" smtClean="0"/>
@@ -23727,7 +23411,6 @@
               <a:rPr lang="es-ES_tradnl" sz="3200" b="1" dirty="0" smtClean="0"/>
               <a:t>Referencias necesarias para compilar</a:t>
             </a:r>
-            <a:endParaRPr lang="es-ES_tradnl" sz="3200" b="1" dirty="0" smtClean="0"/>
           </a:p>
         </p:txBody>
       </p:sp>
@@ -23958,10 +23641,6 @@
               </a:rPr>
               <a:t> = true;</a:t>
             </a:r>
-            <a:endParaRPr lang="es-ES_tradnl" sz="2600" dirty="0" smtClean="0">
-              <a:latin typeface="Courier New" pitchFamily="49" charset="0"/>
-              <a:cs typeface="Courier New" pitchFamily="49" charset="0"/>
-            </a:endParaRPr>
           </a:p>
           <a:p>
             <a:pPr algn="just">
@@ -24047,7 +23726,6 @@
               <a:rPr lang="es-ES_tradnl" sz="3200" b="1" dirty="0" smtClean="0"/>
               <a:t>Referencias necesarias para compilar</a:t>
             </a:r>
-            <a:endParaRPr lang="es-ES_tradnl" sz="3200" b="1" dirty="0" smtClean="0"/>
           </a:p>
         </p:txBody>
       </p:sp>
@@ -24339,19 +24017,7 @@
             </a:pPr>
             <a:r>
               <a:rPr lang="es-ES_tradnl" sz="2800" dirty="0" smtClean="0"/>
-              <a:t>Cómo </a:t>
-            </a:r>
-            <a:r>
-              <a:rPr lang="es-ES_tradnl" sz="2800" dirty="0" smtClean="0"/>
-              <a:t>serán los métodos que serializan </a:t>
-            </a:r>
-            <a:r>
-              <a:rPr lang="es-ES_tradnl" sz="2800" dirty="0" smtClean="0"/>
-              <a:t>(normales</a:t>
-            </a:r>
-            <a:r>
-              <a:rPr lang="es-ES_tradnl" sz="2800" dirty="0" smtClean="0"/>
-              <a:t>, estáticos, de extensión…) ¿?</a:t>
+              <a:t>Cómo serán los métodos que serializan (normales, estáticos, de extensión…) ¿?</a:t>
             </a:r>
           </a:p>
           <a:p>
@@ -24363,21 +24029,8 @@
             </a:pPr>
             <a:r>
               <a:rPr lang="es-ES_tradnl" sz="2800" dirty="0" smtClean="0"/>
-              <a:t>- </a:t>
-            </a:r>
-            <a:r>
-              <a:rPr lang="es-ES_tradnl" sz="2800" dirty="0" smtClean="0"/>
-              <a:t> El </a:t>
-            </a:r>
-            <a:r>
-              <a:rPr lang="es-ES_tradnl" sz="2800" dirty="0" smtClean="0"/>
-              <a:t>objeto a tratar se recibe por referencia o por valor </a:t>
-            </a:r>
-            <a:r>
-              <a:rPr lang="es-ES_tradnl" sz="2800" dirty="0" smtClean="0"/>
-              <a:t>¿?</a:t>
-            </a:r>
-            <a:endParaRPr lang="es-ES_tradnl" sz="2800" dirty="0" smtClean="0"/>
+              <a:t>-  El objeto a tratar se recibe por referencia o por valor ¿?</a:t>
+            </a:r>
           </a:p>
         </p:txBody>
       </p:sp>
@@ -24765,7 +24418,6 @@
               <a:rPr lang="es-ES_tradnl" dirty="0" smtClean="0"/>
               <a:t>	Que se pudiera obtener la representación de los objetos serializados en distintos formatos, incluso personalizados.</a:t>
             </a:r>
-            <a:endParaRPr lang="es-ES_tradnl" dirty="0" smtClean="0"/>
           </a:p>
           <a:p>
             <a:pPr algn="just"/>
@@ -25228,14 +24880,6 @@
               </a:rPr>
               <a:t>Fase 3</a:t>
             </a:r>
-            <a:r>
-              <a:rPr lang="es-ES_tradnl" dirty="0" smtClean="0">
-                <a:solidFill>
-                  <a:schemeClr val="bg1"/>
-                </a:solidFill>
-              </a:rPr>
-              <a:t/>
-            </a:r>
             <a:br>
               <a:rPr lang="es-ES_tradnl" dirty="0" smtClean="0">
                 <a:solidFill>
@@ -25325,15 +24969,7 @@
             </a:r>
             <a:r>
               <a:rPr lang="es-ES_tradnl" sz="2400" i="1" dirty="0" smtClean="0"/>
-              <a:t> que permite trabajar con todos los elementos </a:t>
-            </a:r>
-            <a:r>
-              <a:rPr lang="es-ES_tradnl" sz="2400" i="1" dirty="0" smtClean="0"/>
-              <a:t>internos </a:t>
-            </a:r>
-            <a:r>
-              <a:rPr lang="es-ES_tradnl" sz="2400" i="1" dirty="0" smtClean="0"/>
-              <a:t>de una clase en </a:t>
+              <a:t> que permite trabajar con todos los elementos internos de una clase en </a:t>
             </a:r>
             <a:r>
               <a:rPr lang="es-ES_tradnl" sz="2400" i="1" u="sng" dirty="0" smtClean="0"/>
@@ -27411,11 +27047,7 @@
           <a:p>
             <a:r>
               <a:rPr lang="es-ES_tradnl" dirty="0" smtClean="0"/>
-              <a:t> </a:t>
-            </a:r>
-            <a:r>
-              <a:rPr lang="es-ES_tradnl" dirty="0" smtClean="0"/>
-              <a:t>   </a:t>
+              <a:t>    </a:t>
             </a:r>
             <a:r>
               <a:rPr lang="en-US" dirty="0" smtClean="0"/>
@@ -27453,11 +27085,7 @@
           <a:p>
             <a:r>
               <a:rPr lang="en-US" dirty="0" smtClean="0"/>
-              <a:t> </a:t>
-            </a:r>
-            <a:r>
-              <a:rPr lang="en-US" dirty="0" smtClean="0"/>
-              <a:t>   {</a:t>
+              <a:t>    {</a:t>
             </a:r>
           </a:p>
           <a:p>
@@ -27539,15 +27167,25 @@
                   <a:schemeClr val="bg1"/>
                 </a:solidFill>
               </a:rPr>
-              <a:t> </a:t>
-            </a:r>
+              <a:t> += obj.v2 + “,”;</a:t>
+            </a:r>
+          </a:p>
+          <a:p>
             <a:r>
               <a:rPr lang="en-US" dirty="0" smtClean="0">
                 <a:solidFill>
                   <a:schemeClr val="bg1"/>
                 </a:solidFill>
               </a:rPr>
-              <a:t>+= </a:t>
+              <a:t>        return </a:t>
+            </a:r>
+            <a:r>
+              <a:rPr lang="en-US" dirty="0" err="1" smtClean="0">
+                <a:solidFill>
+                  <a:schemeClr val="bg1"/>
+                </a:solidFill>
+              </a:rPr>
+              <a:t>texto</a:t>
             </a:r>
             <a:r>
               <a:rPr lang="en-US" dirty="0" smtClean="0">
@@ -27555,33 +27193,109 @@
                   <a:schemeClr val="bg1"/>
                 </a:solidFill>
               </a:rPr>
-              <a:t>obj.v2 </a:t>
-            </a:r>
+              <a:t>;</a:t>
+            </a:r>
+          </a:p>
+          <a:p>
             <a:r>
               <a:rPr lang="en-US" dirty="0" smtClean="0">
                 <a:solidFill>
                   <a:schemeClr val="bg1"/>
                 </a:solidFill>
               </a:rPr>
-              <a:t>+ </a:t>
-            </a:r>
+              <a:t> </a:t>
+            </a:r>
+            <a:r>
+              <a:rPr lang="en-US" dirty="0" smtClean="0"/>
+              <a:t>   }</a:t>
+            </a:r>
+          </a:p>
+          <a:p>
+            <a:r>
+              <a:rPr lang="en-US" dirty="0" smtClean="0"/>
+              <a:t>    public void </a:t>
+            </a:r>
+            <a:r>
+              <a:rPr lang="en-US" dirty="0" err="1" smtClean="0"/>
+              <a:t>decodificar</a:t>
+            </a:r>
+            <a:r>
+              <a:rPr lang="en-US" dirty="0" smtClean="0"/>
+              <a:t>(</a:t>
+            </a:r>
+          </a:p>
+          <a:p>
+            <a:r>
+              <a:rPr lang="en-US" dirty="0" smtClean="0"/>
+              <a:t>	string </a:t>
+            </a:r>
+            <a:r>
+              <a:rPr lang="en-US" dirty="0" err="1" smtClean="0"/>
+              <a:t>str</a:t>
+            </a:r>
+            <a:r>
+              <a:rPr lang="en-US" dirty="0" smtClean="0"/>
+              <a:t>, 	ref </a:t>
+            </a:r>
+            <a:r>
+              <a:rPr lang="en-US" dirty="0" err="1" smtClean="0">
+                <a:solidFill>
+                  <a:srgbClr val="FF0000"/>
+                </a:solidFill>
+              </a:rPr>
+              <a:t>ClaseBasica</a:t>
+            </a:r>
+            <a:r>
+              <a:rPr lang="en-US" dirty="0" smtClean="0"/>
+              <a:t> </a:t>
+            </a:r>
+            <a:r>
+              <a:rPr lang="en-US" dirty="0" err="1" smtClean="0"/>
+              <a:t>obj</a:t>
+            </a:r>
+            <a:r>
+              <a:rPr lang="en-US" dirty="0" smtClean="0"/>
+              <a:t>)</a:t>
+            </a:r>
+          </a:p>
+          <a:p>
+            <a:r>
+              <a:rPr lang="en-US" dirty="0" smtClean="0"/>
+              <a:t>    {</a:t>
+            </a:r>
+          </a:p>
+          <a:p>
             <a:r>
               <a:rPr lang="en-US" dirty="0" smtClean="0">
                 <a:solidFill>
                   <a:schemeClr val="bg1"/>
                 </a:solidFill>
               </a:rPr>
-              <a:t>“,”;</a:t>
-            </a:r>
-          </a:p>
-          <a:p>
+              <a:t>        String[] </a:t>
+            </a:r>
+            <a:r>
+              <a:rPr lang="en-US" dirty="0" err="1" smtClean="0">
+                <a:solidFill>
+                  <a:schemeClr val="bg1"/>
+                </a:solidFill>
+              </a:rPr>
+              <a:t>elementos</a:t>
+            </a:r>
             <a:r>
               <a:rPr lang="en-US" dirty="0" smtClean="0">
                 <a:solidFill>
                   <a:schemeClr val="bg1"/>
                 </a:solidFill>
               </a:rPr>
-              <a:t> </a:t>
+              <a:t> = </a:t>
+            </a:r>
+            <a:r>
+              <a:rPr lang="en-US" dirty="0" err="1" smtClean="0">
+                <a:solidFill>
+                  <a:schemeClr val="bg1"/>
+                </a:solidFill>
+              </a:rPr>
+              <a:t>str.Split</a:t>
             </a:r>
             <a:r>
               <a:rPr lang="en-US" dirty="0" smtClean="0">
@@ -27589,7 +27303,17 @@
                   <a:schemeClr val="bg1"/>
                 </a:solidFill>
               </a:rPr>
-              <a:t>       return </a:t>
+              <a:t>(',');</a:t>
+            </a:r>
+          </a:p>
+          <a:p>
+            <a:r>
+              <a:rPr lang="en-US" dirty="0" smtClean="0">
+                <a:solidFill>
+                  <a:schemeClr val="bg1"/>
+                </a:solidFill>
+              </a:rPr>
+              <a:t>        obj.v1 = </a:t>
             </a:r>
             <a:r>
               <a:rPr lang="en-US" dirty="0" err="1" smtClean="0">
@@ -27597,7 +27321,7 @@
                   <a:schemeClr val="bg1"/>
                 </a:solidFill>
               </a:rPr>
-              <a:t>texto</a:t>
+              <a:t>elementos</a:t>
             </a:r>
             <a:r>
               <a:rPr lang="en-US" dirty="0" smtClean="0">
@@ -27605,7 +27329,7 @@
                   <a:schemeClr val="bg1"/>
                 </a:solidFill>
               </a:rPr>
-              <a:t>;</a:t>
+              <a:t>[0];</a:t>
             </a:r>
           </a:p>
           <a:p>
@@ -27615,206 +27339,22 @@
                   <a:schemeClr val="bg1"/>
                 </a:solidFill>
               </a:rPr>
-              <a:t> </a:t>
-            </a:r>
-            <a:r>
-              <a:rPr lang="en-US" dirty="0" smtClean="0"/>
-              <a:t>   }</a:t>
-            </a:r>
-          </a:p>
-          <a:p>
-            <a:r>
-              <a:rPr lang="en-US" dirty="0" smtClean="0"/>
-              <a:t>    public void </a:t>
-            </a:r>
-            <a:r>
-              <a:rPr lang="en-US" dirty="0" err="1" smtClean="0"/>
-              <a:t>decodificar</a:t>
-            </a:r>
-            <a:r>
-              <a:rPr lang="en-US" dirty="0" smtClean="0"/>
-              <a:t>(</a:t>
-            </a:r>
-          </a:p>
-          <a:p>
-            <a:r>
-              <a:rPr lang="en-US" dirty="0" smtClean="0"/>
-              <a:t>	</a:t>
-            </a:r>
-            <a:r>
-              <a:rPr lang="en-US" dirty="0" smtClean="0"/>
-              <a:t>string </a:t>
-            </a:r>
-            <a:r>
-              <a:rPr lang="en-US" dirty="0" err="1" smtClean="0"/>
-              <a:t>str</a:t>
-            </a:r>
-            <a:r>
-              <a:rPr lang="en-US" dirty="0" smtClean="0"/>
-              <a:t>, </a:t>
-            </a:r>
-            <a:r>
-              <a:rPr lang="en-US" dirty="0" smtClean="0"/>
-              <a:t>	</a:t>
-            </a:r>
-            <a:r>
-              <a:rPr lang="en-US" dirty="0" smtClean="0"/>
-              <a:t>ref </a:t>
+              <a:t>        obj.v2 = </a:t>
             </a:r>
             <a:r>
               <a:rPr lang="en-US" dirty="0" err="1" smtClean="0">
                 <a:solidFill>
-                  <a:srgbClr val="FF0000"/>
+                  <a:schemeClr val="bg1"/>
                 </a:solidFill>
               </a:rPr>
-              <a:t>ClaseBasica</a:t>
-            </a:r>
-            <a:r>
-              <a:rPr lang="en-US" dirty="0" smtClean="0"/>
-              <a:t> </a:t>
-            </a:r>
-            <a:r>
-              <a:rPr lang="en-US" dirty="0" err="1" smtClean="0"/>
-              <a:t>obj</a:t>
-            </a:r>
-            <a:r>
-              <a:rPr lang="en-US" dirty="0" smtClean="0"/>
-              <a:t>)</a:t>
-            </a:r>
-          </a:p>
-          <a:p>
-            <a:r>
-              <a:rPr lang="en-US" dirty="0" smtClean="0"/>
-              <a:t> </a:t>
-            </a:r>
-            <a:r>
-              <a:rPr lang="en-US" dirty="0" smtClean="0"/>
-              <a:t>   {</a:t>
-            </a:r>
-          </a:p>
-          <a:p>
+              <a:t>elementos</a:t>
+            </a:r>
             <a:r>
               <a:rPr lang="en-US" dirty="0" smtClean="0">
                 <a:solidFill>
                   <a:schemeClr val="bg1"/>
                 </a:solidFill>
               </a:rPr>
-              <a:t> </a:t>
-            </a:r>
-            <a:r>
-              <a:rPr lang="en-US" dirty="0" smtClean="0">
-                <a:solidFill>
-                  <a:schemeClr val="bg1"/>
-                </a:solidFill>
-              </a:rPr>
-              <a:t>       String[] </a:t>
-            </a:r>
-            <a:r>
-              <a:rPr lang="en-US" dirty="0" err="1" smtClean="0">
-                <a:solidFill>
-                  <a:schemeClr val="bg1"/>
-                </a:solidFill>
-              </a:rPr>
-              <a:t>elementos</a:t>
-            </a:r>
-            <a:r>
-              <a:rPr lang="en-US" dirty="0" smtClean="0">
-                <a:solidFill>
-                  <a:schemeClr val="bg1"/>
-                </a:solidFill>
-              </a:rPr>
-              <a:t> </a:t>
-            </a:r>
-            <a:r>
-              <a:rPr lang="en-US" dirty="0" smtClean="0">
-                <a:solidFill>
-                  <a:schemeClr val="bg1"/>
-                </a:solidFill>
-              </a:rPr>
-              <a:t>= </a:t>
-            </a:r>
-            <a:r>
-              <a:rPr lang="en-US" dirty="0" err="1" smtClean="0">
-                <a:solidFill>
-                  <a:schemeClr val="bg1"/>
-                </a:solidFill>
-              </a:rPr>
-              <a:t>str.Split</a:t>
-            </a:r>
-            <a:r>
-              <a:rPr lang="en-US" dirty="0" smtClean="0">
-                <a:solidFill>
-                  <a:schemeClr val="bg1"/>
-                </a:solidFill>
-              </a:rPr>
-              <a:t>(',');</a:t>
-            </a:r>
-          </a:p>
-          <a:p>
-            <a:r>
-              <a:rPr lang="en-US" dirty="0" smtClean="0">
-                <a:solidFill>
-                  <a:schemeClr val="bg1"/>
-                </a:solidFill>
-              </a:rPr>
-              <a:t> </a:t>
-            </a:r>
-            <a:r>
-              <a:rPr lang="en-US" dirty="0" smtClean="0">
-                <a:solidFill>
-                  <a:schemeClr val="bg1"/>
-                </a:solidFill>
-              </a:rPr>
-              <a:t>       obj.v1 = </a:t>
-            </a:r>
-            <a:r>
-              <a:rPr lang="en-US" dirty="0" err="1" smtClean="0">
-                <a:solidFill>
-                  <a:schemeClr val="bg1"/>
-                </a:solidFill>
-              </a:rPr>
-              <a:t>elementos</a:t>
-            </a:r>
-            <a:r>
-              <a:rPr lang="en-US" dirty="0" smtClean="0">
-                <a:solidFill>
-                  <a:schemeClr val="bg1"/>
-                </a:solidFill>
-              </a:rPr>
-              <a:t>[0];</a:t>
-            </a:r>
-          </a:p>
-          <a:p>
-            <a:r>
-              <a:rPr lang="en-US" dirty="0" smtClean="0">
-                <a:solidFill>
-                  <a:schemeClr val="bg1"/>
-                </a:solidFill>
-              </a:rPr>
-              <a:t> </a:t>
-            </a:r>
-            <a:r>
-              <a:rPr lang="en-US" dirty="0" smtClean="0">
-                <a:solidFill>
-                  <a:schemeClr val="bg1"/>
-                </a:solidFill>
-              </a:rPr>
-              <a:t>       obj.v2 = </a:t>
-            </a:r>
-            <a:r>
-              <a:rPr lang="en-US" dirty="0" err="1" smtClean="0">
-                <a:solidFill>
-                  <a:schemeClr val="bg1"/>
-                </a:solidFill>
-              </a:rPr>
-              <a:t>elementos</a:t>
-            </a:r>
-            <a:r>
-              <a:rPr lang="en-US" dirty="0" smtClean="0">
-                <a:solidFill>
-                  <a:schemeClr val="bg1"/>
-                </a:solidFill>
-              </a:rPr>
               <a:t>[1];</a:t>
             </a:r>
           </a:p>
@@ -27830,7 +27370,6 @@
               <a:rPr lang="es-ES_tradnl" dirty="0" smtClean="0"/>
               <a:t>}”;</a:t>
             </a:r>
-            <a:endParaRPr lang="es-ES_tradnl" dirty="0" smtClean="0"/>
           </a:p>
         </p:txBody>
       </p:sp>
@@ -28482,11 +28021,7 @@
           <a:p>
             <a:r>
               <a:rPr lang="es-ES_tradnl" dirty="0" smtClean="0"/>
-              <a:t> </a:t>
-            </a:r>
-            <a:r>
-              <a:rPr lang="es-ES_tradnl" dirty="0" smtClean="0"/>
-              <a:t>   </a:t>
+              <a:t>    </a:t>
             </a:r>
             <a:r>
               <a:rPr lang="en-US" dirty="0" smtClean="0"/>
@@ -28520,11 +28055,7 @@
           <a:p>
             <a:r>
               <a:rPr lang="en-US" dirty="0" smtClean="0"/>
-              <a:t> </a:t>
-            </a:r>
-            <a:r>
-              <a:rPr lang="en-US" dirty="0" smtClean="0"/>
-              <a:t>   {</a:t>
+              <a:t>    {</a:t>
             </a:r>
           </a:p>
           <a:p>
@@ -28534,7 +28065,15 @@
                   <a:srgbClr val="FF0000"/>
                 </a:solidFill>
               </a:rPr>
-              <a:t> </a:t>
+              <a:t>        String </a:t>
+            </a:r>
+            <a:r>
+              <a:rPr lang="en-US" dirty="0" err="1" smtClean="0">
+                <a:solidFill>
+                  <a:srgbClr val="FF0000"/>
+                </a:solidFill>
+              </a:rPr>
+              <a:t>texto</a:t>
             </a:r>
             <a:r>
               <a:rPr lang="en-US" dirty="0" smtClean="0">
@@ -28542,7 +28081,151 @@
                   <a:srgbClr val="FF0000"/>
                 </a:solidFill>
               </a:rPr>
-              <a:t>       String </a:t>
+              <a:t> = “”;</a:t>
+            </a:r>
+          </a:p>
+          <a:p>
+            <a:r>
+              <a:rPr lang="en-US" dirty="0" smtClean="0">
+                <a:solidFill>
+                  <a:schemeClr val="bg1"/>
+                </a:solidFill>
+              </a:rPr>
+              <a:t>        </a:t>
+            </a:r>
+            <a:r>
+              <a:rPr lang="en-US" dirty="0" err="1" smtClean="0">
+                <a:solidFill>
+                  <a:schemeClr val="bg1"/>
+                </a:solidFill>
+              </a:rPr>
+              <a:t>texto</a:t>
+            </a:r>
+            <a:r>
+              <a:rPr lang="en-US" dirty="0" smtClean="0">
+                <a:solidFill>
+                  <a:schemeClr val="bg1"/>
+                </a:solidFill>
+              </a:rPr>
+              <a:t> += obj.v1 + “,”;</a:t>
+            </a:r>
+          </a:p>
+          <a:p>
+            <a:r>
+              <a:rPr lang="en-US" dirty="0" smtClean="0">
+                <a:solidFill>
+                  <a:schemeClr val="bg1"/>
+                </a:solidFill>
+              </a:rPr>
+              <a:t>        </a:t>
+            </a:r>
+            <a:r>
+              <a:rPr lang="en-US" dirty="0" err="1" smtClean="0">
+                <a:solidFill>
+                  <a:schemeClr val="bg1"/>
+                </a:solidFill>
+              </a:rPr>
+              <a:t>texto</a:t>
+            </a:r>
+            <a:r>
+              <a:rPr lang="en-US" dirty="0" smtClean="0">
+                <a:solidFill>
+                  <a:schemeClr val="bg1"/>
+                </a:solidFill>
+              </a:rPr>
+              <a:t> += obj.v2 + “,”;</a:t>
+            </a:r>
+          </a:p>
+          <a:p>
+            <a:r>
+              <a:rPr lang="en-US" dirty="0" smtClean="0">
+                <a:solidFill>
+                  <a:schemeClr val="bg1"/>
+                </a:solidFill>
+              </a:rPr>
+              <a:t>        return </a:t>
+            </a:r>
+            <a:r>
+              <a:rPr lang="en-US" dirty="0" err="1" smtClean="0">
+                <a:solidFill>
+                  <a:schemeClr val="bg1"/>
+                </a:solidFill>
+              </a:rPr>
+              <a:t>texto</a:t>
+            </a:r>
+            <a:r>
+              <a:rPr lang="en-US" dirty="0" smtClean="0">
+                <a:solidFill>
+                  <a:schemeClr val="bg1"/>
+                </a:solidFill>
+              </a:rPr>
+              <a:t>;</a:t>
+            </a:r>
+          </a:p>
+          <a:p>
+            <a:r>
+              <a:rPr lang="en-US" dirty="0" smtClean="0"/>
+              <a:t>    }</a:t>
+            </a:r>
+          </a:p>
+          <a:p>
+            <a:r>
+              <a:rPr lang="en-US" dirty="0" smtClean="0"/>
+              <a:t>    public void </a:t>
+            </a:r>
+            <a:r>
+              <a:rPr lang="en-US" dirty="0" err="1" smtClean="0"/>
+              <a:t>decodificar</a:t>
+            </a:r>
+            <a:r>
+              <a:rPr lang="en-US" dirty="0" smtClean="0"/>
+              <a:t>(</a:t>
+            </a:r>
+          </a:p>
+          <a:p>
+            <a:r>
+              <a:rPr lang="en-US" dirty="0" smtClean="0"/>
+              <a:t>	string </a:t>
+            </a:r>
+            <a:r>
+              <a:rPr lang="en-US" dirty="0" err="1" smtClean="0"/>
+              <a:t>str</a:t>
+            </a:r>
+            <a:r>
+              <a:rPr lang="en-US" dirty="0" smtClean="0"/>
+              <a:t>, 	ref </a:t>
+            </a:r>
+            <a:r>
+              <a:rPr lang="en-US" dirty="0" err="1" smtClean="0"/>
+              <a:t>ClaseBasica</a:t>
+            </a:r>
+            <a:r>
+              <a:rPr lang="en-US" dirty="0" smtClean="0"/>
+              <a:t> </a:t>
+            </a:r>
+            <a:r>
+              <a:rPr lang="en-US" dirty="0" err="1" smtClean="0"/>
+              <a:t>obj</a:t>
+            </a:r>
+            <a:r>
+              <a:rPr lang="en-US" dirty="0" smtClean="0"/>
+              <a:t>)</a:t>
+            </a:r>
+          </a:p>
+          <a:p>
+            <a:r>
+              <a:rPr lang="en-US" dirty="0" smtClean="0"/>
+              <a:t>    {</a:t>
+            </a:r>
+          </a:p>
+          <a:p>
+            <a:r>
+              <a:rPr lang="en-US" dirty="0" smtClean="0">
+                <a:solidFill>
+                  <a:srgbClr val="FF0000"/>
+                </a:solidFill>
+              </a:rPr>
+              <a:t>        String[] </a:t>
             </a:r>
             <a:r>
               <a:rPr lang="en-US" dirty="0" err="1" smtClean="0">
@@ -28550,7 +28233,7 @@
                   <a:srgbClr val="FF0000"/>
                 </a:solidFill>
               </a:rPr>
-              <a:t>texto</a:t>
+              <a:t>elementos</a:t>
             </a:r>
             <a:r>
               <a:rPr lang="en-US" dirty="0" smtClean="0">
@@ -28558,7 +28241,23 @@
                   <a:srgbClr val="FF0000"/>
                 </a:solidFill>
               </a:rPr>
-              <a:t> = “”;</a:t>
+              <a:t> = </a:t>
+            </a:r>
+            <a:r>
+              <a:rPr lang="en-US" dirty="0" err="1" smtClean="0">
+                <a:solidFill>
+                  <a:srgbClr val="FF0000"/>
+                </a:solidFill>
+              </a:rPr>
+              <a:t>str.Split</a:t>
+            </a:r>
+            <a:r>
+              <a:rPr lang="en-US" dirty="0" smtClean="0">
+                <a:solidFill>
+                  <a:srgbClr val="FF0000"/>
+                </a:solidFill>
+              </a:rPr>
+              <a:t>(',');</a:t>
             </a:r>
           </a:p>
           <a:p>
@@ -28568,7 +28267,7 @@
                   <a:schemeClr val="bg1"/>
                 </a:solidFill>
               </a:rPr>
-              <a:t>        </a:t>
+              <a:t>        obj.v1 = </a:t>
             </a:r>
             <a:r>
               <a:rPr lang="en-US" dirty="0" err="1" smtClean="0">
@@ -28576,7 +28275,7 @@
                   <a:schemeClr val="bg1"/>
                 </a:solidFill>
               </a:rPr>
-              <a:t>texto</a:t>
+              <a:t>elementos</a:t>
             </a:r>
             <a:r>
               <a:rPr lang="en-US" dirty="0" smtClean="0">
@@ -28584,7 +28283,7 @@
                   <a:schemeClr val="bg1"/>
                 </a:solidFill>
               </a:rPr>
-              <a:t> += obj.v1 + “,”;</a:t>
+              <a:t>[0];</a:t>
             </a:r>
           </a:p>
           <a:p>
@@ -28594,7 +28293,7 @@
                   <a:schemeClr val="bg1"/>
                 </a:solidFill>
               </a:rPr>
-              <a:t>        </a:t>
+              <a:t>        obj.v2 = </a:t>
             </a:r>
             <a:r>
               <a:rPr lang="en-US" dirty="0" err="1" smtClean="0">
@@ -28602,7 +28301,7 @@
                   <a:schemeClr val="bg1"/>
                 </a:solidFill>
               </a:rPr>
-              <a:t>texto</a:t>
+              <a:t>elementos</a:t>
             </a:r>
             <a:r>
               <a:rPr lang="en-US" dirty="0" smtClean="0">
@@ -28610,73 +28309,7 @@
                   <a:schemeClr val="bg1"/>
                 </a:solidFill>
               </a:rPr>
-              <a:t> </a:t>
-            </a:r>
-            <a:r>
-              <a:rPr lang="en-US" dirty="0" smtClean="0">
-                <a:solidFill>
-                  <a:schemeClr val="bg1"/>
-                </a:solidFill>
-              </a:rPr>
-              <a:t>+= </a:t>
-            </a:r>
-            <a:r>
-              <a:rPr lang="en-US" dirty="0" smtClean="0">
-                <a:solidFill>
-                  <a:schemeClr val="bg1"/>
-                </a:solidFill>
-              </a:rPr>
-              <a:t>obj.v2 </a:t>
-            </a:r>
-            <a:r>
-              <a:rPr lang="en-US" dirty="0" smtClean="0">
-                <a:solidFill>
-                  <a:schemeClr val="bg1"/>
-                </a:solidFill>
-              </a:rPr>
-              <a:t>+ </a:t>
-            </a:r>
-            <a:r>
-              <a:rPr lang="en-US" dirty="0" smtClean="0">
-                <a:solidFill>
-                  <a:schemeClr val="bg1"/>
-                </a:solidFill>
-              </a:rPr>
-              <a:t>“,”;</a:t>
-            </a:r>
-          </a:p>
-          <a:p>
-            <a:r>
-              <a:rPr lang="en-US" dirty="0" smtClean="0">
-                <a:solidFill>
-                  <a:schemeClr val="bg1"/>
-                </a:solidFill>
-              </a:rPr>
-              <a:t> </a:t>
-            </a:r>
-            <a:r>
-              <a:rPr lang="en-US" dirty="0" smtClean="0">
-                <a:solidFill>
-                  <a:schemeClr val="bg1"/>
-                </a:solidFill>
-              </a:rPr>
-              <a:t>       return </a:t>
-            </a:r>
-            <a:r>
-              <a:rPr lang="en-US" dirty="0" err="1" smtClean="0">
-                <a:solidFill>
-                  <a:schemeClr val="bg1"/>
-                </a:solidFill>
-              </a:rPr>
-              <a:t>texto</a:t>
-            </a:r>
-            <a:r>
-              <a:rPr lang="en-US" dirty="0" smtClean="0">
-                <a:solidFill>
-                  <a:schemeClr val="bg1"/>
-                </a:solidFill>
-              </a:rPr>
-              <a:t>;</a:t>
+              <a:t>[1];</a:t>
             </a:r>
           </a:p>
           <a:p>
@@ -28684,204 +28317,6 @@
               <a:rPr lang="en-US" dirty="0" smtClean="0"/>
               <a:t>    }</a:t>
             </a:r>
-          </a:p>
-          <a:p>
-            <a:r>
-              <a:rPr lang="en-US" dirty="0" smtClean="0"/>
-              <a:t>    public void </a:t>
-            </a:r>
-            <a:r>
-              <a:rPr lang="en-US" dirty="0" err="1" smtClean="0"/>
-              <a:t>decodificar</a:t>
-            </a:r>
-            <a:r>
-              <a:rPr lang="en-US" dirty="0" smtClean="0"/>
-              <a:t>(</a:t>
-            </a:r>
-          </a:p>
-          <a:p>
-            <a:r>
-              <a:rPr lang="en-US" dirty="0" smtClean="0"/>
-              <a:t>	</a:t>
-            </a:r>
-            <a:r>
-              <a:rPr lang="en-US" dirty="0" smtClean="0"/>
-              <a:t>string </a:t>
-            </a:r>
-            <a:r>
-              <a:rPr lang="en-US" dirty="0" err="1" smtClean="0"/>
-              <a:t>str</a:t>
-            </a:r>
-            <a:r>
-              <a:rPr lang="en-US" dirty="0" smtClean="0"/>
-              <a:t>, </a:t>
-            </a:r>
-            <a:r>
-              <a:rPr lang="en-US" dirty="0" smtClean="0"/>
-              <a:t>	</a:t>
-            </a:r>
-            <a:r>
-              <a:rPr lang="en-US" dirty="0" smtClean="0"/>
-              <a:t>ref </a:t>
-            </a:r>
-            <a:r>
-              <a:rPr lang="en-US" dirty="0" err="1" smtClean="0"/>
-              <a:t>ClaseBasica</a:t>
-            </a:r>
-            <a:r>
-              <a:rPr lang="en-US" dirty="0" smtClean="0"/>
-              <a:t> </a:t>
-            </a:r>
-            <a:r>
-              <a:rPr lang="en-US" dirty="0" err="1" smtClean="0"/>
-              <a:t>obj</a:t>
-            </a:r>
-            <a:r>
-              <a:rPr lang="en-US" dirty="0" smtClean="0"/>
-              <a:t>)</a:t>
-            </a:r>
-          </a:p>
-          <a:p>
-            <a:r>
-              <a:rPr lang="en-US" dirty="0" smtClean="0"/>
-              <a:t> </a:t>
-            </a:r>
-            <a:r>
-              <a:rPr lang="en-US" dirty="0" smtClean="0"/>
-              <a:t>   {</a:t>
-            </a:r>
-          </a:p>
-          <a:p>
-            <a:r>
-              <a:rPr lang="en-US" dirty="0" smtClean="0">
-                <a:solidFill>
-                  <a:srgbClr val="FF0000"/>
-                </a:solidFill>
-              </a:rPr>
-              <a:t> </a:t>
-            </a:r>
-            <a:r>
-              <a:rPr lang="en-US" dirty="0" smtClean="0">
-                <a:solidFill>
-                  <a:srgbClr val="FF0000"/>
-                </a:solidFill>
-              </a:rPr>
-              <a:t>       String[] </a:t>
-            </a:r>
-            <a:r>
-              <a:rPr lang="en-US" dirty="0" err="1" smtClean="0">
-                <a:solidFill>
-                  <a:srgbClr val="FF0000"/>
-                </a:solidFill>
-              </a:rPr>
-              <a:t>elementos</a:t>
-            </a:r>
-            <a:r>
-              <a:rPr lang="en-US" dirty="0" smtClean="0">
-                <a:solidFill>
-                  <a:srgbClr val="FF0000"/>
-                </a:solidFill>
-              </a:rPr>
-              <a:t> </a:t>
-            </a:r>
-            <a:r>
-              <a:rPr lang="en-US" dirty="0" smtClean="0">
-                <a:solidFill>
-                  <a:srgbClr val="FF0000"/>
-                </a:solidFill>
-              </a:rPr>
-              <a:t>= </a:t>
-            </a:r>
-            <a:r>
-              <a:rPr lang="en-US" dirty="0" err="1" smtClean="0">
-                <a:solidFill>
-                  <a:srgbClr val="FF0000"/>
-                </a:solidFill>
-              </a:rPr>
-              <a:t>str.Split</a:t>
-            </a:r>
-            <a:r>
-              <a:rPr lang="en-US" dirty="0" smtClean="0">
-                <a:solidFill>
-                  <a:srgbClr val="FF0000"/>
-                </a:solidFill>
-              </a:rPr>
-              <a:t>(',');</a:t>
-            </a:r>
-          </a:p>
-          <a:p>
-            <a:r>
-              <a:rPr lang="en-US" dirty="0" smtClean="0">
-                <a:solidFill>
-                  <a:schemeClr val="bg1"/>
-                </a:solidFill>
-              </a:rPr>
-              <a:t> </a:t>
-            </a:r>
-            <a:r>
-              <a:rPr lang="en-US" dirty="0" smtClean="0">
-                <a:solidFill>
-                  <a:schemeClr val="bg1"/>
-                </a:solidFill>
-              </a:rPr>
-              <a:t>       obj.v1 = </a:t>
-            </a:r>
-            <a:r>
-              <a:rPr lang="en-US" dirty="0" err="1" smtClean="0">
-                <a:solidFill>
-                  <a:schemeClr val="bg1"/>
-                </a:solidFill>
-              </a:rPr>
-              <a:t>elementos</a:t>
-            </a:r>
-            <a:r>
-              <a:rPr lang="en-US" dirty="0" smtClean="0">
-                <a:solidFill>
-                  <a:schemeClr val="bg1"/>
-                </a:solidFill>
-              </a:rPr>
-              <a:t>[0];</a:t>
-            </a:r>
-          </a:p>
-          <a:p>
-            <a:r>
-              <a:rPr lang="en-US" dirty="0" smtClean="0">
-                <a:solidFill>
-                  <a:schemeClr val="bg1"/>
-                </a:solidFill>
-              </a:rPr>
-              <a:t> </a:t>
-            </a:r>
-            <a:r>
-              <a:rPr lang="en-US" dirty="0" smtClean="0">
-                <a:solidFill>
-                  <a:schemeClr val="bg1"/>
-                </a:solidFill>
-              </a:rPr>
-              <a:t>       obj.v2 = </a:t>
-            </a:r>
-            <a:r>
-              <a:rPr lang="en-US" dirty="0" err="1" smtClean="0">
-                <a:solidFill>
-                  <a:schemeClr val="bg1"/>
-                </a:solidFill>
-              </a:rPr>
-              <a:t>elementos</a:t>
-            </a:r>
-            <a:r>
-              <a:rPr lang="en-US" dirty="0" smtClean="0">
-                <a:solidFill>
-                  <a:schemeClr val="bg1"/>
-                </a:solidFill>
-              </a:rPr>
-              <a:t>[1];</a:t>
-            </a:r>
-          </a:p>
-          <a:p>
-            <a:r>
-              <a:rPr lang="en-US" dirty="0" smtClean="0"/>
-              <a:t>    }</a:t>
-            </a:r>
             <a:endParaRPr lang="es-ES_tradnl" dirty="0" smtClean="0"/>
           </a:p>
           <a:p>
@@ -28889,7 +28324,6 @@
               <a:rPr lang="es-ES_tradnl" dirty="0" smtClean="0"/>
               <a:t>}”;</a:t>
             </a:r>
-            <a:endParaRPr lang="es-ES_tradnl" dirty="0" smtClean="0"/>
           </a:p>
         </p:txBody>
       </p:sp>
@@ -29549,11 +28983,7 @@
           <a:p>
             <a:r>
               <a:rPr lang="es-ES_tradnl" dirty="0" smtClean="0"/>
-              <a:t> </a:t>
-            </a:r>
-            <a:r>
-              <a:rPr lang="es-ES_tradnl" dirty="0" smtClean="0"/>
-              <a:t>   </a:t>
+              <a:t>    </a:t>
             </a:r>
             <a:r>
               <a:rPr lang="en-US" dirty="0" smtClean="0"/>
@@ -29587,21 +29017,13 @@
           <a:p>
             <a:r>
               <a:rPr lang="en-US" dirty="0" smtClean="0"/>
-              <a:t> </a:t>
-            </a:r>
+              <a:t>    {</a:t>
+            </a:r>
+          </a:p>
+          <a:p>
             <a:r>
               <a:rPr lang="en-US" dirty="0" smtClean="0"/>
-              <a:t>   {</a:t>
-            </a:r>
-          </a:p>
-          <a:p>
-            <a:r>
-              <a:rPr lang="en-US" dirty="0" smtClean="0"/>
-              <a:t> </a:t>
-            </a:r>
-            <a:r>
-              <a:rPr lang="en-US" dirty="0" smtClean="0"/>
-              <a:t>       String </a:t>
+              <a:t>        String </a:t>
             </a:r>
             <a:r>
               <a:rPr lang="en-US" dirty="0" err="1" smtClean="0"/>
@@ -29661,15 +29083,25 @@
                   <a:schemeClr val="bg1"/>
                 </a:solidFill>
               </a:rPr>
-              <a:t> </a:t>
-            </a:r>
+              <a:t> += obj.v2 + “,”;</a:t>
+            </a:r>
+          </a:p>
+          <a:p>
             <a:r>
               <a:rPr lang="en-US" dirty="0" smtClean="0">
                 <a:solidFill>
                   <a:schemeClr val="bg1"/>
                 </a:solidFill>
               </a:rPr>
-              <a:t>+= </a:t>
+              <a:t>        return </a:t>
+            </a:r>
+            <a:r>
+              <a:rPr lang="en-US" dirty="0" err="1" smtClean="0">
+                <a:solidFill>
+                  <a:schemeClr val="bg1"/>
+                </a:solidFill>
+              </a:rPr>
+              <a:t>texto</a:t>
             </a:r>
             <a:r>
               <a:rPr lang="en-US" dirty="0" smtClean="0">
@@ -29677,15 +29109,133 @@
                   <a:schemeClr val="bg1"/>
                 </a:solidFill>
               </a:rPr>
-              <a:t>obj.v2 </a:t>
-            </a:r>
+              <a:t>;</a:t>
+            </a:r>
+          </a:p>
+          <a:p>
+            <a:r>
+              <a:rPr lang="en-US" dirty="0" smtClean="0"/>
+              <a:t>    }</a:t>
+            </a:r>
+          </a:p>
+          <a:p>
+            <a:r>
+              <a:rPr lang="en-US" dirty="0" smtClean="0"/>
+              <a:t>    public void </a:t>
+            </a:r>
+            <a:r>
+              <a:rPr lang="en-US" dirty="0" err="1" smtClean="0"/>
+              <a:t>decodificar</a:t>
+            </a:r>
+            <a:r>
+              <a:rPr lang="en-US" dirty="0" smtClean="0"/>
+              <a:t>(</a:t>
+            </a:r>
+          </a:p>
+          <a:p>
+            <a:r>
+              <a:rPr lang="en-US" dirty="0" smtClean="0"/>
+              <a:t>	string </a:t>
+            </a:r>
+            <a:r>
+              <a:rPr lang="en-US" dirty="0" err="1" smtClean="0"/>
+              <a:t>str</a:t>
+            </a:r>
+            <a:r>
+              <a:rPr lang="en-US" dirty="0" smtClean="0"/>
+              <a:t>, 	ref </a:t>
+            </a:r>
+            <a:r>
+              <a:rPr lang="en-US" dirty="0" err="1" smtClean="0"/>
+              <a:t>ClaseBasica</a:t>
+            </a:r>
+            <a:r>
+              <a:rPr lang="en-US" dirty="0" smtClean="0"/>
+              <a:t> </a:t>
+            </a:r>
+            <a:r>
+              <a:rPr lang="en-US" dirty="0" err="1" smtClean="0"/>
+              <a:t>obj</a:t>
+            </a:r>
+            <a:r>
+              <a:rPr lang="en-US" dirty="0" smtClean="0"/>
+              <a:t>)</a:t>
+            </a:r>
+          </a:p>
+          <a:p>
+            <a:r>
+              <a:rPr lang="en-US" dirty="0" smtClean="0"/>
+              <a:t>    {</a:t>
+            </a:r>
+          </a:p>
+          <a:p>
+            <a:r>
+              <a:rPr lang="en-US" dirty="0" smtClean="0"/>
+              <a:t>        String[] </a:t>
+            </a:r>
+            <a:r>
+              <a:rPr lang="en-US" dirty="0" err="1" smtClean="0"/>
+              <a:t>elementos</a:t>
+            </a:r>
+            <a:r>
+              <a:rPr lang="en-US" dirty="0" smtClean="0"/>
+              <a:t> = </a:t>
+            </a:r>
+            <a:r>
+              <a:rPr lang="en-US" dirty="0" err="1" smtClean="0"/>
+              <a:t>str.Split</a:t>
+            </a:r>
+            <a:r>
+              <a:rPr lang="en-US" dirty="0" smtClean="0"/>
+              <a:t>(',');</a:t>
+            </a:r>
+          </a:p>
+          <a:p>
+            <a:r>
+              <a:rPr lang="en-US" dirty="0" smtClean="0"/>
+              <a:t>        </a:t>
+            </a:r>
+            <a:r>
+              <a:rPr lang="en-US" dirty="0" smtClean="0">
+                <a:solidFill>
+                  <a:srgbClr val="FF0000"/>
+                </a:solidFill>
+              </a:rPr>
+              <a:t>obj.v1 = </a:t>
+            </a:r>
+            <a:r>
+              <a:rPr lang="en-US" dirty="0" err="1" smtClean="0">
+                <a:solidFill>
+                  <a:srgbClr val="FF0000"/>
+                </a:solidFill>
+              </a:rPr>
+              <a:t>elementos</a:t>
+            </a:r>
+            <a:r>
+              <a:rPr lang="en-US" dirty="0" smtClean="0">
+                <a:solidFill>
+                  <a:srgbClr val="FF0000"/>
+                </a:solidFill>
+              </a:rPr>
+              <a:t>[0];</a:t>
+            </a:r>
+          </a:p>
+          <a:p>
             <a:r>
               <a:rPr lang="en-US" dirty="0" smtClean="0">
                 <a:solidFill>
                   <a:schemeClr val="bg1"/>
                 </a:solidFill>
               </a:rPr>
-              <a:t>+ </a:t>
+              <a:t>        obj.v2 = </a:t>
+            </a:r>
+            <a:r>
+              <a:rPr lang="en-US" dirty="0" err="1" smtClean="0">
+                <a:solidFill>
+                  <a:schemeClr val="bg1"/>
+                </a:solidFill>
+              </a:rPr>
+              <a:t>elementos</a:t>
             </a:r>
             <a:r>
               <a:rPr lang="en-US" dirty="0" smtClean="0">
@@ -29693,41 +29243,7 @@
                   <a:schemeClr val="bg1"/>
                 </a:solidFill>
               </a:rPr>
-              <a:t>“,”;</a:t>
-            </a:r>
-          </a:p>
-          <a:p>
-            <a:r>
-              <a:rPr lang="en-US" dirty="0" smtClean="0">
-                <a:solidFill>
-                  <a:schemeClr val="bg1"/>
-                </a:solidFill>
-              </a:rPr>
-              <a:t> </a:t>
-            </a:r>
-            <a:r>
-              <a:rPr lang="en-US" dirty="0" smtClean="0">
-                <a:solidFill>
-                  <a:schemeClr val="bg1"/>
-                </a:solidFill>
-              </a:rPr>
-              <a:t>       return </a:t>
-            </a:r>
-            <a:r>
-              <a:rPr lang="en-US" dirty="0" err="1" smtClean="0">
-                <a:solidFill>
-                  <a:schemeClr val="bg1"/>
-                </a:solidFill>
-              </a:rPr>
-              <a:t>texto</a:t>
-            </a:r>
-            <a:r>
-              <a:rPr lang="en-US" dirty="0" smtClean="0">
-                <a:solidFill>
-                  <a:schemeClr val="bg1"/>
-                </a:solidFill>
-              </a:rPr>
-              <a:t>;</a:t>
+              <a:t>[1];</a:t>
             </a:r>
           </a:p>
           <a:p>
@@ -29735,176 +29251,6 @@
               <a:rPr lang="en-US" dirty="0" smtClean="0"/>
               <a:t>    }</a:t>
             </a:r>
-          </a:p>
-          <a:p>
-            <a:r>
-              <a:rPr lang="en-US" dirty="0" smtClean="0"/>
-              <a:t>    public void </a:t>
-            </a:r>
-            <a:r>
-              <a:rPr lang="en-US" dirty="0" err="1" smtClean="0"/>
-              <a:t>decodificar</a:t>
-            </a:r>
-            <a:r>
-              <a:rPr lang="en-US" dirty="0" smtClean="0"/>
-              <a:t>(</a:t>
-            </a:r>
-          </a:p>
-          <a:p>
-            <a:r>
-              <a:rPr lang="en-US" dirty="0" smtClean="0"/>
-              <a:t>	</a:t>
-            </a:r>
-            <a:r>
-              <a:rPr lang="en-US" dirty="0" smtClean="0"/>
-              <a:t>string </a:t>
-            </a:r>
-            <a:r>
-              <a:rPr lang="en-US" dirty="0" err="1" smtClean="0"/>
-              <a:t>str</a:t>
-            </a:r>
-            <a:r>
-              <a:rPr lang="en-US" dirty="0" smtClean="0"/>
-              <a:t>, </a:t>
-            </a:r>
-            <a:r>
-              <a:rPr lang="en-US" dirty="0" smtClean="0"/>
-              <a:t>	</a:t>
-            </a:r>
-            <a:r>
-              <a:rPr lang="en-US" dirty="0" smtClean="0"/>
-              <a:t>ref </a:t>
-            </a:r>
-            <a:r>
-              <a:rPr lang="en-US" dirty="0" err="1" smtClean="0"/>
-              <a:t>ClaseBasica</a:t>
-            </a:r>
-            <a:r>
-              <a:rPr lang="en-US" dirty="0" smtClean="0"/>
-              <a:t> </a:t>
-            </a:r>
-            <a:r>
-              <a:rPr lang="en-US" dirty="0" err="1" smtClean="0"/>
-              <a:t>obj</a:t>
-            </a:r>
-            <a:r>
-              <a:rPr lang="en-US" dirty="0" smtClean="0"/>
-              <a:t>)</a:t>
-            </a:r>
-          </a:p>
-          <a:p>
-            <a:r>
-              <a:rPr lang="en-US" dirty="0" smtClean="0"/>
-              <a:t> </a:t>
-            </a:r>
-            <a:r>
-              <a:rPr lang="en-US" dirty="0" smtClean="0"/>
-              <a:t>   {</a:t>
-            </a:r>
-          </a:p>
-          <a:p>
-            <a:r>
-              <a:rPr lang="en-US" dirty="0" smtClean="0"/>
-              <a:t> </a:t>
-            </a:r>
-            <a:r>
-              <a:rPr lang="en-US" dirty="0" smtClean="0"/>
-              <a:t>       String[] </a:t>
-            </a:r>
-            <a:r>
-              <a:rPr lang="en-US" dirty="0" err="1" smtClean="0"/>
-              <a:t>elementos</a:t>
-            </a:r>
-            <a:r>
-              <a:rPr lang="en-US" dirty="0" smtClean="0"/>
-              <a:t> </a:t>
-            </a:r>
-            <a:r>
-              <a:rPr lang="en-US" dirty="0" smtClean="0"/>
-              <a:t>= </a:t>
-            </a:r>
-            <a:r>
-              <a:rPr lang="en-US" dirty="0" err="1" smtClean="0"/>
-              <a:t>str.Split</a:t>
-            </a:r>
-            <a:r>
-              <a:rPr lang="en-US" dirty="0" smtClean="0"/>
-              <a:t>(',');</a:t>
-            </a:r>
-          </a:p>
-          <a:p>
-            <a:r>
-              <a:rPr lang="en-US" dirty="0" smtClean="0"/>
-              <a:t> </a:t>
-            </a:r>
-            <a:r>
-              <a:rPr lang="en-US" dirty="0" smtClean="0"/>
-              <a:t>       </a:t>
-            </a:r>
-            <a:r>
-              <a:rPr lang="en-US" dirty="0" smtClean="0">
-                <a:solidFill>
-                  <a:srgbClr val="FF0000"/>
-                </a:solidFill>
-              </a:rPr>
-              <a:t>obj.v1 = </a:t>
-            </a:r>
-            <a:r>
-              <a:rPr lang="en-US" dirty="0" err="1" smtClean="0">
-                <a:solidFill>
-                  <a:srgbClr val="FF0000"/>
-                </a:solidFill>
-              </a:rPr>
-              <a:t>elementos</a:t>
-            </a:r>
-            <a:r>
-              <a:rPr lang="en-US" dirty="0" smtClean="0">
-                <a:solidFill>
-                  <a:srgbClr val="FF0000"/>
-                </a:solidFill>
-              </a:rPr>
-              <a:t>[0];</a:t>
-            </a:r>
-          </a:p>
-          <a:p>
-            <a:r>
-              <a:rPr lang="en-US" dirty="0" smtClean="0">
-                <a:solidFill>
-                  <a:schemeClr val="bg1"/>
-                </a:solidFill>
-              </a:rPr>
-              <a:t> </a:t>
-            </a:r>
-            <a:r>
-              <a:rPr lang="en-US" dirty="0" smtClean="0">
-                <a:solidFill>
-                  <a:schemeClr val="bg1"/>
-                </a:solidFill>
-              </a:rPr>
-              <a:t>       obj.v2 = </a:t>
-            </a:r>
-            <a:r>
-              <a:rPr lang="en-US" dirty="0" err="1" smtClean="0">
-                <a:solidFill>
-                  <a:schemeClr val="bg1"/>
-                </a:solidFill>
-              </a:rPr>
-              <a:t>elementos</a:t>
-            </a:r>
-            <a:r>
-              <a:rPr lang="en-US" dirty="0" smtClean="0">
-                <a:solidFill>
-                  <a:schemeClr val="bg1"/>
-                </a:solidFill>
-              </a:rPr>
-              <a:t>[1];</a:t>
-            </a:r>
-          </a:p>
-          <a:p>
-            <a:r>
-              <a:rPr lang="en-US" dirty="0" smtClean="0"/>
-              <a:t>    }</a:t>
-            </a:r>
             <a:endParaRPr lang="es-ES_tradnl" dirty="0" smtClean="0"/>
           </a:p>
           <a:p>
@@ -29912,7 +29258,6 @@
               <a:rPr lang="es-ES_tradnl" dirty="0" smtClean="0"/>
               <a:t>}”;</a:t>
             </a:r>
-            <a:endParaRPr lang="es-ES_tradnl" dirty="0" smtClean="0"/>
           </a:p>
         </p:txBody>
       </p:sp>
@@ -30580,11 +29925,7 @@
           <a:p>
             <a:r>
               <a:rPr lang="es-ES_tradnl" dirty="0" smtClean="0"/>
-              <a:t> </a:t>
-            </a:r>
-            <a:r>
-              <a:rPr lang="es-ES_tradnl" dirty="0" smtClean="0"/>
-              <a:t>   </a:t>
+              <a:t>    </a:t>
             </a:r>
             <a:r>
               <a:rPr lang="en-US" dirty="0" smtClean="0"/>
@@ -30618,21 +29959,13 @@
           <a:p>
             <a:r>
               <a:rPr lang="en-US" dirty="0" smtClean="0"/>
-              <a:t> </a:t>
-            </a:r>
+              <a:t>    {</a:t>
+            </a:r>
+          </a:p>
+          <a:p>
             <a:r>
               <a:rPr lang="en-US" dirty="0" smtClean="0"/>
-              <a:t>   {</a:t>
-            </a:r>
-          </a:p>
-          <a:p>
-            <a:r>
-              <a:rPr lang="en-US" dirty="0" smtClean="0"/>
-              <a:t> </a:t>
-            </a:r>
-            <a:r>
-              <a:rPr lang="en-US" dirty="0" smtClean="0"/>
-              <a:t>       String </a:t>
+              <a:t>        String </a:t>
             </a:r>
             <a:r>
               <a:rPr lang="en-US" dirty="0" err="1" smtClean="0"/>
@@ -30680,15 +30013,143 @@
                   <a:srgbClr val="FF0000"/>
                 </a:solidFill>
               </a:rPr>
+              <a:t> += obj.v2 + “,”;</a:t>
+            </a:r>
+          </a:p>
+          <a:p>
+            <a:r>
+              <a:rPr lang="en-US" dirty="0" smtClean="0">
+                <a:solidFill>
+                  <a:schemeClr val="bg1"/>
+                </a:solidFill>
+              </a:rPr>
+              <a:t>        return </a:t>
+            </a:r>
+            <a:r>
+              <a:rPr lang="en-US" dirty="0" err="1" smtClean="0">
+                <a:solidFill>
+                  <a:schemeClr val="bg1"/>
+                </a:solidFill>
+              </a:rPr>
+              <a:t>texto</a:t>
+            </a:r>
+            <a:r>
+              <a:rPr lang="en-US" dirty="0" smtClean="0">
+                <a:solidFill>
+                  <a:schemeClr val="bg1"/>
+                </a:solidFill>
+              </a:rPr>
+              <a:t>;</a:t>
+            </a:r>
+          </a:p>
+          <a:p>
+            <a:r>
+              <a:rPr lang="en-US" dirty="0" smtClean="0"/>
+              <a:t>    }</a:t>
+            </a:r>
+          </a:p>
+          <a:p>
+            <a:r>
+              <a:rPr lang="en-US" dirty="0" smtClean="0"/>
+              <a:t>    public void </a:t>
+            </a:r>
+            <a:r>
+              <a:rPr lang="en-US" dirty="0" err="1" smtClean="0"/>
+              <a:t>decodificar</a:t>
+            </a:r>
+            <a:r>
+              <a:rPr lang="en-US" dirty="0" smtClean="0"/>
+              <a:t>(</a:t>
+            </a:r>
+          </a:p>
+          <a:p>
+            <a:r>
+              <a:rPr lang="en-US" dirty="0" smtClean="0"/>
+              <a:t>	string </a:t>
+            </a:r>
+            <a:r>
+              <a:rPr lang="en-US" dirty="0" err="1" smtClean="0"/>
+              <a:t>str</a:t>
+            </a:r>
+            <a:r>
+              <a:rPr lang="en-US" dirty="0" smtClean="0"/>
+              <a:t>, 	ref </a:t>
+            </a:r>
+            <a:r>
+              <a:rPr lang="en-US" dirty="0" err="1" smtClean="0"/>
+              <a:t>ClaseBasica</a:t>
+            </a:r>
+            <a:r>
+              <a:rPr lang="en-US" dirty="0" smtClean="0"/>
               <a:t> </a:t>
             </a:r>
+            <a:r>
+              <a:rPr lang="en-US" dirty="0" err="1" smtClean="0"/>
+              <a:t>obj</a:t>
+            </a:r>
+            <a:r>
+              <a:rPr lang="en-US" dirty="0" smtClean="0"/>
+              <a:t>)</a:t>
+            </a:r>
+          </a:p>
+          <a:p>
+            <a:r>
+              <a:rPr lang="en-US" dirty="0" smtClean="0"/>
+              <a:t>    {</a:t>
+            </a:r>
+          </a:p>
+          <a:p>
+            <a:r>
+              <a:rPr lang="en-US" dirty="0" smtClean="0"/>
+              <a:t>        String[] </a:t>
+            </a:r>
+            <a:r>
+              <a:rPr lang="en-US" dirty="0" err="1" smtClean="0"/>
+              <a:t>elementos</a:t>
+            </a:r>
+            <a:r>
+              <a:rPr lang="en-US" dirty="0" smtClean="0"/>
+              <a:t> = </a:t>
+            </a:r>
+            <a:r>
+              <a:rPr lang="en-US" dirty="0" err="1" smtClean="0"/>
+              <a:t>str.Split</a:t>
+            </a:r>
+            <a:r>
+              <a:rPr lang="en-US" dirty="0" smtClean="0"/>
+              <a:t>(',');</a:t>
+            </a:r>
+          </a:p>
+          <a:p>
+            <a:r>
+              <a:rPr lang="en-US" dirty="0" smtClean="0"/>
+              <a:t>        obj.v1 = </a:t>
+            </a:r>
+            <a:r>
+              <a:rPr lang="en-US" dirty="0" err="1" smtClean="0"/>
+              <a:t>elementos</a:t>
+            </a:r>
+            <a:r>
+              <a:rPr lang="en-US" dirty="0" smtClean="0"/>
+              <a:t>[0];</a:t>
+            </a:r>
+          </a:p>
+          <a:p>
             <a:r>
               <a:rPr lang="en-US" dirty="0" smtClean="0">
                 <a:solidFill>
                   <a:srgbClr val="FF0000"/>
                 </a:solidFill>
               </a:rPr>
-              <a:t>+= </a:t>
+              <a:t>        obj.v2 = </a:t>
+            </a:r>
+            <a:r>
+              <a:rPr lang="en-US" dirty="0" err="1" smtClean="0">
+                <a:solidFill>
+                  <a:srgbClr val="FF0000"/>
+                </a:solidFill>
+              </a:rPr>
+              <a:t>elementos</a:t>
             </a:r>
             <a:r>
               <a:rPr lang="en-US" dirty="0" smtClean="0">
@@ -30696,57 +30157,7 @@
                   <a:srgbClr val="FF0000"/>
                 </a:solidFill>
               </a:rPr>
-              <a:t>obj.v2 </a:t>
-            </a:r>
-            <a:r>
-              <a:rPr lang="en-US" dirty="0" smtClean="0">
-                <a:solidFill>
-                  <a:srgbClr val="FF0000"/>
-                </a:solidFill>
-              </a:rPr>
-              <a:t>+ </a:t>
-            </a:r>
-            <a:r>
-              <a:rPr lang="en-US" dirty="0" smtClean="0">
-                <a:solidFill>
-                  <a:srgbClr val="FF0000"/>
-                </a:solidFill>
-              </a:rPr>
-              <a:t>“,”;</a:t>
-            </a:r>
-          </a:p>
-          <a:p>
-            <a:r>
-              <a:rPr lang="en-US" dirty="0" smtClean="0">
-                <a:solidFill>
-                  <a:schemeClr val="bg1"/>
-                </a:solidFill>
-              </a:rPr>
-              <a:t> </a:t>
-            </a:r>
-            <a:r>
-              <a:rPr lang="en-US" dirty="0" smtClean="0">
-                <a:solidFill>
-                  <a:schemeClr val="bg1"/>
-                </a:solidFill>
-              </a:rPr>
-              <a:t>       return </a:t>
-            </a:r>
-            <a:r>
-              <a:rPr lang="en-US" dirty="0" err="1" smtClean="0">
-                <a:solidFill>
-                  <a:schemeClr val="bg1"/>
-                </a:solidFill>
-              </a:rPr>
-              <a:t>texto</a:t>
-            </a:r>
-            <a:r>
-              <a:rPr lang="en-US" dirty="0" smtClean="0">
-                <a:solidFill>
-                  <a:schemeClr val="bg1"/>
-                </a:solidFill>
-              </a:rPr>
-              <a:t>;</a:t>
+              <a:t>[1];</a:t>
             </a:r>
           </a:p>
           <a:p>
@@ -30754,160 +30165,6 @@
               <a:rPr lang="en-US" dirty="0" smtClean="0"/>
               <a:t>    }</a:t>
             </a:r>
-          </a:p>
-          <a:p>
-            <a:r>
-              <a:rPr lang="en-US" dirty="0" smtClean="0"/>
-              <a:t>    public void </a:t>
-            </a:r>
-            <a:r>
-              <a:rPr lang="en-US" dirty="0" err="1" smtClean="0"/>
-              <a:t>decodificar</a:t>
-            </a:r>
-            <a:r>
-              <a:rPr lang="en-US" dirty="0" smtClean="0"/>
-              <a:t>(</a:t>
-            </a:r>
-          </a:p>
-          <a:p>
-            <a:r>
-              <a:rPr lang="en-US" dirty="0" smtClean="0"/>
-              <a:t>	</a:t>
-            </a:r>
-            <a:r>
-              <a:rPr lang="en-US" dirty="0" smtClean="0"/>
-              <a:t>string </a:t>
-            </a:r>
-            <a:r>
-              <a:rPr lang="en-US" dirty="0" err="1" smtClean="0"/>
-              <a:t>str</a:t>
-            </a:r>
-            <a:r>
-              <a:rPr lang="en-US" dirty="0" smtClean="0"/>
-              <a:t>, </a:t>
-            </a:r>
-            <a:r>
-              <a:rPr lang="en-US" dirty="0" smtClean="0"/>
-              <a:t>	</a:t>
-            </a:r>
-            <a:r>
-              <a:rPr lang="en-US" dirty="0" smtClean="0"/>
-              <a:t>ref </a:t>
-            </a:r>
-            <a:r>
-              <a:rPr lang="en-US" dirty="0" err="1" smtClean="0"/>
-              <a:t>ClaseBasica</a:t>
-            </a:r>
-            <a:r>
-              <a:rPr lang="en-US" dirty="0" smtClean="0"/>
-              <a:t> </a:t>
-            </a:r>
-            <a:r>
-              <a:rPr lang="en-US" dirty="0" err="1" smtClean="0"/>
-              <a:t>obj</a:t>
-            </a:r>
-            <a:r>
-              <a:rPr lang="en-US" dirty="0" smtClean="0"/>
-              <a:t>)</a:t>
-            </a:r>
-          </a:p>
-          <a:p>
-            <a:r>
-              <a:rPr lang="en-US" dirty="0" smtClean="0"/>
-              <a:t> </a:t>
-            </a:r>
-            <a:r>
-              <a:rPr lang="en-US" dirty="0" smtClean="0"/>
-              <a:t>   {</a:t>
-            </a:r>
-          </a:p>
-          <a:p>
-            <a:r>
-              <a:rPr lang="en-US" dirty="0" smtClean="0"/>
-              <a:t> </a:t>
-            </a:r>
-            <a:r>
-              <a:rPr lang="en-US" dirty="0" smtClean="0"/>
-              <a:t>       String[] </a:t>
-            </a:r>
-            <a:r>
-              <a:rPr lang="en-US" dirty="0" err="1" smtClean="0"/>
-              <a:t>elementos</a:t>
-            </a:r>
-            <a:r>
-              <a:rPr lang="en-US" dirty="0" smtClean="0"/>
-              <a:t> </a:t>
-            </a:r>
-            <a:r>
-              <a:rPr lang="en-US" dirty="0" smtClean="0"/>
-              <a:t>= </a:t>
-            </a:r>
-            <a:r>
-              <a:rPr lang="en-US" dirty="0" err="1" smtClean="0"/>
-              <a:t>str.Split</a:t>
-            </a:r>
-            <a:r>
-              <a:rPr lang="en-US" dirty="0" smtClean="0"/>
-              <a:t>(',');</a:t>
-            </a:r>
-          </a:p>
-          <a:p>
-            <a:r>
-              <a:rPr lang="en-US" dirty="0" smtClean="0"/>
-              <a:t> </a:t>
-            </a:r>
-            <a:r>
-              <a:rPr lang="en-US" dirty="0" smtClean="0"/>
-              <a:t>       obj.v1 = </a:t>
-            </a:r>
-            <a:r>
-              <a:rPr lang="en-US" dirty="0" err="1" smtClean="0"/>
-              <a:t>elementos</a:t>
-            </a:r>
-            <a:r>
-              <a:rPr lang="en-US" dirty="0" smtClean="0"/>
-              <a:t>[0];</a:t>
-            </a:r>
-          </a:p>
-          <a:p>
-            <a:r>
-              <a:rPr lang="en-US" dirty="0" smtClean="0">
-                <a:solidFill>
-                  <a:srgbClr val="FF0000"/>
-                </a:solidFill>
-              </a:rPr>
-              <a:t> </a:t>
-            </a:r>
-            <a:r>
-              <a:rPr lang="en-US" dirty="0" smtClean="0">
-                <a:solidFill>
-                  <a:srgbClr val="FF0000"/>
-                </a:solidFill>
-              </a:rPr>
-              <a:t>       obj.v2 = </a:t>
-            </a:r>
-            <a:r>
-              <a:rPr lang="en-US" dirty="0" err="1" smtClean="0">
-                <a:solidFill>
-                  <a:srgbClr val="FF0000"/>
-                </a:solidFill>
-              </a:rPr>
-              <a:t>elementos</a:t>
-            </a:r>
-            <a:r>
-              <a:rPr lang="en-US" dirty="0" smtClean="0">
-                <a:solidFill>
-                  <a:srgbClr val="FF0000"/>
-                </a:solidFill>
-              </a:rPr>
-              <a:t>[1];</a:t>
-            </a:r>
-          </a:p>
-          <a:p>
-            <a:r>
-              <a:rPr lang="en-US" dirty="0" smtClean="0"/>
-              <a:t>    }</a:t>
-            </a:r>
             <a:endParaRPr lang="es-ES_tradnl" dirty="0" smtClean="0"/>
           </a:p>
           <a:p>
@@ -30915,7 +30172,6 @@
               <a:rPr lang="es-ES_tradnl" dirty="0" smtClean="0"/>
               <a:t>}”;</a:t>
             </a:r>
-            <a:endParaRPr lang="es-ES_tradnl" dirty="0" smtClean="0"/>
           </a:p>
         </p:txBody>
       </p:sp>
@@ -31514,11 +30770,7 @@
           <a:p>
             <a:r>
               <a:rPr lang="es-ES_tradnl" dirty="0" smtClean="0"/>
-              <a:t> </a:t>
-            </a:r>
-            <a:r>
-              <a:rPr lang="es-ES_tradnl" dirty="0" smtClean="0"/>
-              <a:t>   </a:t>
+              <a:t>    </a:t>
             </a:r>
             <a:r>
               <a:rPr lang="en-US" dirty="0" smtClean="0"/>
@@ -31552,21 +30804,13 @@
           <a:p>
             <a:r>
               <a:rPr lang="en-US" dirty="0" smtClean="0"/>
-              <a:t> </a:t>
-            </a:r>
+              <a:t>    {</a:t>
+            </a:r>
+          </a:p>
+          <a:p>
             <a:r>
               <a:rPr lang="en-US" dirty="0" smtClean="0"/>
-              <a:t>   {</a:t>
-            </a:r>
-          </a:p>
-          <a:p>
-            <a:r>
-              <a:rPr lang="en-US" dirty="0" smtClean="0"/>
-              <a:t> </a:t>
-            </a:r>
-            <a:r>
-              <a:rPr lang="en-US" dirty="0" smtClean="0"/>
-              <a:t>       String </a:t>
+              <a:t>        String </a:t>
             </a:r>
             <a:r>
               <a:rPr lang="en-US" dirty="0" err="1" smtClean="0"/>
@@ -31602,23 +30846,7 @@
             </a:r>
             <a:r>
               <a:rPr lang="en-US" dirty="0" smtClean="0"/>
-              <a:t> </a:t>
-            </a:r>
-            <a:r>
-              <a:rPr lang="en-US" dirty="0" smtClean="0"/>
-              <a:t>+= </a:t>
-            </a:r>
-            <a:r>
-              <a:rPr lang="en-US" dirty="0" smtClean="0"/>
-              <a:t>obj.v2 </a:t>
-            </a:r>
-            <a:r>
-              <a:rPr lang="en-US" dirty="0" smtClean="0"/>
-              <a:t>+ </a:t>
-            </a:r>
-            <a:r>
-              <a:rPr lang="en-US" dirty="0" smtClean="0"/>
-              <a:t>“,”;</a:t>
+              <a:t> += obj.v2 + “,”;</a:t>
             </a:r>
           </a:p>
           <a:p>
@@ -31628,7 +30856,15 @@
                   <a:srgbClr val="FF0000"/>
                 </a:solidFill>
               </a:rPr>
-              <a:t> </a:t>
+              <a:t>        return </a:t>
+            </a:r>
+            <a:r>
+              <a:rPr lang="en-US" dirty="0" err="1" smtClean="0">
+                <a:solidFill>
+                  <a:srgbClr val="FF0000"/>
+                </a:solidFill>
+              </a:rPr>
+              <a:t>texto</a:t>
             </a:r>
             <a:r>
               <a:rPr lang="en-US" dirty="0" smtClean="0">
@@ -31636,22 +30872,6 @@
                   <a:srgbClr val="FF0000"/>
                 </a:solidFill>
               </a:rPr>
-              <a:t>       return </a:t>
-            </a:r>
-            <a:r>
-              <a:rPr lang="en-US" dirty="0" err="1" smtClean="0">
-                <a:solidFill>
-                  <a:srgbClr val="FF0000"/>
-                </a:solidFill>
-              </a:rPr>
-              <a:t>texto</a:t>
-            </a:r>
-            <a:r>
-              <a:rPr lang="en-US" dirty="0" smtClean="0">
-                <a:solidFill>
-                  <a:srgbClr val="FF0000"/>
-                </a:solidFill>
-              </a:rPr>
               <a:t>;</a:t>
             </a:r>
           </a:p>
@@ -31678,11 +30898,7 @@
           <a:p>
             <a:r>
               <a:rPr lang="en-US" dirty="0" smtClean="0"/>
-              <a:t>	</a:t>
-            </a:r>
-            <a:r>
-              <a:rPr lang="en-US" dirty="0" smtClean="0"/>
-              <a:t>string </a:t>
+              <a:t>	string </a:t>
             </a:r>
             <a:r>
               <a:rPr lang="en-US" dirty="0" err="1" smtClean="0"/>
@@ -31690,15 +30906,7 @@
             </a:r>
             <a:r>
               <a:rPr lang="en-US" dirty="0" smtClean="0"/>
-              <a:t>, </a:t>
-            </a:r>
-            <a:r>
-              <a:rPr lang="en-US" dirty="0" smtClean="0"/>
-              <a:t>	</a:t>
-            </a:r>
-            <a:r>
-              <a:rPr lang="en-US" dirty="0" smtClean="0"/>
-              <a:t>ref </a:t>
+              <a:t>, 	ref </a:t>
             </a:r>
             <a:r>
               <a:rPr lang="en-US" dirty="0" err="1" smtClean="0"/>
@@ -31720,21 +30928,13 @@
           <a:p>
             <a:r>
               <a:rPr lang="en-US" dirty="0" smtClean="0"/>
-              <a:t> </a:t>
-            </a:r>
+              <a:t>    {</a:t>
+            </a:r>
+          </a:p>
+          <a:p>
             <a:r>
               <a:rPr lang="en-US" dirty="0" smtClean="0"/>
-              <a:t>   {</a:t>
-            </a:r>
-          </a:p>
-          <a:p>
-            <a:r>
-              <a:rPr lang="en-US" dirty="0" smtClean="0"/>
-              <a:t> </a:t>
-            </a:r>
-            <a:r>
-              <a:rPr lang="en-US" dirty="0" smtClean="0"/>
-              <a:t>       String[] </a:t>
+              <a:t>        String[] </a:t>
             </a:r>
             <a:r>
               <a:rPr lang="en-US" dirty="0" err="1" smtClean="0"/>
@@ -31742,11 +30942,7 @@
             </a:r>
             <a:r>
               <a:rPr lang="en-US" dirty="0" smtClean="0"/>
-              <a:t> </a:t>
-            </a:r>
-            <a:r>
-              <a:rPr lang="en-US" dirty="0" smtClean="0"/>
-              <a:t>= </a:t>
+              <a:t> = </a:t>
             </a:r>
             <a:r>
               <a:rPr lang="en-US" dirty="0" err="1" smtClean="0"/>
@@ -31760,11 +30956,7 @@
           <a:p>
             <a:r>
               <a:rPr lang="en-US" dirty="0" smtClean="0"/>
-              <a:t> </a:t>
-            </a:r>
-            <a:r>
-              <a:rPr lang="en-US" dirty="0" smtClean="0"/>
-              <a:t>       obj.v1 = </a:t>
+              <a:t>        obj.v1 = </a:t>
             </a:r>
             <a:r>
               <a:rPr lang="en-US" dirty="0" err="1" smtClean="0"/>
@@ -31778,11 +30970,7 @@
           <a:p>
             <a:r>
               <a:rPr lang="en-US" dirty="0" smtClean="0"/>
-              <a:t> </a:t>
-            </a:r>
-            <a:r>
-              <a:rPr lang="en-US" dirty="0" smtClean="0"/>
-              <a:t>       obj.v2 = </a:t>
+              <a:t>        obj.v2 = </a:t>
             </a:r>
             <a:r>
               <a:rPr lang="en-US" dirty="0" err="1" smtClean="0"/>
@@ -31805,7 +30993,6 @@
               <a:rPr lang="es-ES_tradnl" dirty="0" smtClean="0"/>
               <a:t>}”;</a:t>
             </a:r>
-            <a:endParaRPr lang="es-ES_tradnl" dirty="0" smtClean="0"/>
           </a:p>
         </p:txBody>
       </p:sp>
@@ -31925,6 +31112,7 @@
               <a:rPr lang="es-ES_tradnl" dirty="0" smtClean="0"/>
               <a:t>SERIALIZACIÓN: </a:t>
             </a:r>
+            <a:endParaRPr lang="es-ES_tradnl" u="sng" dirty="0" smtClean="0"/>
           </a:p>
           <a:p>
             <a:pPr>
@@ -31936,19 +31124,7 @@
             </a:r>
             <a:r>
               <a:rPr lang="es-ES_tradnl" dirty="0" smtClean="0"/>
-              <a:t>Proceso que convierte los datos de un objeto en </a:t>
-            </a:r>
-            <a:r>
-              <a:rPr lang="es-ES_tradnl" dirty="0" smtClean="0"/>
-              <a:t>una representación como conjunto de bytes, para </a:t>
-            </a:r>
-            <a:r>
-              <a:rPr lang="es-ES_tradnl" dirty="0" smtClean="0"/>
-              <a:t>almacenarlo o distribuirlo</a:t>
-            </a:r>
-            <a:r>
-              <a:rPr lang="es-ES_tradnl" dirty="0" smtClean="0"/>
-              <a:t>.</a:t>
+              <a:t>Proceso que convierte los datos de un objeto en una representación como conjunto de bytes, para almacenarlo o distribuirlo.</a:t>
             </a:r>
           </a:p>
           <a:p>
@@ -31985,15 +31161,7 @@
             </a:r>
             <a:r>
               <a:rPr lang="es-ES_tradnl" dirty="0" smtClean="0"/>
-              <a:t>Proceso inverso que regenera el objeto a partir </a:t>
-            </a:r>
-            <a:r>
-              <a:rPr lang="es-ES_tradnl" dirty="0" smtClean="0"/>
-              <a:t>de la representación con </a:t>
-            </a:r>
-            <a:r>
-              <a:rPr lang="es-ES_tradnl" dirty="0" smtClean="0"/>
-              <a:t>sus datos.</a:t>
+              <a:t>Proceso inverso que regenera el objeto a partir de la representación con sus datos.</a:t>
             </a:r>
             <a:endParaRPr lang="es-ES_tradnl" dirty="0"/>
           </a:p>
@@ -32216,11 +31384,7 @@
             </a:r>
             <a:r>
               <a:rPr lang="es-ES_tradnl" dirty="0" smtClean="0"/>
-              <a:t> </a:t>
-            </a:r>
-            <a:r>
-              <a:rPr lang="es-ES_tradnl" dirty="0" smtClean="0"/>
-              <a:t>el </a:t>
+              <a:t> el </a:t>
             </a:r>
             <a:r>
               <a:rPr lang="es-ES_tradnl" dirty="0" err="1" smtClean="0"/>
@@ -32237,7 +31401,6 @@
               <a:rPr lang="es-ES_tradnl" dirty="0" smtClean="0"/>
               <a:t>A continuación se compila el código y se instancia un objeto de ese tipo.</a:t>
             </a:r>
-            <a:endParaRPr lang="es-ES_tradnl" dirty="0" smtClean="0"/>
           </a:p>
           <a:p>
             <a:r>
@@ -34792,15 +33955,7 @@
             <a:pPr algn="just"/>
             <a:r>
               <a:rPr lang="es-ES_tradnl" dirty="0" smtClean="0"/>
-              <a:t>Se trabaja de distinta manera con ambos, aunque tengan </a:t>
-            </a:r>
-            <a:r>
-              <a:rPr lang="es-ES_tradnl" dirty="0" smtClean="0"/>
-              <a:t> </a:t>
-            </a:r>
-            <a:r>
-              <a:rPr lang="es-ES_tradnl" dirty="0" smtClean="0"/>
-              <a:t>similares características</a:t>
+              <a:t>Se trabaja de distinta manera con ambos, aunque tengan  similares características</a:t>
             </a:r>
           </a:p>
         </p:txBody>
@@ -35487,11 +34642,7 @@
             </a:pPr>
             <a:r>
               <a:rPr lang="es-ES_tradnl" dirty="0" smtClean="0"/>
-              <a:t>	</a:t>
-            </a:r>
-            <a:r>
-              <a:rPr lang="es-ES_tradnl" dirty="0" smtClean="0"/>
-              <a:t>- tipo del miembro 		- nombre del miembro</a:t>
+              <a:t>	- tipo del miembro 		- nombre del miembro</a:t>
             </a:r>
           </a:p>
         </p:txBody>
@@ -35701,11 +34852,7 @@
             </a:r>
             <a:r>
               <a:rPr lang="es-ES_tradnl" dirty="0" smtClean="0"/>
-              <a:t> </a:t>
-            </a:r>
-            <a:r>
-              <a:rPr lang="es-ES_tradnl" dirty="0" smtClean="0"/>
-              <a:t>y otros tipos que implementan </a:t>
+              <a:t> y otros tipos que implementan </a:t>
             </a:r>
             <a:r>
               <a:rPr lang="es-ES_tradnl" sz="3000" dirty="0" err="1" smtClean="0">
@@ -36348,7 +35495,6 @@
               <a:rPr lang="es-ES_tradnl" sz="3200" b="1" dirty="0" smtClean="0"/>
               <a:t>)</a:t>
             </a:r>
-            <a:endParaRPr lang="es-ES_tradnl" sz="3200" b="1" dirty="0" smtClean="0"/>
           </a:p>
         </p:txBody>
       </p:sp>
@@ -37210,11 +36356,7 @@
             </a:r>
             <a:r>
               <a:rPr lang="es-ES_tradnl" sz="2800" dirty="0" smtClean="0"/>
-              <a:t>posible (alto rendimiento</a:t>
-            </a:r>
-            <a:r>
-              <a:rPr lang="es-ES_tradnl" sz="2800" dirty="0" smtClean="0"/>
-              <a:t>).</a:t>
+              <a:t>posible (alto rendimiento).</a:t>
             </a:r>
             <a:endParaRPr kumimoji="0" lang="es-ES_tradnl" sz="2800" b="0" i="0" u="none" strike="noStrike" kern="1200" cap="none" spc="0" normalizeH="0" baseline="0" noProof="0" dirty="0" smtClean="0">
               <a:ln>
@@ -40906,11 +40048,7 @@
             </a:r>
             <a:r>
               <a:rPr lang="es-ES_tradnl" sz="2800" dirty="0" smtClean="0"/>
-              <a:t>posible (alto rendimiento</a:t>
-            </a:r>
-            <a:r>
-              <a:rPr lang="es-ES_tradnl" sz="2800" dirty="0" smtClean="0"/>
-              <a:t>).</a:t>
+              <a:t>posible (alto rendimiento).</a:t>
             </a:r>
             <a:endParaRPr kumimoji="0" lang="es-ES_tradnl" sz="2800" b="0" i="0" u="none" strike="noStrike" kern="1200" cap="none" spc="0" normalizeH="0" baseline="0" noProof="0" dirty="0" smtClean="0">
               <a:ln>
@@ -40962,11 +40100,7 @@
             </a:pPr>
             <a:r>
               <a:rPr lang="es-ES_tradnl" sz="2800" dirty="0" smtClean="0"/>
-              <a:t>TAMAÑO </a:t>
-            </a:r>
-            <a:r>
-              <a:rPr lang="es-ES_tradnl" sz="2800" dirty="0" smtClean="0"/>
-              <a:t>DE LA REPRESENTACIÓN</a:t>
+              <a:t>TAMAÑO DE LA REPRESENTACIÓN</a:t>
             </a:r>
           </a:p>
           <a:p>
@@ -40991,54 +40125,12 @@
                 <a:ea typeface="+mn-ea"/>
                 <a:cs typeface="+mn-cs"/>
               </a:rPr>
-              <a:t>	</a:t>
-            </a:r>
-            <a:r>
-              <a:rPr kumimoji="0" lang="es-ES_tradnl" sz="2800" b="0" i="0" u="none" strike="noStrike" kern="1200" cap="none" spc="0" normalizeH="0" baseline="0" noProof="0" dirty="0" smtClean="0">
-                <a:ln>
-                  <a:noFill/>
-                </a:ln>
-                <a:solidFill>
-                  <a:schemeClr val="tx1"/>
-                </a:solidFill>
-                <a:effectLst/>
-                <a:uLnTx/>
-                <a:uFillTx/>
-                <a:latin typeface="+mn-lt"/>
-                <a:ea typeface="+mn-ea"/>
-                <a:cs typeface="+mn-cs"/>
-              </a:rPr>
-              <a:t>Interesa que </a:t>
+              <a:t>	Interesa que </a:t>
             </a:r>
             <a:r>
               <a:rPr lang="es-ES_tradnl" sz="2800" dirty="0" smtClean="0"/>
-              <a:t>la </a:t>
-            </a:r>
-            <a:r>
-              <a:rPr lang="es-ES_tradnl" sz="2800" dirty="0" smtClean="0"/>
-              <a:t>representación de </a:t>
-            </a:r>
-            <a:r>
-              <a:rPr lang="es-ES_tradnl" sz="2800" dirty="0" smtClean="0"/>
-              <a:t>los objetos </a:t>
-            </a:r>
-            <a:r>
-              <a:rPr lang="es-ES_tradnl" sz="2800" dirty="0" smtClean="0"/>
-              <a:t>serializados </a:t>
-            </a:r>
-            <a:r>
-              <a:rPr lang="es-ES_tradnl" sz="2800" dirty="0" smtClean="0"/>
-              <a:t>sea lo </a:t>
-            </a:r>
-            <a:r>
-              <a:rPr lang="es-ES_tradnl" sz="2800" dirty="0" smtClean="0"/>
-              <a:t>más reducida </a:t>
-            </a:r>
-            <a:r>
-              <a:rPr lang="es-ES_tradnl" sz="2800" dirty="0" smtClean="0"/>
-              <a:t>posible. </a:t>
-            </a:r>
-            <a:endParaRPr lang="es-ES_tradnl" sz="2800" dirty="0" smtClean="0"/>
+              <a:t>la representación de los objetos serializados sea lo más reducida posible. </a:t>
+            </a:r>
           </a:p>
         </p:txBody>
       </p:sp>
@@ -42486,13 +41578,8 @@
             </a:r>
             <a:r>
               <a:rPr lang="es-ES_tradnl" sz="2800" dirty="0" smtClean="0"/>
-              <a:t> multidimensionales, genéricos</a:t>
-            </a:r>
-            <a:r>
-              <a:rPr lang="es-ES_tradnl" sz="2800" dirty="0" smtClean="0"/>
-              <a:t>).</a:t>
-            </a:r>
-            <a:endParaRPr lang="es-ES_tradnl" sz="2800" dirty="0" smtClean="0"/>
+              <a:t> multidimensionales, genéricos).</a:t>
+            </a:r>
           </a:p>
           <a:p>
             <a:endParaRPr lang="es-ES_tradnl" sz="2800" dirty="0"/>
@@ -42583,11 +41670,7 @@
             </a:r>
             <a:r>
               <a:rPr lang="es-ES_tradnl" sz="2800" dirty="0" smtClean="0"/>
-              <a:t>posible (alto rendimiento</a:t>
-            </a:r>
-            <a:r>
-              <a:rPr lang="es-ES_tradnl" sz="2800" dirty="0" smtClean="0"/>
-              <a:t>).</a:t>
+              <a:t>posible (alto rendimiento).</a:t>
             </a:r>
             <a:endParaRPr kumimoji="0" lang="es-ES_tradnl" sz="2800" b="0" i="0" u="none" strike="noStrike" kern="1200" cap="none" spc="0" normalizeH="0" baseline="0" noProof="0" dirty="0" smtClean="0">
               <a:ln>
@@ -42639,11 +41722,7 @@
             </a:pPr>
             <a:r>
               <a:rPr lang="es-ES_tradnl" sz="2800" dirty="0" smtClean="0"/>
-              <a:t>TAMAÑO </a:t>
-            </a:r>
-            <a:r>
-              <a:rPr lang="es-ES_tradnl" sz="2800" dirty="0" smtClean="0"/>
-              <a:t>DE LA REPRESENTACIÓN</a:t>
+              <a:t>TAMAÑO DE LA REPRESENTACIÓN</a:t>
             </a:r>
           </a:p>
           <a:p>
@@ -42668,54 +41747,12 @@
                 <a:ea typeface="+mn-ea"/>
                 <a:cs typeface="+mn-cs"/>
               </a:rPr>
-              <a:t>	</a:t>
-            </a:r>
-            <a:r>
-              <a:rPr kumimoji="0" lang="es-ES_tradnl" sz="2800" b="0" i="0" u="none" strike="noStrike" kern="1200" cap="none" spc="0" normalizeH="0" baseline="0" noProof="0" dirty="0" smtClean="0">
-                <a:ln>
-                  <a:noFill/>
-                </a:ln>
-                <a:solidFill>
-                  <a:schemeClr val="tx1"/>
-                </a:solidFill>
-                <a:effectLst/>
-                <a:uLnTx/>
-                <a:uFillTx/>
-                <a:latin typeface="+mn-lt"/>
-                <a:ea typeface="+mn-ea"/>
-                <a:cs typeface="+mn-cs"/>
-              </a:rPr>
-              <a:t>Interesa que </a:t>
+              <a:t>	Interesa que </a:t>
             </a:r>
             <a:r>
               <a:rPr lang="es-ES_tradnl" sz="2800" dirty="0" smtClean="0"/>
-              <a:t>la </a:t>
-            </a:r>
-            <a:r>
-              <a:rPr lang="es-ES_tradnl" sz="2800" dirty="0" smtClean="0"/>
-              <a:t>representación de </a:t>
-            </a:r>
-            <a:r>
-              <a:rPr lang="es-ES_tradnl" sz="2800" dirty="0" smtClean="0"/>
-              <a:t>los objetos </a:t>
-            </a:r>
-            <a:r>
-              <a:rPr lang="es-ES_tradnl" sz="2800" dirty="0" smtClean="0"/>
-              <a:t>serializados </a:t>
-            </a:r>
-            <a:r>
-              <a:rPr lang="es-ES_tradnl" sz="2800" dirty="0" smtClean="0"/>
-              <a:t>sea lo </a:t>
-            </a:r>
-            <a:r>
-              <a:rPr lang="es-ES_tradnl" sz="2800" dirty="0" smtClean="0"/>
-              <a:t>más reducida </a:t>
-            </a:r>
-            <a:r>
-              <a:rPr lang="es-ES_tradnl" sz="2800" dirty="0" smtClean="0"/>
-              <a:t>posible. </a:t>
-            </a:r>
-            <a:endParaRPr lang="es-ES_tradnl" sz="2800" dirty="0" smtClean="0"/>
+              <a:t>la representación de los objetos serializados sea lo más reducida posible. </a:t>
+            </a:r>
           </a:p>
         </p:txBody>
       </p:sp>
@@ -43644,11 +42681,7 @@
           <a:p>
             <a:r>
               <a:rPr lang="es-ES_tradnl" dirty="0" smtClean="0"/>
-              <a:t>Existe una amplia </a:t>
-            </a:r>
-            <a:r>
-              <a:rPr lang="es-ES_tradnl" dirty="0" smtClean="0"/>
-              <a:t>variedad de serializadores tanto comerciales como open-</a:t>
+              <a:t>Existe una amplia variedad de serializadores tanto comerciales como open-</a:t>
             </a:r>
             <a:r>
               <a:rPr lang="es-ES_tradnl" dirty="0" err="1" smtClean="0"/>
@@ -43664,7 +42697,6 @@
               <a:rPr lang="es-ES_tradnl" dirty="0" smtClean="0"/>
               <a:t>Se ha analizado un grupo representativo de ellos:</a:t>
             </a:r>
-            <a:endParaRPr lang="es-ES_tradnl" dirty="0" smtClean="0"/>
           </a:p>
           <a:p>
             <a:endParaRPr lang="es-ES_tradnl" dirty="0"/>
@@ -44138,16 +43170,11 @@
           <a:p>
             <a:r>
               <a:rPr lang="es-ES_tradnl" dirty="0" smtClean="0"/>
-              <a:t>Cada serializador admite uno o varios formatos del </a:t>
-            </a:r>
-            <a:r>
-              <a:rPr lang="es-ES_tradnl" dirty="0" smtClean="0"/>
-              <a:t>representación del objeto serializado.</a:t>
-            </a:r>
-            <a:endParaRPr lang="es-ES_tradnl" dirty="0" smtClean="0"/>
-          </a:p>
-          <a:p>
-            <a:endParaRPr lang="es-ES_tradnl" dirty="0"/>
+              <a:t>Cada serializador admite uno o varios formatos del representación del objeto serializado.</a:t>
+            </a:r>
+          </a:p>
+          <a:p>
+            <a:endParaRPr lang="es-ES_tradnl" u="sng" dirty="0"/>
           </a:p>
         </p:txBody>
       </p:sp>
@@ -45081,7 +44108,7 @@
         </p:nvSpPr>
         <p:spPr>
           <a:xfrm>
-            <a:off x="4000496" y="3916924"/>
+            <a:off x="4063319" y="3916924"/>
             <a:ext cx="365805" cy="369332"/>
           </a:xfrm>
           <a:prstGeom prst="rect">
@@ -45117,7 +44144,7 @@
         </p:nvSpPr>
         <p:spPr>
           <a:xfrm>
-            <a:off x="4000496" y="5488560"/>
+            <a:off x="4063319" y="5488560"/>
             <a:ext cx="365805" cy="369332"/>
           </a:xfrm>
           <a:prstGeom prst="rect">
@@ -45153,7 +44180,7 @@
         </p:nvSpPr>
         <p:spPr>
           <a:xfrm>
-            <a:off x="4000496" y="5857892"/>
+            <a:off x="4063319" y="5857892"/>
             <a:ext cx="365805" cy="369332"/>
           </a:xfrm>
           <a:prstGeom prst="rect">
@@ -45435,906 +44462,6 @@
       </p:sp>
       <p:sp>
         <p:nvSpPr>
-          <p:cNvPr id="77" name="76 Rectángulo"/>
-          <p:cNvSpPr/>
-          <p:nvPr/>
-        </p:nvSpPr>
-        <p:spPr>
-          <a:xfrm>
-            <a:off x="4000496" y="3131106"/>
-            <a:ext cx="429925" cy="369332"/>
-          </a:xfrm>
-          <a:prstGeom prst="rect">
-            <a:avLst/>
-          </a:prstGeom>
-        </p:spPr>
-        <p:txBody>
-          <a:bodyPr wrap="none">
-            <a:spAutoFit/>
-          </a:bodyPr>
-          <a:lstStyle/>
-          <a:p>
-            <a:pPr algn="ctr">
-              <a:defRPr/>
-            </a:pPr>
-            <a:r>
-              <a:rPr lang="en-US" b="1" dirty="0" smtClean="0">
-                <a:solidFill>
-                  <a:srgbClr val="FF0000"/>
-                </a:solidFill>
-                <a:latin typeface="Wingdings" pitchFamily="2" charset="2"/>
-              </a:rPr>
-              <a:t>x</a:t>
-            </a:r>
-          </a:p>
-        </p:txBody>
-      </p:sp>
-      <p:sp>
-        <p:nvSpPr>
-          <p:cNvPr id="79" name="78 Rectángulo"/>
-          <p:cNvSpPr/>
-          <p:nvPr/>
-        </p:nvSpPr>
-        <p:spPr>
-          <a:xfrm>
-            <a:off x="4000496" y="3488296"/>
-            <a:ext cx="429925" cy="369332"/>
-          </a:xfrm>
-          <a:prstGeom prst="rect">
-            <a:avLst/>
-          </a:prstGeom>
-        </p:spPr>
-        <p:txBody>
-          <a:bodyPr wrap="none">
-            <a:spAutoFit/>
-          </a:bodyPr>
-          <a:lstStyle/>
-          <a:p>
-            <a:pPr algn="ctr">
-              <a:defRPr/>
-            </a:pPr>
-            <a:r>
-              <a:rPr lang="en-US" b="1" dirty="0" smtClean="0">
-                <a:solidFill>
-                  <a:srgbClr val="FF0000"/>
-                </a:solidFill>
-                <a:latin typeface="Wingdings" pitchFamily="2" charset="2"/>
-              </a:rPr>
-              <a:t>x</a:t>
-            </a:r>
-          </a:p>
-        </p:txBody>
-      </p:sp>
-      <p:sp>
-        <p:nvSpPr>
-          <p:cNvPr id="80" name="79 Rectángulo"/>
-          <p:cNvSpPr/>
-          <p:nvPr/>
-        </p:nvSpPr>
-        <p:spPr>
-          <a:xfrm>
-            <a:off x="3141943" y="3845486"/>
-            <a:ext cx="429925" cy="369332"/>
-          </a:xfrm>
-          <a:prstGeom prst="rect">
-            <a:avLst/>
-          </a:prstGeom>
-        </p:spPr>
-        <p:txBody>
-          <a:bodyPr wrap="none">
-            <a:spAutoFit/>
-          </a:bodyPr>
-          <a:lstStyle/>
-          <a:p>
-            <a:pPr algn="ctr">
-              <a:defRPr/>
-            </a:pPr>
-            <a:r>
-              <a:rPr lang="en-US" b="1" dirty="0" smtClean="0">
-                <a:solidFill>
-                  <a:srgbClr val="FF0000"/>
-                </a:solidFill>
-                <a:latin typeface="Wingdings" pitchFamily="2" charset="2"/>
-              </a:rPr>
-              <a:t>x</a:t>
-            </a:r>
-          </a:p>
-        </p:txBody>
-      </p:sp>
-      <p:sp>
-        <p:nvSpPr>
-          <p:cNvPr id="82" name="81 Rectángulo"/>
-          <p:cNvSpPr/>
-          <p:nvPr/>
-        </p:nvSpPr>
-        <p:spPr>
-          <a:xfrm>
-            <a:off x="3143240" y="5059932"/>
-            <a:ext cx="429925" cy="369332"/>
-          </a:xfrm>
-          <a:prstGeom prst="rect">
-            <a:avLst/>
-          </a:prstGeom>
-        </p:spPr>
-        <p:txBody>
-          <a:bodyPr wrap="none">
-            <a:spAutoFit/>
-          </a:bodyPr>
-          <a:lstStyle/>
-          <a:p>
-            <a:pPr algn="ctr">
-              <a:defRPr/>
-            </a:pPr>
-            <a:r>
-              <a:rPr lang="en-US" b="1" dirty="0" smtClean="0">
-                <a:solidFill>
-                  <a:srgbClr val="FF0000"/>
-                </a:solidFill>
-                <a:latin typeface="Wingdings" pitchFamily="2" charset="2"/>
-              </a:rPr>
-              <a:t>x</a:t>
-            </a:r>
-          </a:p>
-        </p:txBody>
-      </p:sp>
-      <p:sp>
-        <p:nvSpPr>
-          <p:cNvPr id="83" name="82 Rectángulo"/>
-          <p:cNvSpPr/>
-          <p:nvPr/>
-        </p:nvSpPr>
-        <p:spPr>
-          <a:xfrm>
-            <a:off x="3143240" y="5488560"/>
-            <a:ext cx="429925" cy="369332"/>
-          </a:xfrm>
-          <a:prstGeom prst="rect">
-            <a:avLst/>
-          </a:prstGeom>
-        </p:spPr>
-        <p:txBody>
-          <a:bodyPr wrap="none">
-            <a:spAutoFit/>
-          </a:bodyPr>
-          <a:lstStyle/>
-          <a:p>
-            <a:pPr algn="ctr">
-              <a:defRPr/>
-            </a:pPr>
-            <a:r>
-              <a:rPr lang="en-US" b="1" dirty="0" smtClean="0">
-                <a:solidFill>
-                  <a:srgbClr val="FF0000"/>
-                </a:solidFill>
-                <a:latin typeface="Wingdings" pitchFamily="2" charset="2"/>
-              </a:rPr>
-              <a:t>x</a:t>
-            </a:r>
-          </a:p>
-        </p:txBody>
-      </p:sp>
-      <p:sp>
-        <p:nvSpPr>
-          <p:cNvPr id="84" name="83 Rectángulo"/>
-          <p:cNvSpPr/>
-          <p:nvPr/>
-        </p:nvSpPr>
-        <p:spPr>
-          <a:xfrm>
-            <a:off x="4000496" y="4286256"/>
-            <a:ext cx="429925" cy="369332"/>
-          </a:xfrm>
-          <a:prstGeom prst="rect">
-            <a:avLst/>
-          </a:prstGeom>
-        </p:spPr>
-        <p:txBody>
-          <a:bodyPr wrap="none">
-            <a:spAutoFit/>
-          </a:bodyPr>
-          <a:lstStyle/>
-          <a:p>
-            <a:pPr algn="ctr">
-              <a:defRPr/>
-            </a:pPr>
-            <a:r>
-              <a:rPr lang="en-US" b="1" dirty="0" smtClean="0">
-                <a:solidFill>
-                  <a:srgbClr val="FF0000"/>
-                </a:solidFill>
-                <a:latin typeface="Wingdings" pitchFamily="2" charset="2"/>
-              </a:rPr>
-              <a:t>x</a:t>
-            </a:r>
-          </a:p>
-        </p:txBody>
-      </p:sp>
-      <p:sp>
-        <p:nvSpPr>
-          <p:cNvPr id="85" name="84 Rectángulo"/>
-          <p:cNvSpPr/>
-          <p:nvPr/>
-        </p:nvSpPr>
-        <p:spPr>
-          <a:xfrm>
-            <a:off x="4000496" y="4643446"/>
-            <a:ext cx="429925" cy="369332"/>
-          </a:xfrm>
-          <a:prstGeom prst="rect">
-            <a:avLst/>
-          </a:prstGeom>
-        </p:spPr>
-        <p:txBody>
-          <a:bodyPr wrap="none">
-            <a:spAutoFit/>
-          </a:bodyPr>
-          <a:lstStyle/>
-          <a:p>
-            <a:pPr algn="ctr">
-              <a:defRPr/>
-            </a:pPr>
-            <a:r>
-              <a:rPr lang="en-US" b="1" dirty="0" smtClean="0">
-                <a:solidFill>
-                  <a:srgbClr val="FF0000"/>
-                </a:solidFill>
-                <a:latin typeface="Wingdings" pitchFamily="2" charset="2"/>
-              </a:rPr>
-              <a:t>x</a:t>
-            </a:r>
-          </a:p>
-        </p:txBody>
-      </p:sp>
-      <p:sp>
-        <p:nvSpPr>
-          <p:cNvPr id="86" name="85 Rectángulo"/>
-          <p:cNvSpPr/>
-          <p:nvPr/>
-        </p:nvSpPr>
-        <p:spPr>
-          <a:xfrm>
-            <a:off x="4000496" y="5059932"/>
-            <a:ext cx="429925" cy="369332"/>
-          </a:xfrm>
-          <a:prstGeom prst="rect">
-            <a:avLst/>
-          </a:prstGeom>
-        </p:spPr>
-        <p:txBody>
-          <a:bodyPr wrap="none">
-            <a:spAutoFit/>
-          </a:bodyPr>
-          <a:lstStyle/>
-          <a:p>
-            <a:pPr algn="ctr">
-              <a:defRPr/>
-            </a:pPr>
-            <a:r>
-              <a:rPr lang="en-US" b="1" dirty="0" smtClean="0">
-                <a:solidFill>
-                  <a:srgbClr val="FF0000"/>
-                </a:solidFill>
-                <a:latin typeface="Wingdings" pitchFamily="2" charset="2"/>
-              </a:rPr>
-              <a:t>x</a:t>
-            </a:r>
-          </a:p>
-        </p:txBody>
-      </p:sp>
-      <p:sp>
-        <p:nvSpPr>
-          <p:cNvPr id="87" name="86 Rectángulo"/>
-          <p:cNvSpPr/>
-          <p:nvPr/>
-        </p:nvSpPr>
-        <p:spPr>
-          <a:xfrm>
-            <a:off x="4927893" y="5429264"/>
-            <a:ext cx="429925" cy="369332"/>
-          </a:xfrm>
-          <a:prstGeom prst="rect">
-            <a:avLst/>
-          </a:prstGeom>
-        </p:spPr>
-        <p:txBody>
-          <a:bodyPr wrap="none">
-            <a:spAutoFit/>
-          </a:bodyPr>
-          <a:lstStyle/>
-          <a:p>
-            <a:pPr algn="ctr">
-              <a:defRPr/>
-            </a:pPr>
-            <a:r>
-              <a:rPr lang="en-US" b="1" dirty="0" smtClean="0">
-                <a:solidFill>
-                  <a:srgbClr val="FF0000"/>
-                </a:solidFill>
-                <a:latin typeface="Wingdings" pitchFamily="2" charset="2"/>
-              </a:rPr>
-              <a:t>x</a:t>
-            </a:r>
-          </a:p>
-        </p:txBody>
-      </p:sp>
-      <p:sp>
-        <p:nvSpPr>
-          <p:cNvPr id="88" name="87 Rectángulo"/>
-          <p:cNvSpPr/>
-          <p:nvPr/>
-        </p:nvSpPr>
-        <p:spPr>
-          <a:xfrm>
-            <a:off x="4927893" y="3143248"/>
-            <a:ext cx="429925" cy="369332"/>
-          </a:xfrm>
-          <a:prstGeom prst="rect">
-            <a:avLst/>
-          </a:prstGeom>
-        </p:spPr>
-        <p:txBody>
-          <a:bodyPr wrap="none">
-            <a:spAutoFit/>
-          </a:bodyPr>
-          <a:lstStyle/>
-          <a:p>
-            <a:pPr algn="ctr">
-              <a:defRPr/>
-            </a:pPr>
-            <a:r>
-              <a:rPr lang="en-US" b="1" dirty="0" smtClean="0">
-                <a:solidFill>
-                  <a:srgbClr val="FF0000"/>
-                </a:solidFill>
-                <a:latin typeface="Wingdings" pitchFamily="2" charset="2"/>
-              </a:rPr>
-              <a:t>x</a:t>
-            </a:r>
-          </a:p>
-        </p:txBody>
-      </p:sp>
-      <p:sp>
-        <p:nvSpPr>
-          <p:cNvPr id="89" name="88 Rectángulo"/>
-          <p:cNvSpPr/>
-          <p:nvPr/>
-        </p:nvSpPr>
-        <p:spPr>
-          <a:xfrm>
-            <a:off x="4927893" y="3500438"/>
-            <a:ext cx="429925" cy="369332"/>
-          </a:xfrm>
-          <a:prstGeom prst="rect">
-            <a:avLst/>
-          </a:prstGeom>
-        </p:spPr>
-        <p:txBody>
-          <a:bodyPr wrap="none">
-            <a:spAutoFit/>
-          </a:bodyPr>
-          <a:lstStyle/>
-          <a:p>
-            <a:pPr algn="ctr">
-              <a:defRPr/>
-            </a:pPr>
-            <a:r>
-              <a:rPr lang="en-US" b="1" dirty="0" smtClean="0">
-                <a:solidFill>
-                  <a:srgbClr val="FF0000"/>
-                </a:solidFill>
-                <a:latin typeface="Wingdings" pitchFamily="2" charset="2"/>
-              </a:rPr>
-              <a:t>x</a:t>
-            </a:r>
-          </a:p>
-        </p:txBody>
-      </p:sp>
-      <p:sp>
-        <p:nvSpPr>
-          <p:cNvPr id="90" name="89 Rectángulo"/>
-          <p:cNvSpPr/>
-          <p:nvPr/>
-        </p:nvSpPr>
-        <p:spPr>
-          <a:xfrm>
-            <a:off x="4929190" y="3857628"/>
-            <a:ext cx="429925" cy="369332"/>
-          </a:xfrm>
-          <a:prstGeom prst="rect">
-            <a:avLst/>
-          </a:prstGeom>
-        </p:spPr>
-        <p:txBody>
-          <a:bodyPr wrap="none">
-            <a:spAutoFit/>
-          </a:bodyPr>
-          <a:lstStyle/>
-          <a:p>
-            <a:pPr algn="ctr">
-              <a:defRPr/>
-            </a:pPr>
-            <a:r>
-              <a:rPr lang="en-US" b="1" dirty="0" smtClean="0">
-                <a:solidFill>
-                  <a:srgbClr val="FF0000"/>
-                </a:solidFill>
-                <a:latin typeface="Wingdings" pitchFamily="2" charset="2"/>
-              </a:rPr>
-              <a:t>x</a:t>
-            </a:r>
-          </a:p>
-        </p:txBody>
-      </p:sp>
-      <p:sp>
-        <p:nvSpPr>
-          <p:cNvPr id="91" name="90 Rectángulo"/>
-          <p:cNvSpPr/>
-          <p:nvPr/>
-        </p:nvSpPr>
-        <p:spPr>
-          <a:xfrm>
-            <a:off x="4929190" y="4643446"/>
-            <a:ext cx="429925" cy="369332"/>
-          </a:xfrm>
-          <a:prstGeom prst="rect">
-            <a:avLst/>
-          </a:prstGeom>
-        </p:spPr>
-        <p:txBody>
-          <a:bodyPr wrap="none">
-            <a:spAutoFit/>
-          </a:bodyPr>
-          <a:lstStyle/>
-          <a:p>
-            <a:pPr algn="ctr">
-              <a:defRPr/>
-            </a:pPr>
-            <a:r>
-              <a:rPr lang="en-US" b="1" dirty="0" smtClean="0">
-                <a:solidFill>
-                  <a:srgbClr val="FF0000"/>
-                </a:solidFill>
-                <a:latin typeface="Wingdings" pitchFamily="2" charset="2"/>
-              </a:rPr>
-              <a:t>x</a:t>
-            </a:r>
-          </a:p>
-        </p:txBody>
-      </p:sp>
-      <p:sp>
-        <p:nvSpPr>
-          <p:cNvPr id="92" name="91 Rectángulo"/>
-          <p:cNvSpPr/>
-          <p:nvPr/>
-        </p:nvSpPr>
-        <p:spPr>
-          <a:xfrm>
-            <a:off x="5846675" y="5429264"/>
-            <a:ext cx="429925" cy="369332"/>
-          </a:xfrm>
-          <a:prstGeom prst="rect">
-            <a:avLst/>
-          </a:prstGeom>
-        </p:spPr>
-        <p:txBody>
-          <a:bodyPr wrap="none">
-            <a:spAutoFit/>
-          </a:bodyPr>
-          <a:lstStyle/>
-          <a:p>
-            <a:pPr algn="ctr">
-              <a:defRPr/>
-            </a:pPr>
-            <a:r>
-              <a:rPr lang="en-US" b="1" dirty="0" smtClean="0">
-                <a:solidFill>
-                  <a:srgbClr val="FF0000"/>
-                </a:solidFill>
-                <a:latin typeface="Wingdings" pitchFamily="2" charset="2"/>
-              </a:rPr>
-              <a:t>x</a:t>
-            </a:r>
-          </a:p>
-        </p:txBody>
-      </p:sp>
-      <p:sp>
-        <p:nvSpPr>
-          <p:cNvPr id="93" name="92 Rectángulo"/>
-          <p:cNvSpPr/>
-          <p:nvPr/>
-        </p:nvSpPr>
-        <p:spPr>
-          <a:xfrm>
-            <a:off x="5846675" y="3143248"/>
-            <a:ext cx="429925" cy="369332"/>
-          </a:xfrm>
-          <a:prstGeom prst="rect">
-            <a:avLst/>
-          </a:prstGeom>
-        </p:spPr>
-        <p:txBody>
-          <a:bodyPr wrap="none">
-            <a:spAutoFit/>
-          </a:bodyPr>
-          <a:lstStyle/>
-          <a:p>
-            <a:pPr algn="ctr">
-              <a:defRPr/>
-            </a:pPr>
-            <a:r>
-              <a:rPr lang="en-US" b="1" dirty="0" smtClean="0">
-                <a:solidFill>
-                  <a:srgbClr val="FF0000"/>
-                </a:solidFill>
-                <a:latin typeface="Wingdings" pitchFamily="2" charset="2"/>
-              </a:rPr>
-              <a:t>x</a:t>
-            </a:r>
-          </a:p>
-        </p:txBody>
-      </p:sp>
-      <p:sp>
-        <p:nvSpPr>
-          <p:cNvPr id="94" name="93 Rectángulo"/>
-          <p:cNvSpPr/>
-          <p:nvPr/>
-        </p:nvSpPr>
-        <p:spPr>
-          <a:xfrm>
-            <a:off x="5847972" y="3857628"/>
-            <a:ext cx="429925" cy="369332"/>
-          </a:xfrm>
-          <a:prstGeom prst="rect">
-            <a:avLst/>
-          </a:prstGeom>
-        </p:spPr>
-        <p:txBody>
-          <a:bodyPr wrap="none">
-            <a:spAutoFit/>
-          </a:bodyPr>
-          <a:lstStyle/>
-          <a:p>
-            <a:pPr algn="ctr">
-              <a:defRPr/>
-            </a:pPr>
-            <a:r>
-              <a:rPr lang="en-US" b="1" dirty="0" smtClean="0">
-                <a:solidFill>
-                  <a:srgbClr val="FF0000"/>
-                </a:solidFill>
-                <a:latin typeface="Wingdings" pitchFamily="2" charset="2"/>
-              </a:rPr>
-              <a:t>x</a:t>
-            </a:r>
-          </a:p>
-        </p:txBody>
-      </p:sp>
-      <p:sp>
-        <p:nvSpPr>
-          <p:cNvPr id="95" name="94 Rectángulo"/>
-          <p:cNvSpPr/>
-          <p:nvPr/>
-        </p:nvSpPr>
-        <p:spPr>
-          <a:xfrm>
-            <a:off x="5847972" y="4643446"/>
-            <a:ext cx="429925" cy="369332"/>
-          </a:xfrm>
-          <a:prstGeom prst="rect">
-            <a:avLst/>
-          </a:prstGeom>
-        </p:spPr>
-        <p:txBody>
-          <a:bodyPr wrap="none">
-            <a:spAutoFit/>
-          </a:bodyPr>
-          <a:lstStyle/>
-          <a:p>
-            <a:pPr algn="ctr">
-              <a:defRPr/>
-            </a:pPr>
-            <a:r>
-              <a:rPr lang="en-US" b="1" dirty="0" smtClean="0">
-                <a:solidFill>
-                  <a:srgbClr val="FF0000"/>
-                </a:solidFill>
-                <a:latin typeface="Wingdings" pitchFamily="2" charset="2"/>
-              </a:rPr>
-              <a:t>x</a:t>
-            </a:r>
-          </a:p>
-        </p:txBody>
-      </p:sp>
-      <p:sp>
-        <p:nvSpPr>
-          <p:cNvPr id="96" name="95 Rectángulo"/>
-          <p:cNvSpPr/>
-          <p:nvPr/>
-        </p:nvSpPr>
-        <p:spPr>
-          <a:xfrm>
-            <a:off x="7212612" y="5429264"/>
-            <a:ext cx="429925" cy="369332"/>
-          </a:xfrm>
-          <a:prstGeom prst="rect">
-            <a:avLst/>
-          </a:prstGeom>
-        </p:spPr>
-        <p:txBody>
-          <a:bodyPr wrap="none">
-            <a:spAutoFit/>
-          </a:bodyPr>
-          <a:lstStyle/>
-          <a:p>
-            <a:pPr algn="ctr">
-              <a:defRPr/>
-            </a:pPr>
-            <a:r>
-              <a:rPr lang="en-US" b="1" dirty="0" smtClean="0">
-                <a:solidFill>
-                  <a:srgbClr val="FF0000"/>
-                </a:solidFill>
-                <a:latin typeface="Wingdings" pitchFamily="2" charset="2"/>
-              </a:rPr>
-              <a:t>x</a:t>
-            </a:r>
-          </a:p>
-        </p:txBody>
-      </p:sp>
-      <p:sp>
-        <p:nvSpPr>
-          <p:cNvPr id="97" name="96 Rectángulo"/>
-          <p:cNvSpPr/>
-          <p:nvPr/>
-        </p:nvSpPr>
-        <p:spPr>
-          <a:xfrm>
-            <a:off x="7212612" y="3143248"/>
-            <a:ext cx="429925" cy="369332"/>
-          </a:xfrm>
-          <a:prstGeom prst="rect">
-            <a:avLst/>
-          </a:prstGeom>
-        </p:spPr>
-        <p:txBody>
-          <a:bodyPr wrap="none">
-            <a:spAutoFit/>
-          </a:bodyPr>
-          <a:lstStyle/>
-          <a:p>
-            <a:pPr algn="ctr">
-              <a:defRPr/>
-            </a:pPr>
-            <a:r>
-              <a:rPr lang="en-US" b="1" dirty="0" smtClean="0">
-                <a:solidFill>
-                  <a:srgbClr val="FF0000"/>
-                </a:solidFill>
-                <a:latin typeface="Wingdings" pitchFamily="2" charset="2"/>
-              </a:rPr>
-              <a:t>x</a:t>
-            </a:r>
-          </a:p>
-        </p:txBody>
-      </p:sp>
-      <p:sp>
-        <p:nvSpPr>
-          <p:cNvPr id="98" name="97 Rectángulo"/>
-          <p:cNvSpPr/>
-          <p:nvPr/>
-        </p:nvSpPr>
-        <p:spPr>
-          <a:xfrm>
-            <a:off x="7213909" y="3857628"/>
-            <a:ext cx="429925" cy="369332"/>
-          </a:xfrm>
-          <a:prstGeom prst="rect">
-            <a:avLst/>
-          </a:prstGeom>
-        </p:spPr>
-        <p:txBody>
-          <a:bodyPr wrap="none">
-            <a:spAutoFit/>
-          </a:bodyPr>
-          <a:lstStyle/>
-          <a:p>
-            <a:pPr algn="ctr">
-              <a:defRPr/>
-            </a:pPr>
-            <a:r>
-              <a:rPr lang="en-US" b="1" dirty="0" smtClean="0">
-                <a:solidFill>
-                  <a:srgbClr val="FF0000"/>
-                </a:solidFill>
-                <a:latin typeface="Wingdings" pitchFamily="2" charset="2"/>
-              </a:rPr>
-              <a:t>x</a:t>
-            </a:r>
-          </a:p>
-        </p:txBody>
-      </p:sp>
-      <p:sp>
-        <p:nvSpPr>
-          <p:cNvPr id="99" name="98 Rectángulo"/>
-          <p:cNvSpPr/>
-          <p:nvPr/>
-        </p:nvSpPr>
-        <p:spPr>
-          <a:xfrm>
-            <a:off x="7213909" y="4643446"/>
-            <a:ext cx="429925" cy="369332"/>
-          </a:xfrm>
-          <a:prstGeom prst="rect">
-            <a:avLst/>
-          </a:prstGeom>
-        </p:spPr>
-        <p:txBody>
-          <a:bodyPr wrap="none">
-            <a:spAutoFit/>
-          </a:bodyPr>
-          <a:lstStyle/>
-          <a:p>
-            <a:pPr algn="ctr">
-              <a:defRPr/>
-            </a:pPr>
-            <a:r>
-              <a:rPr lang="en-US" b="1" dirty="0" smtClean="0">
-                <a:solidFill>
-                  <a:srgbClr val="FF0000"/>
-                </a:solidFill>
-                <a:latin typeface="Wingdings" pitchFamily="2" charset="2"/>
-              </a:rPr>
-              <a:t>x</a:t>
-            </a:r>
-          </a:p>
-        </p:txBody>
-      </p:sp>
-      <p:sp>
-        <p:nvSpPr>
-          <p:cNvPr id="104" name="103 Rectángulo"/>
-          <p:cNvSpPr/>
-          <p:nvPr/>
-        </p:nvSpPr>
-        <p:spPr>
-          <a:xfrm>
-            <a:off x="5849269" y="4274114"/>
-            <a:ext cx="429925" cy="369332"/>
-          </a:xfrm>
-          <a:prstGeom prst="rect">
-            <a:avLst/>
-          </a:prstGeom>
-        </p:spPr>
-        <p:txBody>
-          <a:bodyPr wrap="none">
-            <a:spAutoFit/>
-          </a:bodyPr>
-          <a:lstStyle/>
-          <a:p>
-            <a:pPr algn="ctr">
-              <a:defRPr/>
-            </a:pPr>
-            <a:r>
-              <a:rPr lang="en-US" b="1" dirty="0" smtClean="0">
-                <a:solidFill>
-                  <a:srgbClr val="FF0000"/>
-                </a:solidFill>
-                <a:latin typeface="Wingdings" pitchFamily="2" charset="2"/>
-              </a:rPr>
-              <a:t>x</a:t>
-            </a:r>
-          </a:p>
-        </p:txBody>
-      </p:sp>
-      <p:sp>
-        <p:nvSpPr>
-          <p:cNvPr id="105" name="104 Rectángulo"/>
-          <p:cNvSpPr/>
-          <p:nvPr/>
-        </p:nvSpPr>
-        <p:spPr>
-          <a:xfrm>
-            <a:off x="5849269" y="5072074"/>
-            <a:ext cx="429925" cy="369332"/>
-          </a:xfrm>
-          <a:prstGeom prst="rect">
-            <a:avLst/>
-          </a:prstGeom>
-        </p:spPr>
-        <p:txBody>
-          <a:bodyPr wrap="none">
-            <a:spAutoFit/>
-          </a:bodyPr>
-          <a:lstStyle/>
-          <a:p>
-            <a:pPr algn="ctr">
-              <a:defRPr/>
-            </a:pPr>
-            <a:r>
-              <a:rPr lang="en-US" b="1" dirty="0" smtClean="0">
-                <a:solidFill>
-                  <a:srgbClr val="FF0000"/>
-                </a:solidFill>
-                <a:latin typeface="Wingdings" pitchFamily="2" charset="2"/>
-              </a:rPr>
-              <a:t>x</a:t>
-            </a:r>
-          </a:p>
-        </p:txBody>
-      </p:sp>
-      <p:sp>
-        <p:nvSpPr>
-          <p:cNvPr id="106" name="105 Rectángulo"/>
-          <p:cNvSpPr/>
-          <p:nvPr/>
-        </p:nvSpPr>
-        <p:spPr>
-          <a:xfrm>
-            <a:off x="7213909" y="5072074"/>
-            <a:ext cx="429925" cy="369332"/>
-          </a:xfrm>
-          <a:prstGeom prst="rect">
-            <a:avLst/>
-          </a:prstGeom>
-        </p:spPr>
-        <p:txBody>
-          <a:bodyPr wrap="none">
-            <a:spAutoFit/>
-          </a:bodyPr>
-          <a:lstStyle/>
-          <a:p>
-            <a:pPr algn="ctr">
-              <a:defRPr/>
-            </a:pPr>
-            <a:r>
-              <a:rPr lang="en-US" b="1" dirty="0" smtClean="0">
-                <a:solidFill>
-                  <a:srgbClr val="FF0000"/>
-                </a:solidFill>
-                <a:latin typeface="Wingdings" pitchFamily="2" charset="2"/>
-              </a:rPr>
-              <a:t>x</a:t>
-            </a:r>
-          </a:p>
-        </p:txBody>
-      </p:sp>
-      <p:sp>
-        <p:nvSpPr>
-          <p:cNvPr id="107" name="106 Rectángulo"/>
-          <p:cNvSpPr/>
-          <p:nvPr/>
-        </p:nvSpPr>
-        <p:spPr>
-          <a:xfrm>
-            <a:off x="7213909" y="3488296"/>
-            <a:ext cx="429925" cy="369332"/>
-          </a:xfrm>
-          <a:prstGeom prst="rect">
-            <a:avLst/>
-          </a:prstGeom>
-        </p:spPr>
-        <p:txBody>
-          <a:bodyPr wrap="none">
-            <a:spAutoFit/>
-          </a:bodyPr>
-          <a:lstStyle/>
-          <a:p>
-            <a:pPr algn="ctr">
-              <a:defRPr/>
-            </a:pPr>
-            <a:r>
-              <a:rPr lang="en-US" b="1" dirty="0" smtClean="0">
-                <a:solidFill>
-                  <a:srgbClr val="FF0000"/>
-                </a:solidFill>
-                <a:latin typeface="Wingdings" pitchFamily="2" charset="2"/>
-              </a:rPr>
-              <a:t>x</a:t>
-            </a:r>
-          </a:p>
-        </p:txBody>
-      </p:sp>
-      <p:sp>
-        <p:nvSpPr>
           <p:cNvPr id="49" name="1 Título"/>
           <p:cNvSpPr>
             <a:spLocks noGrp="1"/>
@@ -46369,6 +44496,686 @@
           </a:p>
         </p:txBody>
       </p:sp>
+      <p:sp>
+        <p:nvSpPr>
+          <p:cNvPr id="47" name="46 Rectángulo"/>
+          <p:cNvSpPr/>
+          <p:nvPr/>
+        </p:nvSpPr>
+        <p:spPr>
+          <a:xfrm>
+            <a:off x="4063319" y="4702742"/>
+            <a:ext cx="365805" cy="369332"/>
+          </a:xfrm>
+          <a:prstGeom prst="rect">
+            <a:avLst/>
+          </a:prstGeom>
+        </p:spPr>
+        <p:txBody>
+          <a:bodyPr wrap="none">
+            <a:spAutoFit/>
+          </a:bodyPr>
+          <a:lstStyle/>
+          <a:p>
+            <a:pPr algn="ctr">
+              <a:defRPr/>
+            </a:pPr>
+            <a:r>
+              <a:rPr lang="en-US" b="1" dirty="0" smtClean="0">
+                <a:solidFill>
+                  <a:srgbClr val="009900"/>
+                </a:solidFill>
+                <a:latin typeface="Wingdings" pitchFamily="2" charset="2"/>
+              </a:rPr>
+              <a:t>ü</a:t>
+            </a:r>
+          </a:p>
+        </p:txBody>
+      </p:sp>
+      <p:pic>
+        <p:nvPicPr>
+          <p:cNvPr id="1026" name="Picture 2" descr="C:\Program Files (x86)\Microsoft Office\MEDIA\OFFICE12\Bullets\BD14755_.gif"/>
+          <p:cNvPicPr>
+            <a:picLocks noChangeAspect="1" noChangeArrowheads="1"/>
+          </p:cNvPicPr>
+          <p:nvPr/>
+        </p:nvPicPr>
+        <p:blipFill>
+          <a:blip r:embed="rId2"/>
+          <a:srcRect/>
+          <a:stretch>
+            <a:fillRect/>
+          </a:stretch>
+        </p:blipFill>
+        <p:spPr bwMode="auto">
+          <a:xfrm>
+            <a:off x="4157660" y="3228974"/>
+            <a:ext cx="128588" cy="128588"/>
+          </a:xfrm>
+          <a:prstGeom prst="rect">
+            <a:avLst/>
+          </a:prstGeom>
+          <a:noFill/>
+        </p:spPr>
+      </p:pic>
+      <p:pic>
+        <p:nvPicPr>
+          <p:cNvPr id="52" name="Picture 2" descr="C:\Program Files (x86)\Microsoft Office\MEDIA\OFFICE12\Bullets\BD14755_.gif"/>
+          <p:cNvPicPr>
+            <a:picLocks noChangeAspect="1" noChangeArrowheads="1"/>
+          </p:cNvPicPr>
+          <p:nvPr/>
+        </p:nvPicPr>
+        <p:blipFill>
+          <a:blip r:embed="rId2"/>
+          <a:srcRect/>
+          <a:stretch>
+            <a:fillRect/>
+          </a:stretch>
+        </p:blipFill>
+        <p:spPr bwMode="auto">
+          <a:xfrm>
+            <a:off x="4143372" y="3657602"/>
+            <a:ext cx="128588" cy="128588"/>
+          </a:xfrm>
+          <a:prstGeom prst="rect">
+            <a:avLst/>
+          </a:prstGeom>
+          <a:noFill/>
+        </p:spPr>
+      </p:pic>
+      <p:pic>
+        <p:nvPicPr>
+          <p:cNvPr id="53" name="Picture 2" descr="C:\Program Files (x86)\Microsoft Office\MEDIA\OFFICE12\Bullets\BD14755_.gif"/>
+          <p:cNvPicPr>
+            <a:picLocks noChangeAspect="1" noChangeArrowheads="1"/>
+          </p:cNvPicPr>
+          <p:nvPr/>
+        </p:nvPicPr>
+        <p:blipFill>
+          <a:blip r:embed="rId2"/>
+          <a:srcRect/>
+          <a:stretch>
+            <a:fillRect/>
+          </a:stretch>
+        </p:blipFill>
+        <p:spPr bwMode="auto">
+          <a:xfrm>
+            <a:off x="3286116" y="4000504"/>
+            <a:ext cx="128588" cy="128588"/>
+          </a:xfrm>
+          <a:prstGeom prst="rect">
+            <a:avLst/>
+          </a:prstGeom>
+          <a:noFill/>
+        </p:spPr>
+      </p:pic>
+      <p:pic>
+        <p:nvPicPr>
+          <p:cNvPr id="54" name="Picture 2" descr="C:\Program Files (x86)\Microsoft Office\MEDIA\OFFICE12\Bullets\BD14755_.gif"/>
+          <p:cNvPicPr>
+            <a:picLocks noChangeAspect="1" noChangeArrowheads="1"/>
+          </p:cNvPicPr>
+          <p:nvPr/>
+        </p:nvPicPr>
+        <p:blipFill>
+          <a:blip r:embed="rId2"/>
+          <a:srcRect/>
+          <a:stretch>
+            <a:fillRect/>
+          </a:stretch>
+        </p:blipFill>
+        <p:spPr bwMode="auto">
+          <a:xfrm>
+            <a:off x="6015048" y="3214686"/>
+            <a:ext cx="128588" cy="128588"/>
+          </a:xfrm>
+          <a:prstGeom prst="rect">
+            <a:avLst/>
+          </a:prstGeom>
+          <a:noFill/>
+        </p:spPr>
+      </p:pic>
+      <p:pic>
+        <p:nvPicPr>
+          <p:cNvPr id="55" name="Picture 2" descr="C:\Program Files (x86)\Microsoft Office\MEDIA\OFFICE12\Bullets\BD14755_.gif"/>
+          <p:cNvPicPr>
+            <a:picLocks noChangeAspect="1" noChangeArrowheads="1"/>
+          </p:cNvPicPr>
+          <p:nvPr/>
+        </p:nvPicPr>
+        <p:blipFill>
+          <a:blip r:embed="rId2"/>
+          <a:srcRect/>
+          <a:stretch>
+            <a:fillRect/>
+          </a:stretch>
+        </p:blipFill>
+        <p:spPr bwMode="auto">
+          <a:xfrm>
+            <a:off x="5086354" y="3214686"/>
+            <a:ext cx="128588" cy="128588"/>
+          </a:xfrm>
+          <a:prstGeom prst="rect">
+            <a:avLst/>
+          </a:prstGeom>
+          <a:noFill/>
+        </p:spPr>
+      </p:pic>
+      <p:pic>
+        <p:nvPicPr>
+          <p:cNvPr id="56" name="Picture 2" descr="C:\Program Files (x86)\Microsoft Office\MEDIA\OFFICE12\Bullets\BD14755_.gif"/>
+          <p:cNvPicPr>
+            <a:picLocks noChangeAspect="1" noChangeArrowheads="1"/>
+          </p:cNvPicPr>
+          <p:nvPr/>
+        </p:nvPicPr>
+        <p:blipFill>
+          <a:blip r:embed="rId2"/>
+          <a:srcRect/>
+          <a:stretch>
+            <a:fillRect/>
+          </a:stretch>
+        </p:blipFill>
+        <p:spPr bwMode="auto">
+          <a:xfrm>
+            <a:off x="5072066" y="3657602"/>
+            <a:ext cx="128588" cy="128588"/>
+          </a:xfrm>
+          <a:prstGeom prst="rect">
+            <a:avLst/>
+          </a:prstGeom>
+          <a:noFill/>
+        </p:spPr>
+      </p:pic>
+      <p:pic>
+        <p:nvPicPr>
+          <p:cNvPr id="57" name="Picture 2" descr="C:\Program Files (x86)\Microsoft Office\MEDIA\OFFICE12\Bullets\BD14755_.gif"/>
+          <p:cNvPicPr>
+            <a:picLocks noChangeAspect="1" noChangeArrowheads="1"/>
+          </p:cNvPicPr>
+          <p:nvPr/>
+        </p:nvPicPr>
+        <p:blipFill>
+          <a:blip r:embed="rId2"/>
+          <a:srcRect/>
+          <a:stretch>
+            <a:fillRect/>
+          </a:stretch>
+        </p:blipFill>
+        <p:spPr bwMode="auto">
+          <a:xfrm>
+            <a:off x="7372370" y="3214686"/>
+            <a:ext cx="128588" cy="128588"/>
+          </a:xfrm>
+          <a:prstGeom prst="rect">
+            <a:avLst/>
+          </a:prstGeom>
+          <a:noFill/>
+        </p:spPr>
+      </p:pic>
+      <p:pic>
+        <p:nvPicPr>
+          <p:cNvPr id="58" name="Picture 2" descr="C:\Program Files (x86)\Microsoft Office\MEDIA\OFFICE12\Bullets\BD14755_.gif"/>
+          <p:cNvPicPr>
+            <a:picLocks noChangeAspect="1" noChangeArrowheads="1"/>
+          </p:cNvPicPr>
+          <p:nvPr/>
+        </p:nvPicPr>
+        <p:blipFill>
+          <a:blip r:embed="rId2"/>
+          <a:srcRect/>
+          <a:stretch>
+            <a:fillRect/>
+          </a:stretch>
+        </p:blipFill>
+        <p:spPr bwMode="auto">
+          <a:xfrm>
+            <a:off x="5072066" y="4800610"/>
+            <a:ext cx="128588" cy="128588"/>
+          </a:xfrm>
+          <a:prstGeom prst="rect">
+            <a:avLst/>
+          </a:prstGeom>
+          <a:noFill/>
+        </p:spPr>
+      </p:pic>
+      <p:pic>
+        <p:nvPicPr>
+          <p:cNvPr id="61" name="Picture 2" descr="C:\Program Files (x86)\Microsoft Office\MEDIA\OFFICE12\Bullets\BD14755_.gif"/>
+          <p:cNvPicPr>
+            <a:picLocks noChangeAspect="1" noChangeArrowheads="1"/>
+          </p:cNvPicPr>
+          <p:nvPr/>
+        </p:nvPicPr>
+        <p:blipFill>
+          <a:blip r:embed="rId2"/>
+          <a:srcRect/>
+          <a:stretch>
+            <a:fillRect/>
+          </a:stretch>
+        </p:blipFill>
+        <p:spPr bwMode="auto">
+          <a:xfrm>
+            <a:off x="5072066" y="4014792"/>
+            <a:ext cx="128588" cy="128588"/>
+          </a:xfrm>
+          <a:prstGeom prst="rect">
+            <a:avLst/>
+          </a:prstGeom>
+          <a:noFill/>
+        </p:spPr>
+      </p:pic>
+      <p:pic>
+        <p:nvPicPr>
+          <p:cNvPr id="78" name="Picture 2" descr="C:\Program Files (x86)\Microsoft Office\MEDIA\OFFICE12\Bullets\BD14755_.gif"/>
+          <p:cNvPicPr>
+            <a:picLocks noChangeAspect="1" noChangeArrowheads="1"/>
+          </p:cNvPicPr>
+          <p:nvPr/>
+        </p:nvPicPr>
+        <p:blipFill>
+          <a:blip r:embed="rId2"/>
+          <a:srcRect/>
+          <a:stretch>
+            <a:fillRect/>
+          </a:stretch>
+        </p:blipFill>
+        <p:spPr bwMode="auto">
+          <a:xfrm>
+            <a:off x="6015048" y="4000504"/>
+            <a:ext cx="128588" cy="128588"/>
+          </a:xfrm>
+          <a:prstGeom prst="rect">
+            <a:avLst/>
+          </a:prstGeom>
+          <a:noFill/>
+        </p:spPr>
+      </p:pic>
+      <p:pic>
+        <p:nvPicPr>
+          <p:cNvPr id="81" name="Picture 2" descr="C:\Program Files (x86)\Microsoft Office\MEDIA\OFFICE12\Bullets\BD14755_.gif"/>
+          <p:cNvPicPr>
+            <a:picLocks noChangeAspect="1" noChangeArrowheads="1"/>
+          </p:cNvPicPr>
+          <p:nvPr/>
+        </p:nvPicPr>
+        <p:blipFill>
+          <a:blip r:embed="rId2"/>
+          <a:srcRect/>
+          <a:stretch>
+            <a:fillRect/>
+          </a:stretch>
+        </p:blipFill>
+        <p:spPr bwMode="auto">
+          <a:xfrm>
+            <a:off x="7372370" y="4000504"/>
+            <a:ext cx="128588" cy="128588"/>
+          </a:xfrm>
+          <a:prstGeom prst="rect">
+            <a:avLst/>
+          </a:prstGeom>
+          <a:noFill/>
+        </p:spPr>
+      </p:pic>
+      <p:pic>
+        <p:nvPicPr>
+          <p:cNvPr id="100" name="Picture 2" descr="C:\Program Files (x86)\Microsoft Office\MEDIA\OFFICE12\Bullets\BD14755_.gif"/>
+          <p:cNvPicPr>
+            <a:picLocks noChangeAspect="1" noChangeArrowheads="1"/>
+          </p:cNvPicPr>
+          <p:nvPr/>
+        </p:nvPicPr>
+        <p:blipFill>
+          <a:blip r:embed="rId2"/>
+          <a:srcRect/>
+          <a:stretch>
+            <a:fillRect/>
+          </a:stretch>
+        </p:blipFill>
+        <p:spPr bwMode="auto">
+          <a:xfrm>
+            <a:off x="7358082" y="3643314"/>
+            <a:ext cx="128588" cy="128588"/>
+          </a:xfrm>
+          <a:prstGeom prst="rect">
+            <a:avLst/>
+          </a:prstGeom>
+          <a:noFill/>
+        </p:spPr>
+      </p:pic>
+      <p:sp>
+        <p:nvSpPr>
+          <p:cNvPr id="101" name="100 Rectángulo"/>
+          <p:cNvSpPr/>
+          <p:nvPr/>
+        </p:nvSpPr>
+        <p:spPr>
+          <a:xfrm>
+            <a:off x="7286644" y="4702742"/>
+            <a:ext cx="365805" cy="369332"/>
+          </a:xfrm>
+          <a:prstGeom prst="rect">
+            <a:avLst/>
+          </a:prstGeom>
+        </p:spPr>
+        <p:txBody>
+          <a:bodyPr wrap="none">
+            <a:spAutoFit/>
+          </a:bodyPr>
+          <a:lstStyle/>
+          <a:p>
+            <a:pPr algn="ctr">
+              <a:defRPr/>
+            </a:pPr>
+            <a:r>
+              <a:rPr lang="en-US" b="1" dirty="0" smtClean="0">
+                <a:solidFill>
+                  <a:srgbClr val="009900"/>
+                </a:solidFill>
+                <a:latin typeface="Wingdings" pitchFamily="2" charset="2"/>
+              </a:rPr>
+              <a:t>ü</a:t>
+            </a:r>
+          </a:p>
+        </p:txBody>
+      </p:sp>
+      <p:sp>
+        <p:nvSpPr>
+          <p:cNvPr id="102" name="101 Rectángulo"/>
+          <p:cNvSpPr/>
+          <p:nvPr/>
+        </p:nvSpPr>
+        <p:spPr>
+          <a:xfrm>
+            <a:off x="5857884" y="4702742"/>
+            <a:ext cx="365805" cy="369332"/>
+          </a:xfrm>
+          <a:prstGeom prst="rect">
+            <a:avLst/>
+          </a:prstGeom>
+        </p:spPr>
+        <p:txBody>
+          <a:bodyPr wrap="none">
+            <a:spAutoFit/>
+          </a:bodyPr>
+          <a:lstStyle/>
+          <a:p>
+            <a:pPr algn="ctr">
+              <a:defRPr/>
+            </a:pPr>
+            <a:r>
+              <a:rPr lang="en-US" b="1" dirty="0" smtClean="0">
+                <a:solidFill>
+                  <a:srgbClr val="009900"/>
+                </a:solidFill>
+                <a:latin typeface="Wingdings" pitchFamily="2" charset="2"/>
+              </a:rPr>
+              <a:t>ü</a:t>
+            </a:r>
+          </a:p>
+        </p:txBody>
+      </p:sp>
+      <p:pic>
+        <p:nvPicPr>
+          <p:cNvPr id="103" name="Picture 2" descr="C:\Program Files (x86)\Microsoft Office\MEDIA\OFFICE12\Bullets\BD14755_.gif"/>
+          <p:cNvPicPr>
+            <a:picLocks noChangeAspect="1" noChangeArrowheads="1"/>
+          </p:cNvPicPr>
+          <p:nvPr/>
+        </p:nvPicPr>
+        <p:blipFill>
+          <a:blip r:embed="rId2"/>
+          <a:srcRect/>
+          <a:stretch>
+            <a:fillRect/>
+          </a:stretch>
+        </p:blipFill>
+        <p:spPr bwMode="auto">
+          <a:xfrm>
+            <a:off x="4143372" y="4371982"/>
+            <a:ext cx="128588" cy="128588"/>
+          </a:xfrm>
+          <a:prstGeom prst="rect">
+            <a:avLst/>
+          </a:prstGeom>
+          <a:noFill/>
+        </p:spPr>
+      </p:pic>
+      <p:pic>
+        <p:nvPicPr>
+          <p:cNvPr id="108" name="Picture 2" descr="C:\Program Files (x86)\Microsoft Office\MEDIA\OFFICE12\Bullets\BD14755_.gif"/>
+          <p:cNvPicPr>
+            <a:picLocks noChangeAspect="1" noChangeArrowheads="1"/>
+          </p:cNvPicPr>
+          <p:nvPr/>
+        </p:nvPicPr>
+        <p:blipFill>
+          <a:blip r:embed="rId2"/>
+          <a:srcRect/>
+          <a:stretch>
+            <a:fillRect/>
+          </a:stretch>
+        </p:blipFill>
+        <p:spPr bwMode="auto">
+          <a:xfrm>
+            <a:off x="6000760" y="4371982"/>
+            <a:ext cx="128588" cy="128588"/>
+          </a:xfrm>
+          <a:prstGeom prst="rect">
+            <a:avLst/>
+          </a:prstGeom>
+          <a:noFill/>
+        </p:spPr>
+      </p:pic>
+      <p:pic>
+        <p:nvPicPr>
+          <p:cNvPr id="109" name="Picture 2" descr="C:\Program Files (x86)\Microsoft Office\MEDIA\OFFICE12\Bullets\BD14755_.gif"/>
+          <p:cNvPicPr>
+            <a:picLocks noChangeAspect="1" noChangeArrowheads="1"/>
+          </p:cNvPicPr>
+          <p:nvPr/>
+        </p:nvPicPr>
+        <p:blipFill>
+          <a:blip r:embed="rId2"/>
+          <a:srcRect/>
+          <a:stretch>
+            <a:fillRect/>
+          </a:stretch>
+        </p:blipFill>
+        <p:spPr bwMode="auto">
+          <a:xfrm>
+            <a:off x="3286116" y="5229238"/>
+            <a:ext cx="128588" cy="128588"/>
+          </a:xfrm>
+          <a:prstGeom prst="rect">
+            <a:avLst/>
+          </a:prstGeom>
+          <a:noFill/>
+        </p:spPr>
+      </p:pic>
+      <p:pic>
+        <p:nvPicPr>
+          <p:cNvPr id="110" name="Picture 2" descr="C:\Program Files (x86)\Microsoft Office\MEDIA\OFFICE12\Bullets\BD14755_.gif"/>
+          <p:cNvPicPr>
+            <a:picLocks noChangeAspect="1" noChangeArrowheads="1"/>
+          </p:cNvPicPr>
+          <p:nvPr/>
+        </p:nvPicPr>
+        <p:blipFill>
+          <a:blip r:embed="rId2"/>
+          <a:srcRect/>
+          <a:stretch>
+            <a:fillRect/>
+          </a:stretch>
+        </p:blipFill>
+        <p:spPr bwMode="auto">
+          <a:xfrm>
+            <a:off x="6015048" y="5229238"/>
+            <a:ext cx="128588" cy="128588"/>
+          </a:xfrm>
+          <a:prstGeom prst="rect">
+            <a:avLst/>
+          </a:prstGeom>
+          <a:noFill/>
+        </p:spPr>
+      </p:pic>
+      <p:pic>
+        <p:nvPicPr>
+          <p:cNvPr id="111" name="Picture 2" descr="C:\Program Files (x86)\Microsoft Office\MEDIA\OFFICE12\Bullets\BD14755_.gif"/>
+          <p:cNvPicPr>
+            <a:picLocks noChangeAspect="1" noChangeArrowheads="1"/>
+          </p:cNvPicPr>
+          <p:nvPr/>
+        </p:nvPicPr>
+        <p:blipFill>
+          <a:blip r:embed="rId2"/>
+          <a:srcRect/>
+          <a:stretch>
+            <a:fillRect/>
+          </a:stretch>
+        </p:blipFill>
+        <p:spPr bwMode="auto">
+          <a:xfrm>
+            <a:off x="7372370" y="5229238"/>
+            <a:ext cx="128588" cy="128588"/>
+          </a:xfrm>
+          <a:prstGeom prst="rect">
+            <a:avLst/>
+          </a:prstGeom>
+          <a:noFill/>
+        </p:spPr>
+      </p:pic>
+      <p:pic>
+        <p:nvPicPr>
+          <p:cNvPr id="112" name="Picture 2" descr="C:\Program Files (x86)\Microsoft Office\MEDIA\OFFICE12\Bullets\BD14755_.gif"/>
+          <p:cNvPicPr>
+            <a:picLocks noChangeAspect="1" noChangeArrowheads="1"/>
+          </p:cNvPicPr>
+          <p:nvPr/>
+        </p:nvPicPr>
+        <p:blipFill>
+          <a:blip r:embed="rId2"/>
+          <a:srcRect/>
+          <a:stretch>
+            <a:fillRect/>
+          </a:stretch>
+        </p:blipFill>
+        <p:spPr bwMode="auto">
+          <a:xfrm>
+            <a:off x="4157660" y="5214950"/>
+            <a:ext cx="128588" cy="128588"/>
+          </a:xfrm>
+          <a:prstGeom prst="rect">
+            <a:avLst/>
+          </a:prstGeom>
+          <a:noFill/>
+        </p:spPr>
+      </p:pic>
+      <p:pic>
+        <p:nvPicPr>
+          <p:cNvPr id="114" name="Picture 2" descr="C:\Program Files (x86)\Microsoft Office\MEDIA\OFFICE12\Bullets\BD14755_.gif"/>
+          <p:cNvPicPr>
+            <a:picLocks noChangeAspect="1" noChangeArrowheads="1"/>
+          </p:cNvPicPr>
+          <p:nvPr/>
+        </p:nvPicPr>
+        <p:blipFill>
+          <a:blip r:embed="rId2"/>
+          <a:srcRect/>
+          <a:stretch>
+            <a:fillRect/>
+          </a:stretch>
+        </p:blipFill>
+        <p:spPr bwMode="auto">
+          <a:xfrm>
+            <a:off x="3286116" y="5586428"/>
+            <a:ext cx="128588" cy="128588"/>
+          </a:xfrm>
+          <a:prstGeom prst="rect">
+            <a:avLst/>
+          </a:prstGeom>
+          <a:noFill/>
+        </p:spPr>
+      </p:pic>
+      <p:pic>
+        <p:nvPicPr>
+          <p:cNvPr id="115" name="Picture 2" descr="C:\Program Files (x86)\Microsoft Office\MEDIA\OFFICE12\Bullets\BD14755_.gif"/>
+          <p:cNvPicPr>
+            <a:picLocks noChangeAspect="1" noChangeArrowheads="1"/>
+          </p:cNvPicPr>
+          <p:nvPr/>
+        </p:nvPicPr>
+        <p:blipFill>
+          <a:blip r:embed="rId2"/>
+          <a:srcRect/>
+          <a:stretch>
+            <a:fillRect/>
+          </a:stretch>
+        </p:blipFill>
+        <p:spPr bwMode="auto">
+          <a:xfrm>
+            <a:off x="6015048" y="5586428"/>
+            <a:ext cx="128588" cy="128588"/>
+          </a:xfrm>
+          <a:prstGeom prst="rect">
+            <a:avLst/>
+          </a:prstGeom>
+          <a:noFill/>
+        </p:spPr>
+      </p:pic>
+      <p:pic>
+        <p:nvPicPr>
+          <p:cNvPr id="116" name="Picture 2" descr="C:\Program Files (x86)\Microsoft Office\MEDIA\OFFICE12\Bullets\BD14755_.gif"/>
+          <p:cNvPicPr>
+            <a:picLocks noChangeAspect="1" noChangeArrowheads="1"/>
+          </p:cNvPicPr>
+          <p:nvPr/>
+        </p:nvPicPr>
+        <p:blipFill>
+          <a:blip r:embed="rId2"/>
+          <a:srcRect/>
+          <a:stretch>
+            <a:fillRect/>
+          </a:stretch>
+        </p:blipFill>
+        <p:spPr bwMode="auto">
+          <a:xfrm>
+            <a:off x="7372370" y="5586428"/>
+            <a:ext cx="128588" cy="128588"/>
+          </a:xfrm>
+          <a:prstGeom prst="rect">
+            <a:avLst/>
+          </a:prstGeom>
+          <a:noFill/>
+        </p:spPr>
+      </p:pic>
+      <p:pic>
+        <p:nvPicPr>
+          <p:cNvPr id="118" name="Picture 2" descr="C:\Program Files (x86)\Microsoft Office\MEDIA\OFFICE12\Bullets\BD14755_.gif"/>
+          <p:cNvPicPr>
+            <a:picLocks noChangeAspect="1" noChangeArrowheads="1"/>
+          </p:cNvPicPr>
+          <p:nvPr/>
+        </p:nvPicPr>
+        <p:blipFill>
+          <a:blip r:embed="rId2"/>
+          <a:srcRect/>
+          <a:stretch>
+            <a:fillRect/>
+          </a:stretch>
+        </p:blipFill>
+        <p:spPr bwMode="auto">
+          <a:xfrm>
+            <a:off x="5143504" y="5572140"/>
+            <a:ext cx="128588" cy="128588"/>
+          </a:xfrm>
+          <a:prstGeom prst="rect">
+            <a:avLst/>
+          </a:prstGeom>
+          <a:noFill/>
+        </p:spPr>
+      </p:pic>
     </p:spTree>
   </p:cSld>
   <p:clrMapOvr>
